--- a/Presentations/Presentation.pptx
+++ b/Presentations/Presentation.pptx
@@ -4,6 +4,9 @@
   <p:sldMasterIdLst>
     <p:sldMasterId id="2147483648" r:id="rId1"/>
   </p:sldMasterIdLst>
+  <p:notesMasterIdLst>
+    <p:notesMasterId r:id="rId15"/>
+  </p:notesMasterIdLst>
   <p:sldIdLst>
     <p:sldId id="256" r:id="rId2"/>
     <p:sldId id="259" r:id="rId3"/>
@@ -11,7 +14,13 @@
     <p:sldId id="261" r:id="rId5"/>
     <p:sldId id="262" r:id="rId6"/>
     <p:sldId id="257" r:id="rId7"/>
-    <p:sldId id="263" r:id="rId8"/>
+    <p:sldId id="265" r:id="rId8"/>
+    <p:sldId id="264" r:id="rId9"/>
+    <p:sldId id="266" r:id="rId10"/>
+    <p:sldId id="267" r:id="rId11"/>
+    <p:sldId id="268" r:id="rId12"/>
+    <p:sldId id="263" r:id="rId13"/>
+    <p:sldId id="269" r:id="rId14"/>
   </p:sldIdLst>
   <p:sldSz cx="12192000" cy="6858000"/>
   <p:notesSz cx="6858000" cy="9144000"/>
@@ -118,6 +127,439 @@
 </p:presentation>
 </file>
 
+<file path=ppt/notesMasters/notesMaster1.xml><?xml version="1.0" encoding="utf-8"?>
+<p:notesMaster xmlns:a="http://schemas.openxmlformats.org/drawingml/2006/main" xmlns:r="http://schemas.openxmlformats.org/officeDocument/2006/relationships" xmlns:p="http://schemas.openxmlformats.org/presentationml/2006/main">
+  <p:cSld>
+    <p:bg>
+      <p:bgRef idx="1001">
+        <a:schemeClr val="bg1"/>
+      </p:bgRef>
+    </p:bg>
+    <p:spTree>
+      <p:nvGrpSpPr>
+        <p:cNvPr id="1" name=""/>
+        <p:cNvGrpSpPr/>
+        <p:nvPr/>
+      </p:nvGrpSpPr>
+      <p:grpSpPr>
+        <a:xfrm>
+          <a:off x="0" y="0"/>
+          <a:ext cx="0" cy="0"/>
+          <a:chOff x="0" y="0"/>
+          <a:chExt cx="0" cy="0"/>
+        </a:xfrm>
+      </p:grpSpPr>
+      <p:sp>
+        <p:nvSpPr>
+          <p:cNvPr id="2" name="Header Placeholder 1"/>
+          <p:cNvSpPr>
+            <a:spLocks noGrp="1"/>
+          </p:cNvSpPr>
+          <p:nvPr>
+            <p:ph type="hdr" sz="quarter"/>
+          </p:nvPr>
+        </p:nvSpPr>
+        <p:spPr>
+          <a:xfrm>
+            <a:off x="0" y="0"/>
+            <a:ext cx="2971800" cy="458788"/>
+          </a:xfrm>
+          <a:prstGeom prst="rect">
+            <a:avLst/>
+          </a:prstGeom>
+        </p:spPr>
+        <p:txBody>
+          <a:bodyPr vert="horz" lIns="91440" tIns="45720" rIns="91440" bIns="45720" rtlCol="0"/>
+          <a:lstStyle>
+            <a:lvl1pPr algn="l">
+              <a:defRPr sz="1200"/>
+            </a:lvl1pPr>
+          </a:lstStyle>
+          <a:p>
+            <a:endParaRPr lang="en-US"/>
+          </a:p>
+        </p:txBody>
+      </p:sp>
+      <p:sp>
+        <p:nvSpPr>
+          <p:cNvPr id="3" name="Date Placeholder 2"/>
+          <p:cNvSpPr>
+            <a:spLocks noGrp="1"/>
+          </p:cNvSpPr>
+          <p:nvPr>
+            <p:ph type="dt" idx="1"/>
+          </p:nvPr>
+        </p:nvSpPr>
+        <p:spPr>
+          <a:xfrm>
+            <a:off x="3884613" y="0"/>
+            <a:ext cx="2971800" cy="458788"/>
+          </a:xfrm>
+          <a:prstGeom prst="rect">
+            <a:avLst/>
+          </a:prstGeom>
+        </p:spPr>
+        <p:txBody>
+          <a:bodyPr vert="horz" lIns="91440" tIns="45720" rIns="91440" bIns="45720" rtlCol="0"/>
+          <a:lstStyle>
+            <a:lvl1pPr algn="r">
+              <a:defRPr sz="1200"/>
+            </a:lvl1pPr>
+          </a:lstStyle>
+          <a:p>
+            <a:fld id="{785A57EC-95D8-4454-8319-E4783E35E39E}" type="datetimeFigureOut">
+              <a:rPr lang="en-US" smtClean="0"/>
+              <a:t>2/27/2023</a:t>
+            </a:fld>
+            <a:endParaRPr lang="en-US"/>
+          </a:p>
+        </p:txBody>
+      </p:sp>
+      <p:sp>
+        <p:nvSpPr>
+          <p:cNvPr id="4" name="Slide Image Placeholder 3"/>
+          <p:cNvSpPr>
+            <a:spLocks noGrp="1" noRot="1" noChangeAspect="1"/>
+          </p:cNvSpPr>
+          <p:nvPr>
+            <p:ph type="sldImg" idx="2"/>
+          </p:nvPr>
+        </p:nvSpPr>
+        <p:spPr>
+          <a:xfrm>
+            <a:off x="685800" y="1143000"/>
+            <a:ext cx="5486400" cy="3086100"/>
+          </a:xfrm>
+          <a:prstGeom prst="rect">
+            <a:avLst/>
+          </a:prstGeom>
+          <a:noFill/>
+          <a:ln w="12700">
+            <a:solidFill>
+              <a:prstClr val="black"/>
+            </a:solidFill>
+          </a:ln>
+        </p:spPr>
+        <p:txBody>
+          <a:bodyPr vert="horz" lIns="91440" tIns="45720" rIns="91440" bIns="45720" rtlCol="0" anchor="ctr"/>
+          <a:lstStyle/>
+          <a:p>
+            <a:endParaRPr lang="en-US"/>
+          </a:p>
+        </p:txBody>
+      </p:sp>
+      <p:sp>
+        <p:nvSpPr>
+          <p:cNvPr id="5" name="Notes Placeholder 4"/>
+          <p:cNvSpPr>
+            <a:spLocks noGrp="1"/>
+          </p:cNvSpPr>
+          <p:nvPr>
+            <p:ph type="body" sz="quarter" idx="3"/>
+          </p:nvPr>
+        </p:nvSpPr>
+        <p:spPr>
+          <a:xfrm>
+            <a:off x="685800" y="4400550"/>
+            <a:ext cx="5486400" cy="3600450"/>
+          </a:xfrm>
+          <a:prstGeom prst="rect">
+            <a:avLst/>
+          </a:prstGeom>
+        </p:spPr>
+        <p:txBody>
+          <a:bodyPr vert="horz" lIns="91440" tIns="45720" rIns="91440" bIns="45720" rtlCol="0"/>
+          <a:lstStyle/>
+          <a:p>
+            <a:pPr lvl="0"/>
+            <a:r>
+              <a:rPr lang="en-US"/>
+              <a:t>Click to edit Master text styles</a:t>
+            </a:r>
+          </a:p>
+          <a:p>
+            <a:pPr lvl="1"/>
+            <a:r>
+              <a:rPr lang="en-US"/>
+              <a:t>Second level</a:t>
+            </a:r>
+          </a:p>
+          <a:p>
+            <a:pPr lvl="2"/>
+            <a:r>
+              <a:rPr lang="en-US"/>
+              <a:t>Third level</a:t>
+            </a:r>
+          </a:p>
+          <a:p>
+            <a:pPr lvl="3"/>
+            <a:r>
+              <a:rPr lang="en-US"/>
+              <a:t>Fourth level</a:t>
+            </a:r>
+          </a:p>
+          <a:p>
+            <a:pPr lvl="4"/>
+            <a:r>
+              <a:rPr lang="en-US"/>
+              <a:t>Fifth level</a:t>
+            </a:r>
+          </a:p>
+        </p:txBody>
+      </p:sp>
+      <p:sp>
+        <p:nvSpPr>
+          <p:cNvPr id="6" name="Footer Placeholder 5"/>
+          <p:cNvSpPr>
+            <a:spLocks noGrp="1"/>
+          </p:cNvSpPr>
+          <p:nvPr>
+            <p:ph type="ftr" sz="quarter" idx="4"/>
+          </p:nvPr>
+        </p:nvSpPr>
+        <p:spPr>
+          <a:xfrm>
+            <a:off x="0" y="8685213"/>
+            <a:ext cx="2971800" cy="458787"/>
+          </a:xfrm>
+          <a:prstGeom prst="rect">
+            <a:avLst/>
+          </a:prstGeom>
+        </p:spPr>
+        <p:txBody>
+          <a:bodyPr vert="horz" lIns="91440" tIns="45720" rIns="91440" bIns="45720" rtlCol="0" anchor="b"/>
+          <a:lstStyle>
+            <a:lvl1pPr algn="l">
+              <a:defRPr sz="1200"/>
+            </a:lvl1pPr>
+          </a:lstStyle>
+          <a:p>
+            <a:endParaRPr lang="en-US"/>
+          </a:p>
+        </p:txBody>
+      </p:sp>
+      <p:sp>
+        <p:nvSpPr>
+          <p:cNvPr id="7" name="Slide Number Placeholder 6"/>
+          <p:cNvSpPr>
+            <a:spLocks noGrp="1"/>
+          </p:cNvSpPr>
+          <p:nvPr>
+            <p:ph type="sldNum" sz="quarter" idx="5"/>
+          </p:nvPr>
+        </p:nvSpPr>
+        <p:spPr>
+          <a:xfrm>
+            <a:off x="3884613" y="8685213"/>
+            <a:ext cx="2971800" cy="458787"/>
+          </a:xfrm>
+          <a:prstGeom prst="rect">
+            <a:avLst/>
+          </a:prstGeom>
+        </p:spPr>
+        <p:txBody>
+          <a:bodyPr vert="horz" lIns="91440" tIns="45720" rIns="91440" bIns="45720" rtlCol="0" anchor="b"/>
+          <a:lstStyle>
+            <a:lvl1pPr algn="r">
+              <a:defRPr sz="1200"/>
+            </a:lvl1pPr>
+          </a:lstStyle>
+          <a:p>
+            <a:fld id="{491D9AB9-9562-4F24-BE50-B28D855517C1}" type="slidenum">
+              <a:rPr lang="en-US" smtClean="0"/>
+              <a:t>‹#›</a:t>
+            </a:fld>
+            <a:endParaRPr lang="en-US"/>
+          </a:p>
+        </p:txBody>
+      </p:sp>
+    </p:spTree>
+    <p:extLst>
+      <p:ext uri="{BB962C8B-B14F-4D97-AF65-F5344CB8AC3E}">
+        <p14:creationId xmlns:p14="http://schemas.microsoft.com/office/powerpoint/2010/main" val="405461761"/>
+      </p:ext>
+    </p:extLst>
+  </p:cSld>
+  <p:clrMap bg1="lt1" tx1="dk1" bg2="lt2" tx2="dk2" accent1="accent1" accent2="accent2" accent3="accent3" accent4="accent4" accent5="accent5" accent6="accent6" hlink="hlink" folHlink="folHlink"/>
+  <p:notesStyle>
+    <a:lvl1pPr marL="0" algn="l" defTabSz="914400" rtl="0" eaLnBrk="1" latinLnBrk="0" hangingPunct="1">
+      <a:defRPr sz="1200" kern="1200">
+        <a:solidFill>
+          <a:schemeClr val="tx1"/>
+        </a:solidFill>
+        <a:latin typeface="+mn-lt"/>
+        <a:ea typeface="+mn-ea"/>
+        <a:cs typeface="+mn-cs"/>
+      </a:defRPr>
+    </a:lvl1pPr>
+    <a:lvl2pPr marL="457200" algn="l" defTabSz="914400" rtl="0" eaLnBrk="1" latinLnBrk="0" hangingPunct="1">
+      <a:defRPr sz="1200" kern="1200">
+        <a:solidFill>
+          <a:schemeClr val="tx1"/>
+        </a:solidFill>
+        <a:latin typeface="+mn-lt"/>
+        <a:ea typeface="+mn-ea"/>
+        <a:cs typeface="+mn-cs"/>
+      </a:defRPr>
+    </a:lvl2pPr>
+    <a:lvl3pPr marL="914400" algn="l" defTabSz="914400" rtl="0" eaLnBrk="1" latinLnBrk="0" hangingPunct="1">
+      <a:defRPr sz="1200" kern="1200">
+        <a:solidFill>
+          <a:schemeClr val="tx1"/>
+        </a:solidFill>
+        <a:latin typeface="+mn-lt"/>
+        <a:ea typeface="+mn-ea"/>
+        <a:cs typeface="+mn-cs"/>
+      </a:defRPr>
+    </a:lvl3pPr>
+    <a:lvl4pPr marL="1371600" algn="l" defTabSz="914400" rtl="0" eaLnBrk="1" latinLnBrk="0" hangingPunct="1">
+      <a:defRPr sz="1200" kern="1200">
+        <a:solidFill>
+          <a:schemeClr val="tx1"/>
+        </a:solidFill>
+        <a:latin typeface="+mn-lt"/>
+        <a:ea typeface="+mn-ea"/>
+        <a:cs typeface="+mn-cs"/>
+      </a:defRPr>
+    </a:lvl4pPr>
+    <a:lvl5pPr marL="1828800" algn="l" defTabSz="914400" rtl="0" eaLnBrk="1" latinLnBrk="0" hangingPunct="1">
+      <a:defRPr sz="1200" kern="1200">
+        <a:solidFill>
+          <a:schemeClr val="tx1"/>
+        </a:solidFill>
+        <a:latin typeface="+mn-lt"/>
+        <a:ea typeface="+mn-ea"/>
+        <a:cs typeface="+mn-cs"/>
+      </a:defRPr>
+    </a:lvl5pPr>
+    <a:lvl6pPr marL="2286000" algn="l" defTabSz="914400" rtl="0" eaLnBrk="1" latinLnBrk="0" hangingPunct="1">
+      <a:defRPr sz="1200" kern="1200">
+        <a:solidFill>
+          <a:schemeClr val="tx1"/>
+        </a:solidFill>
+        <a:latin typeface="+mn-lt"/>
+        <a:ea typeface="+mn-ea"/>
+        <a:cs typeface="+mn-cs"/>
+      </a:defRPr>
+    </a:lvl6pPr>
+    <a:lvl7pPr marL="2743200" algn="l" defTabSz="914400" rtl="0" eaLnBrk="1" latinLnBrk="0" hangingPunct="1">
+      <a:defRPr sz="1200" kern="1200">
+        <a:solidFill>
+          <a:schemeClr val="tx1"/>
+        </a:solidFill>
+        <a:latin typeface="+mn-lt"/>
+        <a:ea typeface="+mn-ea"/>
+        <a:cs typeface="+mn-cs"/>
+      </a:defRPr>
+    </a:lvl7pPr>
+    <a:lvl8pPr marL="3200400" algn="l" defTabSz="914400" rtl="0" eaLnBrk="1" latinLnBrk="0" hangingPunct="1">
+      <a:defRPr sz="1200" kern="1200">
+        <a:solidFill>
+          <a:schemeClr val="tx1"/>
+        </a:solidFill>
+        <a:latin typeface="+mn-lt"/>
+        <a:ea typeface="+mn-ea"/>
+        <a:cs typeface="+mn-cs"/>
+      </a:defRPr>
+    </a:lvl8pPr>
+    <a:lvl9pPr marL="3657600" algn="l" defTabSz="914400" rtl="0" eaLnBrk="1" latinLnBrk="0" hangingPunct="1">
+      <a:defRPr sz="1200" kern="1200">
+        <a:solidFill>
+          <a:schemeClr val="tx1"/>
+        </a:solidFill>
+        <a:latin typeface="+mn-lt"/>
+        <a:ea typeface="+mn-ea"/>
+        <a:cs typeface="+mn-cs"/>
+      </a:defRPr>
+    </a:lvl9pPr>
+  </p:notesStyle>
+</p:notesMaster>
+</file>
+
+<file path=ppt/notesSlides/notesSlide1.xml><?xml version="1.0" encoding="utf-8"?>
+<p:notes xmlns:a="http://schemas.openxmlformats.org/drawingml/2006/main" xmlns:r="http://schemas.openxmlformats.org/officeDocument/2006/relationships" xmlns:p="http://schemas.openxmlformats.org/presentationml/2006/main">
+  <p:cSld>
+    <p:spTree>
+      <p:nvGrpSpPr>
+        <p:cNvPr id="1" name=""/>
+        <p:cNvGrpSpPr/>
+        <p:nvPr/>
+      </p:nvGrpSpPr>
+      <p:grpSpPr>
+        <a:xfrm>
+          <a:off x="0" y="0"/>
+          <a:ext cx="0" cy="0"/>
+          <a:chOff x="0" y="0"/>
+          <a:chExt cx="0" cy="0"/>
+        </a:xfrm>
+      </p:grpSpPr>
+      <p:sp>
+        <p:nvSpPr>
+          <p:cNvPr id="2" name="Slide Image Placeholder 1"/>
+          <p:cNvSpPr>
+            <a:spLocks noGrp="1" noRot="1" noChangeAspect="1"/>
+          </p:cNvSpPr>
+          <p:nvPr>
+            <p:ph type="sldImg"/>
+          </p:nvPr>
+        </p:nvSpPr>
+        <p:spPr/>
+      </p:sp>
+      <p:sp>
+        <p:nvSpPr>
+          <p:cNvPr id="3" name="Notes Placeholder 2"/>
+          <p:cNvSpPr>
+            <a:spLocks noGrp="1"/>
+          </p:cNvSpPr>
+          <p:nvPr>
+            <p:ph type="body" idx="1"/>
+          </p:nvPr>
+        </p:nvSpPr>
+        <p:spPr/>
+        <p:txBody>
+          <a:bodyPr/>
+          <a:lstStyle/>
+          <a:p>
+            <a:endParaRPr lang="en-US" dirty="0"/>
+          </a:p>
+        </p:txBody>
+      </p:sp>
+      <p:sp>
+        <p:nvSpPr>
+          <p:cNvPr id="4" name="Slide Number Placeholder 3"/>
+          <p:cNvSpPr>
+            <a:spLocks noGrp="1"/>
+          </p:cNvSpPr>
+          <p:nvPr>
+            <p:ph type="sldNum" sz="quarter" idx="5"/>
+          </p:nvPr>
+        </p:nvSpPr>
+        <p:spPr/>
+        <p:txBody>
+          <a:bodyPr/>
+          <a:lstStyle/>
+          <a:p>
+            <a:fld id="{491D9AB9-9562-4F24-BE50-B28D855517C1}" type="slidenum">
+              <a:rPr lang="en-US" smtClean="0"/>
+              <a:t>2</a:t>
+            </a:fld>
+            <a:endParaRPr lang="en-US"/>
+          </a:p>
+        </p:txBody>
+      </p:sp>
+    </p:spTree>
+    <p:extLst>
+      <p:ext uri="{BB962C8B-B14F-4D97-AF65-F5344CB8AC3E}">
+        <p14:creationId xmlns:p14="http://schemas.microsoft.com/office/powerpoint/2010/main" val="182236072"/>
+      </p:ext>
+    </p:extLst>
+  </p:cSld>
+  <p:clrMapOvr>
+    <a:masterClrMapping/>
+  </p:clrMapOvr>
+</p:notes>
+</file>
+
 <file path=ppt/slideLayouts/slideLayout1.xml><?xml version="1.0" encoding="utf-8"?>
 <p:sldLayout xmlns:a="http://schemas.openxmlformats.org/drawingml/2006/main" xmlns:r="http://schemas.openxmlformats.org/officeDocument/2006/relationships" xmlns:p="http://schemas.openxmlformats.org/presentationml/2006/main" type="title" preserve="1">
   <p:cSld name="Title Slide">
@@ -265,7 +707,7 @@
           <a:p>
             <a:fld id="{20483390-C10D-495D-AD08-B75BDE32C1DD}" type="datetimeFigureOut">
               <a:rPr lang="en-US" smtClean="0"/>
-              <a:t>2/23/2023</a:t>
+              <a:t>2/27/2023</a:t>
             </a:fld>
             <a:endParaRPr lang="en-US"/>
           </a:p>
@@ -463,7 +905,7 @@
           <a:p>
             <a:fld id="{20483390-C10D-495D-AD08-B75BDE32C1DD}" type="datetimeFigureOut">
               <a:rPr lang="en-US" smtClean="0"/>
-              <a:t>2/23/2023</a:t>
+              <a:t>2/27/2023</a:t>
             </a:fld>
             <a:endParaRPr lang="en-US"/>
           </a:p>
@@ -671,7 +1113,7 @@
           <a:p>
             <a:fld id="{20483390-C10D-495D-AD08-B75BDE32C1DD}" type="datetimeFigureOut">
               <a:rPr lang="en-US" smtClean="0"/>
-              <a:t>2/23/2023</a:t>
+              <a:t>2/27/2023</a:t>
             </a:fld>
             <a:endParaRPr lang="en-US"/>
           </a:p>
@@ -869,7 +1311,7 @@
           <a:p>
             <a:fld id="{20483390-C10D-495D-AD08-B75BDE32C1DD}" type="datetimeFigureOut">
               <a:rPr lang="en-US" smtClean="0"/>
-              <a:t>2/23/2023</a:t>
+              <a:t>2/27/2023</a:t>
             </a:fld>
             <a:endParaRPr lang="en-US"/>
           </a:p>
@@ -1144,7 +1586,7 @@
           <a:p>
             <a:fld id="{20483390-C10D-495D-AD08-B75BDE32C1DD}" type="datetimeFigureOut">
               <a:rPr lang="en-US" smtClean="0"/>
-              <a:t>2/23/2023</a:t>
+              <a:t>2/27/2023</a:t>
             </a:fld>
             <a:endParaRPr lang="en-US"/>
           </a:p>
@@ -1409,7 +1851,7 @@
           <a:p>
             <a:fld id="{20483390-C10D-495D-AD08-B75BDE32C1DD}" type="datetimeFigureOut">
               <a:rPr lang="en-US" smtClean="0"/>
-              <a:t>2/23/2023</a:t>
+              <a:t>2/27/2023</a:t>
             </a:fld>
             <a:endParaRPr lang="en-US"/>
           </a:p>
@@ -1821,7 +2263,7 @@
           <a:p>
             <a:fld id="{20483390-C10D-495D-AD08-B75BDE32C1DD}" type="datetimeFigureOut">
               <a:rPr lang="en-US" smtClean="0"/>
-              <a:t>2/23/2023</a:t>
+              <a:t>2/27/2023</a:t>
             </a:fld>
             <a:endParaRPr lang="en-US"/>
           </a:p>
@@ -1962,7 +2404,7 @@
           <a:p>
             <a:fld id="{20483390-C10D-495D-AD08-B75BDE32C1DD}" type="datetimeFigureOut">
               <a:rPr lang="en-US" smtClean="0"/>
-              <a:t>2/23/2023</a:t>
+              <a:t>2/27/2023</a:t>
             </a:fld>
             <a:endParaRPr lang="en-US"/>
           </a:p>
@@ -2075,7 +2517,7 @@
           <a:p>
             <a:fld id="{20483390-C10D-495D-AD08-B75BDE32C1DD}" type="datetimeFigureOut">
               <a:rPr lang="en-US" smtClean="0"/>
-              <a:t>2/23/2023</a:t>
+              <a:t>2/27/2023</a:t>
             </a:fld>
             <a:endParaRPr lang="en-US"/>
           </a:p>
@@ -2386,7 +2828,7 @@
           <a:p>
             <a:fld id="{20483390-C10D-495D-AD08-B75BDE32C1DD}" type="datetimeFigureOut">
               <a:rPr lang="en-US" smtClean="0"/>
-              <a:t>2/23/2023</a:t>
+              <a:t>2/27/2023</a:t>
             </a:fld>
             <a:endParaRPr lang="en-US"/>
           </a:p>
@@ -2674,7 +3116,7 @@
           <a:p>
             <a:fld id="{20483390-C10D-495D-AD08-B75BDE32C1DD}" type="datetimeFigureOut">
               <a:rPr lang="en-US" smtClean="0"/>
-              <a:t>2/23/2023</a:t>
+              <a:t>2/27/2023</a:t>
             </a:fld>
             <a:endParaRPr lang="en-US"/>
           </a:p>
@@ -2915,7 +3357,7 @@
           <a:p>
             <a:fld id="{20483390-C10D-495D-AD08-B75BDE32C1DD}" type="datetimeFigureOut">
               <a:rPr lang="en-US" smtClean="0"/>
-              <a:t>2/23/2023</a:t>
+              <a:t>2/27/2023</a:t>
             </a:fld>
             <a:endParaRPr lang="en-US"/>
           </a:p>
@@ -3453,6 +3895,2720 @@
 </p:sld>
 </file>
 
+<file path=ppt/slides/slide10.xml><?xml version="1.0" encoding="utf-8"?>
+<p:sld xmlns:a="http://schemas.openxmlformats.org/drawingml/2006/main" xmlns:r="http://schemas.openxmlformats.org/officeDocument/2006/relationships" xmlns:p="http://schemas.openxmlformats.org/presentationml/2006/main">
+  <p:cSld>
+    <p:spTree>
+      <p:nvGrpSpPr>
+        <p:cNvPr id="1" name=""/>
+        <p:cNvGrpSpPr/>
+        <p:nvPr/>
+      </p:nvGrpSpPr>
+      <p:grpSpPr>
+        <a:xfrm>
+          <a:off x="0" y="0"/>
+          <a:ext cx="0" cy="0"/>
+          <a:chOff x="0" y="0"/>
+          <a:chExt cx="0" cy="0"/>
+        </a:xfrm>
+      </p:grpSpPr>
+      <p:sp>
+        <p:nvSpPr>
+          <p:cNvPr id="2" name="Title 1">
+            <a:extLst>
+              <a:ext uri="{FF2B5EF4-FFF2-40B4-BE49-F238E27FC236}">
+                <a16:creationId xmlns:a16="http://schemas.microsoft.com/office/drawing/2014/main" id="{112A9C40-6442-EE0A-CDB9-9527632BE0CD}"/>
+              </a:ext>
+            </a:extLst>
+          </p:cNvPr>
+          <p:cNvSpPr>
+            <a:spLocks noGrp="1"/>
+          </p:cNvSpPr>
+          <p:nvPr>
+            <p:ph type="title"/>
+          </p:nvPr>
+        </p:nvSpPr>
+        <p:spPr>
+          <a:xfrm>
+            <a:off x="452253" y="-112373"/>
+            <a:ext cx="10515600" cy="1325563"/>
+          </a:xfrm>
+        </p:spPr>
+        <p:txBody>
+          <a:bodyPr/>
+          <a:lstStyle/>
+          <a:p>
+            <a:r>
+              <a:rPr lang="en-US" dirty="0"/>
+              <a:t>Project Background – Key Concepts</a:t>
+            </a:r>
+          </a:p>
+        </p:txBody>
+      </p:sp>
+      <p:sp>
+        <p:nvSpPr>
+          <p:cNvPr id="5" name="TextBox 4">
+            <a:extLst>
+              <a:ext uri="{FF2B5EF4-FFF2-40B4-BE49-F238E27FC236}">
+                <a16:creationId xmlns:a16="http://schemas.microsoft.com/office/drawing/2014/main" id="{0B12B48B-96F3-FA8D-0654-DB70A0528367}"/>
+              </a:ext>
+            </a:extLst>
+          </p:cNvPr>
+          <p:cNvSpPr txBox="1"/>
+          <p:nvPr/>
+        </p:nvSpPr>
+        <p:spPr>
+          <a:xfrm>
+            <a:off x="571501" y="1283844"/>
+            <a:ext cx="8317180" cy="719171"/>
+          </a:xfrm>
+          <a:prstGeom prst="rect">
+            <a:avLst/>
+          </a:prstGeom>
+          <a:noFill/>
+        </p:spPr>
+        <p:txBody>
+          <a:bodyPr wrap="square">
+            <a:spAutoFit/>
+          </a:bodyPr>
+          <a:lstStyle/>
+          <a:p>
+            <a:pPr marL="228600" marR="0" lvl="0" indent="-228600" algn="l" defTabSz="914400" rtl="0" eaLnBrk="1" fontAlgn="auto" latinLnBrk="0" hangingPunct="1">
+              <a:lnSpc>
+                <a:spcPct val="90000"/>
+              </a:lnSpc>
+              <a:spcBef>
+                <a:spcPts val="1000"/>
+              </a:spcBef>
+              <a:spcAft>
+                <a:spcPts val="0"/>
+              </a:spcAft>
+              <a:buClrTx/>
+              <a:buSzTx/>
+              <a:buFont typeface="Arial" panose="020B0604020202020204" pitchFamily="34" charset="0"/>
+              <a:buChar char="•"/>
+              <a:tabLst/>
+              <a:defRPr/>
+            </a:pPr>
+            <a:r>
+              <a:rPr kumimoji="0" lang="en-US" sz="1800" b="1" i="0" u="none" strike="noStrike" kern="1200" cap="none" spc="0" normalizeH="0" baseline="0" noProof="0" dirty="0">
+                <a:ln>
+                  <a:noFill/>
+                </a:ln>
+                <a:solidFill>
+                  <a:prstClr val="black"/>
+                </a:solidFill>
+                <a:effectLst/>
+                <a:uLnTx/>
+                <a:uFillTx/>
+                <a:latin typeface="Calibri" panose="020F0502020204030204"/>
+                <a:ea typeface="+mn-ea"/>
+                <a:cs typeface="+mn-cs"/>
+              </a:rPr>
+              <a:t>Docker </a:t>
+            </a:r>
+            <a:r>
+              <a:rPr kumimoji="0" lang="en-US" sz="1800" b="0" i="0" u="none" strike="noStrike" kern="1200" cap="none" spc="0" normalizeH="0" baseline="0" noProof="0" dirty="0">
+                <a:ln>
+                  <a:noFill/>
+                </a:ln>
+                <a:solidFill>
+                  <a:prstClr val="black"/>
+                </a:solidFill>
+                <a:effectLst/>
+                <a:uLnTx/>
+                <a:uFillTx/>
+                <a:latin typeface="Calibri" panose="020F0502020204030204"/>
+                <a:ea typeface="+mn-ea"/>
+                <a:cs typeface="+mn-cs"/>
+              </a:rPr>
+              <a:t>: Tool for container engine</a:t>
+            </a:r>
+            <a:endParaRPr kumimoji="0" lang="en-US" sz="1800" b="1" i="0" u="none" strike="noStrike" kern="1200" cap="none" spc="0" normalizeH="0" baseline="0" noProof="0" dirty="0">
+              <a:ln>
+                <a:noFill/>
+              </a:ln>
+              <a:solidFill>
+                <a:prstClr val="black"/>
+              </a:solidFill>
+              <a:effectLst/>
+              <a:uLnTx/>
+              <a:uFillTx/>
+              <a:latin typeface="Calibri" panose="020F0502020204030204"/>
+              <a:ea typeface="+mn-ea"/>
+              <a:cs typeface="+mn-cs"/>
+            </a:endParaRPr>
+          </a:p>
+          <a:p>
+            <a:pPr marL="228600" marR="0" lvl="0" indent="-228600" algn="l" defTabSz="914400" rtl="0" eaLnBrk="1" fontAlgn="auto" latinLnBrk="0" hangingPunct="1">
+              <a:lnSpc>
+                <a:spcPct val="90000"/>
+              </a:lnSpc>
+              <a:spcBef>
+                <a:spcPts val="1000"/>
+              </a:spcBef>
+              <a:spcAft>
+                <a:spcPts val="0"/>
+              </a:spcAft>
+              <a:buClrTx/>
+              <a:buSzTx/>
+              <a:buFont typeface="Arial" panose="020B0604020202020204" pitchFamily="34" charset="0"/>
+              <a:buChar char="•"/>
+              <a:tabLst/>
+              <a:defRPr/>
+            </a:pPr>
+            <a:r>
+              <a:rPr kumimoji="0" lang="en-US" sz="1800" b="1" i="0" u="none" strike="noStrike" kern="1200" cap="none" spc="0" normalizeH="0" baseline="0" noProof="0" dirty="0">
+                <a:ln>
+                  <a:noFill/>
+                </a:ln>
+                <a:solidFill>
+                  <a:prstClr val="black"/>
+                </a:solidFill>
+                <a:effectLst/>
+                <a:uLnTx/>
+                <a:uFillTx/>
+                <a:latin typeface="Calibri" panose="020F0502020204030204"/>
+                <a:ea typeface="+mn-ea"/>
+                <a:cs typeface="+mn-cs"/>
+              </a:rPr>
+              <a:t>Kubernetes: </a:t>
+            </a:r>
+            <a:r>
+              <a:rPr kumimoji="0" lang="en-US" sz="1800" i="0" u="none" strike="noStrike" kern="1200" cap="none" spc="0" normalizeH="0" baseline="0" noProof="0" dirty="0">
+                <a:ln>
+                  <a:noFill/>
+                </a:ln>
+                <a:solidFill>
+                  <a:prstClr val="black"/>
+                </a:solidFill>
+                <a:effectLst/>
+                <a:uLnTx/>
+                <a:uFillTx/>
+                <a:latin typeface="Calibri" panose="020F0502020204030204"/>
+                <a:ea typeface="+mn-ea"/>
+                <a:cs typeface="+mn-cs"/>
+              </a:rPr>
+              <a:t>Tool for </a:t>
+            </a:r>
+            <a:r>
+              <a:rPr lang="en-US" b="0" i="0" dirty="0">
+                <a:solidFill>
+                  <a:srgbClr val="4D5156"/>
+                </a:solidFill>
+                <a:effectLst/>
+                <a:latin typeface="Roboto" panose="02000000000000000000" pitchFamily="2" charset="0"/>
+              </a:rPr>
+              <a:t>container orchestration</a:t>
+            </a:r>
+            <a:endParaRPr kumimoji="0" lang="en-US" sz="1800" i="0" u="none" strike="noStrike" kern="1200" cap="none" spc="0" normalizeH="0" baseline="0" noProof="0" dirty="0">
+              <a:ln>
+                <a:noFill/>
+              </a:ln>
+              <a:solidFill>
+                <a:prstClr val="black"/>
+              </a:solidFill>
+              <a:effectLst/>
+              <a:uLnTx/>
+              <a:uFillTx/>
+              <a:latin typeface="Calibri" panose="020F0502020204030204"/>
+              <a:ea typeface="+mn-ea"/>
+              <a:cs typeface="+mn-cs"/>
+            </a:endParaRPr>
+          </a:p>
+        </p:txBody>
+      </p:sp>
+      <p:sp>
+        <p:nvSpPr>
+          <p:cNvPr id="4" name="Rectangle: Rounded Corners 3">
+            <a:extLst>
+              <a:ext uri="{FF2B5EF4-FFF2-40B4-BE49-F238E27FC236}">
+                <a16:creationId xmlns:a16="http://schemas.microsoft.com/office/drawing/2014/main" id="{D8886CF2-8261-BB7A-604C-89D9EA0E8748}"/>
+              </a:ext>
+            </a:extLst>
+          </p:cNvPr>
+          <p:cNvSpPr/>
+          <p:nvPr/>
+        </p:nvSpPr>
+        <p:spPr>
+          <a:xfrm>
+            <a:off x="795646" y="2766951"/>
+            <a:ext cx="4138551" cy="3295402"/>
+          </a:xfrm>
+          <a:prstGeom prst="roundRect">
+            <a:avLst/>
+          </a:prstGeom>
+        </p:spPr>
+        <p:style>
+          <a:lnRef idx="2">
+            <a:schemeClr val="accent1">
+              <a:shade val="50000"/>
+            </a:schemeClr>
+          </a:lnRef>
+          <a:fillRef idx="1">
+            <a:schemeClr val="accent1"/>
+          </a:fillRef>
+          <a:effectRef idx="0">
+            <a:schemeClr val="accent1"/>
+          </a:effectRef>
+          <a:fontRef idx="minor">
+            <a:schemeClr val="lt1"/>
+          </a:fontRef>
+        </p:style>
+        <p:txBody>
+          <a:bodyPr rtlCol="0" anchor="ctr"/>
+          <a:lstStyle/>
+          <a:p>
+            <a:pPr algn="ctr"/>
+            <a:endParaRPr lang="en-US"/>
+          </a:p>
+        </p:txBody>
+      </p:sp>
+      <p:sp>
+        <p:nvSpPr>
+          <p:cNvPr id="6" name="Rectangle: Rounded Corners 5">
+            <a:extLst>
+              <a:ext uri="{FF2B5EF4-FFF2-40B4-BE49-F238E27FC236}">
+                <a16:creationId xmlns:a16="http://schemas.microsoft.com/office/drawing/2014/main" id="{A0DE17D8-2E46-E215-ABDA-D7877269D8E4}"/>
+              </a:ext>
+            </a:extLst>
+          </p:cNvPr>
+          <p:cNvSpPr/>
+          <p:nvPr/>
+        </p:nvSpPr>
+        <p:spPr>
+          <a:xfrm>
+            <a:off x="6966857" y="2263784"/>
+            <a:ext cx="3643746" cy="2888796"/>
+          </a:xfrm>
+          <a:prstGeom prst="roundRect">
+            <a:avLst/>
+          </a:prstGeom>
+        </p:spPr>
+        <p:style>
+          <a:lnRef idx="2">
+            <a:schemeClr val="accent1">
+              <a:shade val="50000"/>
+            </a:schemeClr>
+          </a:lnRef>
+          <a:fillRef idx="1">
+            <a:schemeClr val="accent1"/>
+          </a:fillRef>
+          <a:effectRef idx="0">
+            <a:schemeClr val="accent1"/>
+          </a:effectRef>
+          <a:fontRef idx="minor">
+            <a:schemeClr val="lt1"/>
+          </a:fontRef>
+        </p:style>
+        <p:txBody>
+          <a:bodyPr rtlCol="0" anchor="ctr"/>
+          <a:lstStyle/>
+          <a:p>
+            <a:pPr algn="ctr"/>
+            <a:endParaRPr lang="en-US" dirty="0"/>
+          </a:p>
+        </p:txBody>
+      </p:sp>
+      <p:sp>
+        <p:nvSpPr>
+          <p:cNvPr id="7" name="Rectangle: Rounded Corners 6">
+            <a:extLst>
+              <a:ext uri="{FF2B5EF4-FFF2-40B4-BE49-F238E27FC236}">
+                <a16:creationId xmlns:a16="http://schemas.microsoft.com/office/drawing/2014/main" id="{0792F9CF-E386-9D9F-464F-FF6FFE1C0DA3}"/>
+              </a:ext>
+            </a:extLst>
+          </p:cNvPr>
+          <p:cNvSpPr/>
+          <p:nvPr/>
+        </p:nvSpPr>
+        <p:spPr>
+          <a:xfrm>
+            <a:off x="7129151" y="2581405"/>
+            <a:ext cx="3838702" cy="3075878"/>
+          </a:xfrm>
+          <a:prstGeom prst="roundRect">
+            <a:avLst/>
+          </a:prstGeom>
+        </p:spPr>
+        <p:style>
+          <a:lnRef idx="2">
+            <a:schemeClr val="accent1">
+              <a:shade val="50000"/>
+            </a:schemeClr>
+          </a:lnRef>
+          <a:fillRef idx="1">
+            <a:schemeClr val="accent1"/>
+          </a:fillRef>
+          <a:effectRef idx="0">
+            <a:schemeClr val="accent1"/>
+          </a:effectRef>
+          <a:fontRef idx="minor">
+            <a:schemeClr val="lt1"/>
+          </a:fontRef>
+        </p:style>
+        <p:txBody>
+          <a:bodyPr rtlCol="0" anchor="ctr"/>
+          <a:lstStyle/>
+          <a:p>
+            <a:pPr algn="ctr"/>
+            <a:endParaRPr lang="en-US" dirty="0"/>
+          </a:p>
+        </p:txBody>
+      </p:sp>
+      <p:sp>
+        <p:nvSpPr>
+          <p:cNvPr id="8" name="Rectangle: Rounded Corners 7">
+            <a:extLst>
+              <a:ext uri="{FF2B5EF4-FFF2-40B4-BE49-F238E27FC236}">
+                <a16:creationId xmlns:a16="http://schemas.microsoft.com/office/drawing/2014/main" id="{941A0819-B2F5-F29F-6369-21628BD3A739}"/>
+              </a:ext>
+            </a:extLst>
+          </p:cNvPr>
+          <p:cNvSpPr/>
+          <p:nvPr/>
+        </p:nvSpPr>
+        <p:spPr>
+          <a:xfrm>
+            <a:off x="7338951" y="2974617"/>
+            <a:ext cx="3908961" cy="3186903"/>
+          </a:xfrm>
+          <a:prstGeom prst="roundRect">
+            <a:avLst/>
+          </a:prstGeom>
+        </p:spPr>
+        <p:style>
+          <a:lnRef idx="2">
+            <a:schemeClr val="accent1">
+              <a:shade val="50000"/>
+            </a:schemeClr>
+          </a:lnRef>
+          <a:fillRef idx="1">
+            <a:schemeClr val="accent1"/>
+          </a:fillRef>
+          <a:effectRef idx="0">
+            <a:schemeClr val="accent1"/>
+          </a:effectRef>
+          <a:fontRef idx="minor">
+            <a:schemeClr val="lt1"/>
+          </a:fontRef>
+        </p:style>
+        <p:txBody>
+          <a:bodyPr rtlCol="0" anchor="ctr"/>
+          <a:lstStyle/>
+          <a:p>
+            <a:pPr algn="ctr"/>
+            <a:endParaRPr lang="en-US"/>
+          </a:p>
+        </p:txBody>
+      </p:sp>
+      <p:sp>
+        <p:nvSpPr>
+          <p:cNvPr id="9" name="Rectangle 8">
+            <a:extLst>
+              <a:ext uri="{FF2B5EF4-FFF2-40B4-BE49-F238E27FC236}">
+                <a16:creationId xmlns:a16="http://schemas.microsoft.com/office/drawing/2014/main" id="{C9E99EB2-40FA-A8BF-74DF-FE3046F69DE4}"/>
+              </a:ext>
+            </a:extLst>
+          </p:cNvPr>
+          <p:cNvSpPr/>
+          <p:nvPr/>
+        </p:nvSpPr>
+        <p:spPr>
+          <a:xfrm>
+            <a:off x="1161802" y="5284519"/>
+            <a:ext cx="3400300" cy="372764"/>
+          </a:xfrm>
+          <a:prstGeom prst="rect">
+            <a:avLst/>
+          </a:prstGeom>
+          <a:solidFill>
+            <a:schemeClr val="accent2">
+              <a:lumMod val="60000"/>
+              <a:lumOff val="40000"/>
+            </a:schemeClr>
+          </a:solidFill>
+        </p:spPr>
+        <p:style>
+          <a:lnRef idx="2">
+            <a:schemeClr val="accent3">
+              <a:shade val="50000"/>
+            </a:schemeClr>
+          </a:lnRef>
+          <a:fillRef idx="1">
+            <a:schemeClr val="accent3"/>
+          </a:fillRef>
+          <a:effectRef idx="0">
+            <a:schemeClr val="accent3"/>
+          </a:effectRef>
+          <a:fontRef idx="minor">
+            <a:schemeClr val="lt1"/>
+          </a:fontRef>
+        </p:style>
+        <p:txBody>
+          <a:bodyPr rtlCol="0" anchor="ctr"/>
+          <a:lstStyle/>
+          <a:p>
+            <a:pPr algn="ctr"/>
+            <a:r>
+              <a:rPr lang="en-US" dirty="0"/>
+              <a:t>Infrastructure</a:t>
+            </a:r>
+          </a:p>
+        </p:txBody>
+      </p:sp>
+      <p:sp>
+        <p:nvSpPr>
+          <p:cNvPr id="10" name="Rectangle 9">
+            <a:extLst>
+              <a:ext uri="{FF2B5EF4-FFF2-40B4-BE49-F238E27FC236}">
+                <a16:creationId xmlns:a16="http://schemas.microsoft.com/office/drawing/2014/main" id="{7051728B-A87E-086A-B45B-E0ED1C59909C}"/>
+              </a:ext>
+            </a:extLst>
+          </p:cNvPr>
+          <p:cNvSpPr/>
+          <p:nvPr/>
+        </p:nvSpPr>
+        <p:spPr>
+          <a:xfrm>
+            <a:off x="1161803" y="4846213"/>
+            <a:ext cx="3400300" cy="372764"/>
+          </a:xfrm>
+          <a:prstGeom prst="rect">
+            <a:avLst/>
+          </a:prstGeom>
+          <a:solidFill>
+            <a:schemeClr val="accent2">
+              <a:lumMod val="60000"/>
+              <a:lumOff val="40000"/>
+            </a:schemeClr>
+          </a:solidFill>
+        </p:spPr>
+        <p:style>
+          <a:lnRef idx="2">
+            <a:schemeClr val="accent3">
+              <a:shade val="50000"/>
+            </a:schemeClr>
+          </a:lnRef>
+          <a:fillRef idx="1">
+            <a:schemeClr val="accent3"/>
+          </a:fillRef>
+          <a:effectRef idx="0">
+            <a:schemeClr val="accent3"/>
+          </a:effectRef>
+          <a:fontRef idx="minor">
+            <a:schemeClr val="lt1"/>
+          </a:fontRef>
+        </p:style>
+        <p:txBody>
+          <a:bodyPr rtlCol="0" anchor="ctr"/>
+          <a:lstStyle/>
+          <a:p>
+            <a:pPr algn="ctr"/>
+            <a:r>
+              <a:rPr lang="en-US" dirty="0"/>
+              <a:t>Host Operating System</a:t>
+            </a:r>
+          </a:p>
+        </p:txBody>
+      </p:sp>
+      <p:sp>
+        <p:nvSpPr>
+          <p:cNvPr id="11" name="Rectangle 10">
+            <a:extLst>
+              <a:ext uri="{FF2B5EF4-FFF2-40B4-BE49-F238E27FC236}">
+                <a16:creationId xmlns:a16="http://schemas.microsoft.com/office/drawing/2014/main" id="{88CE6B98-0E37-1260-69D7-938F3FE1B91E}"/>
+              </a:ext>
+            </a:extLst>
+          </p:cNvPr>
+          <p:cNvSpPr/>
+          <p:nvPr/>
+        </p:nvSpPr>
+        <p:spPr>
+          <a:xfrm>
+            <a:off x="1161802" y="4407907"/>
+            <a:ext cx="3400301" cy="372764"/>
+          </a:xfrm>
+          <a:prstGeom prst="rect">
+            <a:avLst/>
+          </a:prstGeom>
+          <a:solidFill>
+            <a:schemeClr val="accent2">
+              <a:lumMod val="60000"/>
+              <a:lumOff val="40000"/>
+            </a:schemeClr>
+          </a:solidFill>
+        </p:spPr>
+        <p:style>
+          <a:lnRef idx="2">
+            <a:schemeClr val="accent3">
+              <a:shade val="50000"/>
+            </a:schemeClr>
+          </a:lnRef>
+          <a:fillRef idx="1">
+            <a:schemeClr val="accent3"/>
+          </a:fillRef>
+          <a:effectRef idx="0">
+            <a:schemeClr val="accent3"/>
+          </a:effectRef>
+          <a:fontRef idx="minor">
+            <a:schemeClr val="lt1"/>
+          </a:fontRef>
+        </p:style>
+        <p:txBody>
+          <a:bodyPr rtlCol="0" anchor="ctr"/>
+          <a:lstStyle/>
+          <a:p>
+            <a:pPr algn="ctr"/>
+            <a:r>
+              <a:rPr lang="en-US" dirty="0"/>
+              <a:t>Docker</a:t>
+            </a:r>
+          </a:p>
+        </p:txBody>
+      </p:sp>
+      <p:sp>
+        <p:nvSpPr>
+          <p:cNvPr id="12" name="Rectangle 11">
+            <a:extLst>
+              <a:ext uri="{FF2B5EF4-FFF2-40B4-BE49-F238E27FC236}">
+                <a16:creationId xmlns:a16="http://schemas.microsoft.com/office/drawing/2014/main" id="{F143F016-4D80-82C9-F56C-BBF562ADC1E8}"/>
+              </a:ext>
+            </a:extLst>
+          </p:cNvPr>
+          <p:cNvSpPr/>
+          <p:nvPr/>
+        </p:nvSpPr>
+        <p:spPr>
+          <a:xfrm>
+            <a:off x="1161803" y="3202075"/>
+            <a:ext cx="1076696" cy="1111451"/>
+          </a:xfrm>
+          <a:prstGeom prst="rect">
+            <a:avLst/>
+          </a:prstGeom>
+          <a:solidFill>
+            <a:schemeClr val="accent2">
+              <a:lumMod val="60000"/>
+              <a:lumOff val="40000"/>
+            </a:schemeClr>
+          </a:solidFill>
+        </p:spPr>
+        <p:style>
+          <a:lnRef idx="2">
+            <a:schemeClr val="accent3">
+              <a:shade val="50000"/>
+            </a:schemeClr>
+          </a:lnRef>
+          <a:fillRef idx="1">
+            <a:schemeClr val="accent3"/>
+          </a:fillRef>
+          <a:effectRef idx="0">
+            <a:schemeClr val="accent3"/>
+          </a:effectRef>
+          <a:fontRef idx="minor">
+            <a:schemeClr val="lt1"/>
+          </a:fontRef>
+        </p:style>
+        <p:txBody>
+          <a:bodyPr rtlCol="0" anchor="ctr"/>
+          <a:lstStyle/>
+          <a:p>
+            <a:pPr algn="ctr"/>
+            <a:endParaRPr lang="en-US" sz="1400" dirty="0"/>
+          </a:p>
+          <a:p>
+            <a:pPr algn="ctr"/>
+            <a:r>
+              <a:rPr lang="en-US" sz="1400" dirty="0"/>
+              <a:t>App 1</a:t>
+            </a:r>
+          </a:p>
+          <a:p>
+            <a:pPr algn="ctr"/>
+            <a:r>
+              <a:rPr lang="en-US" sz="1400" dirty="0"/>
+              <a:t>Container </a:t>
+            </a:r>
+            <a:endParaRPr lang="en-US" dirty="0"/>
+          </a:p>
+        </p:txBody>
+      </p:sp>
+      <p:sp>
+        <p:nvSpPr>
+          <p:cNvPr id="13" name="Rectangle 12">
+            <a:extLst>
+              <a:ext uri="{FF2B5EF4-FFF2-40B4-BE49-F238E27FC236}">
+                <a16:creationId xmlns:a16="http://schemas.microsoft.com/office/drawing/2014/main" id="{A6C40841-3D2A-D556-1E1F-50D343E223F5}"/>
+              </a:ext>
+            </a:extLst>
+          </p:cNvPr>
+          <p:cNvSpPr/>
+          <p:nvPr/>
+        </p:nvSpPr>
+        <p:spPr>
+          <a:xfrm>
+            <a:off x="2323605" y="3189246"/>
+            <a:ext cx="1076696" cy="1111451"/>
+          </a:xfrm>
+          <a:prstGeom prst="rect">
+            <a:avLst/>
+          </a:prstGeom>
+          <a:solidFill>
+            <a:schemeClr val="accent2">
+              <a:lumMod val="60000"/>
+              <a:lumOff val="40000"/>
+            </a:schemeClr>
+          </a:solidFill>
+        </p:spPr>
+        <p:style>
+          <a:lnRef idx="2">
+            <a:schemeClr val="accent3">
+              <a:shade val="50000"/>
+            </a:schemeClr>
+          </a:lnRef>
+          <a:fillRef idx="1">
+            <a:schemeClr val="accent3"/>
+          </a:fillRef>
+          <a:effectRef idx="0">
+            <a:schemeClr val="accent3"/>
+          </a:effectRef>
+          <a:fontRef idx="minor">
+            <a:schemeClr val="lt1"/>
+          </a:fontRef>
+        </p:style>
+        <p:txBody>
+          <a:bodyPr rtlCol="0" anchor="ctr"/>
+          <a:lstStyle/>
+          <a:p>
+            <a:pPr algn="ctr"/>
+            <a:endParaRPr lang="en-US" sz="1400" dirty="0"/>
+          </a:p>
+          <a:p>
+            <a:pPr algn="ctr"/>
+            <a:r>
+              <a:rPr lang="en-US" sz="1400" dirty="0"/>
+              <a:t>App 2</a:t>
+            </a:r>
+          </a:p>
+          <a:p>
+            <a:pPr algn="ctr"/>
+            <a:r>
+              <a:rPr lang="en-US" sz="1400" dirty="0"/>
+              <a:t>Container</a:t>
+            </a:r>
+            <a:endParaRPr lang="en-US" sz="1600" dirty="0"/>
+          </a:p>
+        </p:txBody>
+      </p:sp>
+      <p:sp>
+        <p:nvSpPr>
+          <p:cNvPr id="14" name="Rectangle 13">
+            <a:extLst>
+              <a:ext uri="{FF2B5EF4-FFF2-40B4-BE49-F238E27FC236}">
+                <a16:creationId xmlns:a16="http://schemas.microsoft.com/office/drawing/2014/main" id="{73B4FB0E-4476-A1AD-6787-471B2B98E7CD}"/>
+              </a:ext>
+            </a:extLst>
+          </p:cNvPr>
+          <p:cNvSpPr/>
+          <p:nvPr/>
+        </p:nvSpPr>
+        <p:spPr>
+          <a:xfrm>
+            <a:off x="3485407" y="3189245"/>
+            <a:ext cx="1076696" cy="1111451"/>
+          </a:xfrm>
+          <a:prstGeom prst="rect">
+            <a:avLst/>
+          </a:prstGeom>
+          <a:solidFill>
+            <a:schemeClr val="accent2">
+              <a:lumMod val="60000"/>
+              <a:lumOff val="40000"/>
+            </a:schemeClr>
+          </a:solidFill>
+        </p:spPr>
+        <p:style>
+          <a:lnRef idx="2">
+            <a:schemeClr val="accent3">
+              <a:shade val="50000"/>
+            </a:schemeClr>
+          </a:lnRef>
+          <a:fillRef idx="1">
+            <a:schemeClr val="accent3"/>
+          </a:fillRef>
+          <a:effectRef idx="0">
+            <a:schemeClr val="accent3"/>
+          </a:effectRef>
+          <a:fontRef idx="minor">
+            <a:schemeClr val="lt1"/>
+          </a:fontRef>
+        </p:style>
+        <p:txBody>
+          <a:bodyPr rtlCol="0" anchor="ctr"/>
+          <a:lstStyle/>
+          <a:p>
+            <a:pPr algn="ctr"/>
+            <a:endParaRPr lang="en-US" sz="1400" dirty="0"/>
+          </a:p>
+          <a:p>
+            <a:pPr algn="ctr"/>
+            <a:r>
+              <a:rPr lang="en-US" sz="1400" dirty="0"/>
+              <a:t>App 3</a:t>
+            </a:r>
+          </a:p>
+          <a:p>
+            <a:pPr algn="ctr"/>
+            <a:r>
+              <a:rPr lang="en-US" sz="1400" dirty="0"/>
+              <a:t>Container</a:t>
+            </a:r>
+          </a:p>
+        </p:txBody>
+      </p:sp>
+      <p:sp>
+        <p:nvSpPr>
+          <p:cNvPr id="21" name="Rectangle 20">
+            <a:extLst>
+              <a:ext uri="{FF2B5EF4-FFF2-40B4-BE49-F238E27FC236}">
+                <a16:creationId xmlns:a16="http://schemas.microsoft.com/office/drawing/2014/main" id="{C17D80F7-9A52-F251-3AB4-237AC7EABD7C}"/>
+              </a:ext>
+            </a:extLst>
+          </p:cNvPr>
+          <p:cNvSpPr/>
+          <p:nvPr/>
+        </p:nvSpPr>
+        <p:spPr>
+          <a:xfrm>
+            <a:off x="7582395" y="5470668"/>
+            <a:ext cx="3400300" cy="372764"/>
+          </a:xfrm>
+          <a:prstGeom prst="rect">
+            <a:avLst/>
+          </a:prstGeom>
+          <a:solidFill>
+            <a:schemeClr val="accent2">
+              <a:lumMod val="60000"/>
+              <a:lumOff val="40000"/>
+            </a:schemeClr>
+          </a:solidFill>
+        </p:spPr>
+        <p:style>
+          <a:lnRef idx="2">
+            <a:schemeClr val="accent3">
+              <a:shade val="50000"/>
+            </a:schemeClr>
+          </a:lnRef>
+          <a:fillRef idx="1">
+            <a:schemeClr val="accent3"/>
+          </a:fillRef>
+          <a:effectRef idx="0">
+            <a:schemeClr val="accent3"/>
+          </a:effectRef>
+          <a:fontRef idx="minor">
+            <a:schemeClr val="lt1"/>
+          </a:fontRef>
+        </p:style>
+        <p:txBody>
+          <a:bodyPr rtlCol="0" anchor="ctr"/>
+          <a:lstStyle/>
+          <a:p>
+            <a:pPr algn="ctr"/>
+            <a:r>
+              <a:rPr lang="en-US" dirty="0"/>
+              <a:t>Infrastructure</a:t>
+            </a:r>
+          </a:p>
+        </p:txBody>
+      </p:sp>
+      <p:sp>
+        <p:nvSpPr>
+          <p:cNvPr id="22" name="Rectangle 21">
+            <a:extLst>
+              <a:ext uri="{FF2B5EF4-FFF2-40B4-BE49-F238E27FC236}">
+                <a16:creationId xmlns:a16="http://schemas.microsoft.com/office/drawing/2014/main" id="{FF4F4972-BFFF-8F89-BF66-FCEF151B6DFF}"/>
+              </a:ext>
+            </a:extLst>
+          </p:cNvPr>
+          <p:cNvSpPr/>
+          <p:nvPr/>
+        </p:nvSpPr>
+        <p:spPr>
+          <a:xfrm>
+            <a:off x="7582396" y="5032362"/>
+            <a:ext cx="3400300" cy="372764"/>
+          </a:xfrm>
+          <a:prstGeom prst="rect">
+            <a:avLst/>
+          </a:prstGeom>
+          <a:solidFill>
+            <a:schemeClr val="accent2">
+              <a:lumMod val="60000"/>
+              <a:lumOff val="40000"/>
+            </a:schemeClr>
+          </a:solidFill>
+        </p:spPr>
+        <p:style>
+          <a:lnRef idx="2">
+            <a:schemeClr val="accent3">
+              <a:shade val="50000"/>
+            </a:schemeClr>
+          </a:lnRef>
+          <a:fillRef idx="1">
+            <a:schemeClr val="accent3"/>
+          </a:fillRef>
+          <a:effectRef idx="0">
+            <a:schemeClr val="accent3"/>
+          </a:effectRef>
+          <a:fontRef idx="minor">
+            <a:schemeClr val="lt1"/>
+          </a:fontRef>
+        </p:style>
+        <p:txBody>
+          <a:bodyPr rtlCol="0" anchor="ctr"/>
+          <a:lstStyle/>
+          <a:p>
+            <a:pPr algn="ctr"/>
+            <a:r>
+              <a:rPr lang="en-US" dirty="0"/>
+              <a:t>Host Operating System</a:t>
+            </a:r>
+          </a:p>
+        </p:txBody>
+      </p:sp>
+      <p:sp>
+        <p:nvSpPr>
+          <p:cNvPr id="23" name="Rectangle 22">
+            <a:extLst>
+              <a:ext uri="{FF2B5EF4-FFF2-40B4-BE49-F238E27FC236}">
+                <a16:creationId xmlns:a16="http://schemas.microsoft.com/office/drawing/2014/main" id="{6029AD87-179A-E32E-C495-4B8297931333}"/>
+              </a:ext>
+            </a:extLst>
+          </p:cNvPr>
+          <p:cNvSpPr/>
+          <p:nvPr/>
+        </p:nvSpPr>
+        <p:spPr>
+          <a:xfrm>
+            <a:off x="7582395" y="4594056"/>
+            <a:ext cx="3400301" cy="372764"/>
+          </a:xfrm>
+          <a:prstGeom prst="rect">
+            <a:avLst/>
+          </a:prstGeom>
+          <a:solidFill>
+            <a:schemeClr val="accent2">
+              <a:lumMod val="60000"/>
+              <a:lumOff val="40000"/>
+            </a:schemeClr>
+          </a:solidFill>
+        </p:spPr>
+        <p:style>
+          <a:lnRef idx="2">
+            <a:schemeClr val="accent3">
+              <a:shade val="50000"/>
+            </a:schemeClr>
+          </a:lnRef>
+          <a:fillRef idx="1">
+            <a:schemeClr val="accent3"/>
+          </a:fillRef>
+          <a:effectRef idx="0">
+            <a:schemeClr val="accent3"/>
+          </a:effectRef>
+          <a:fontRef idx="minor">
+            <a:schemeClr val="lt1"/>
+          </a:fontRef>
+        </p:style>
+        <p:txBody>
+          <a:bodyPr rtlCol="0" anchor="ctr"/>
+          <a:lstStyle/>
+          <a:p>
+            <a:pPr algn="ctr"/>
+            <a:r>
+              <a:rPr lang="en-US" dirty="0"/>
+              <a:t>Docker</a:t>
+            </a:r>
+          </a:p>
+        </p:txBody>
+      </p:sp>
+      <p:sp>
+        <p:nvSpPr>
+          <p:cNvPr id="24" name="Rectangle 23">
+            <a:extLst>
+              <a:ext uri="{FF2B5EF4-FFF2-40B4-BE49-F238E27FC236}">
+                <a16:creationId xmlns:a16="http://schemas.microsoft.com/office/drawing/2014/main" id="{BFBFDF3F-B93C-899E-9785-B62E97FEBE3C}"/>
+              </a:ext>
+            </a:extLst>
+          </p:cNvPr>
+          <p:cNvSpPr/>
+          <p:nvPr/>
+        </p:nvSpPr>
+        <p:spPr>
+          <a:xfrm>
+            <a:off x="7582396" y="3388224"/>
+            <a:ext cx="1076696" cy="1111451"/>
+          </a:xfrm>
+          <a:prstGeom prst="rect">
+            <a:avLst/>
+          </a:prstGeom>
+          <a:solidFill>
+            <a:schemeClr val="accent2">
+              <a:lumMod val="60000"/>
+              <a:lumOff val="40000"/>
+            </a:schemeClr>
+          </a:solidFill>
+        </p:spPr>
+        <p:style>
+          <a:lnRef idx="2">
+            <a:schemeClr val="accent3">
+              <a:shade val="50000"/>
+            </a:schemeClr>
+          </a:lnRef>
+          <a:fillRef idx="1">
+            <a:schemeClr val="accent3"/>
+          </a:fillRef>
+          <a:effectRef idx="0">
+            <a:schemeClr val="accent3"/>
+          </a:effectRef>
+          <a:fontRef idx="minor">
+            <a:schemeClr val="lt1"/>
+          </a:fontRef>
+        </p:style>
+        <p:txBody>
+          <a:bodyPr rtlCol="0" anchor="ctr"/>
+          <a:lstStyle/>
+          <a:p>
+            <a:pPr algn="ctr"/>
+            <a:endParaRPr lang="en-US" sz="1400" dirty="0"/>
+          </a:p>
+          <a:p>
+            <a:pPr algn="ctr"/>
+            <a:r>
+              <a:rPr lang="en-US" sz="1400" dirty="0"/>
+              <a:t>App 1</a:t>
+            </a:r>
+          </a:p>
+          <a:p>
+            <a:pPr algn="ctr"/>
+            <a:r>
+              <a:rPr lang="en-US" sz="1400" dirty="0"/>
+              <a:t>Container </a:t>
+            </a:r>
+            <a:endParaRPr lang="en-US" dirty="0"/>
+          </a:p>
+        </p:txBody>
+      </p:sp>
+      <p:sp>
+        <p:nvSpPr>
+          <p:cNvPr id="25" name="Rectangle 24">
+            <a:extLst>
+              <a:ext uri="{FF2B5EF4-FFF2-40B4-BE49-F238E27FC236}">
+                <a16:creationId xmlns:a16="http://schemas.microsoft.com/office/drawing/2014/main" id="{C84CD2CE-0E97-70EC-A6F2-6E24E5334149}"/>
+              </a:ext>
+            </a:extLst>
+          </p:cNvPr>
+          <p:cNvSpPr/>
+          <p:nvPr/>
+        </p:nvSpPr>
+        <p:spPr>
+          <a:xfrm>
+            <a:off x="8744198" y="3375395"/>
+            <a:ext cx="1076696" cy="1111451"/>
+          </a:xfrm>
+          <a:prstGeom prst="rect">
+            <a:avLst/>
+          </a:prstGeom>
+          <a:solidFill>
+            <a:schemeClr val="accent2">
+              <a:lumMod val="60000"/>
+              <a:lumOff val="40000"/>
+            </a:schemeClr>
+          </a:solidFill>
+        </p:spPr>
+        <p:style>
+          <a:lnRef idx="2">
+            <a:schemeClr val="accent3">
+              <a:shade val="50000"/>
+            </a:schemeClr>
+          </a:lnRef>
+          <a:fillRef idx="1">
+            <a:schemeClr val="accent3"/>
+          </a:fillRef>
+          <a:effectRef idx="0">
+            <a:schemeClr val="accent3"/>
+          </a:effectRef>
+          <a:fontRef idx="minor">
+            <a:schemeClr val="lt1"/>
+          </a:fontRef>
+        </p:style>
+        <p:txBody>
+          <a:bodyPr rtlCol="0" anchor="ctr"/>
+          <a:lstStyle/>
+          <a:p>
+            <a:pPr algn="ctr"/>
+            <a:endParaRPr lang="en-US" sz="1400" dirty="0"/>
+          </a:p>
+          <a:p>
+            <a:pPr algn="ctr"/>
+            <a:r>
+              <a:rPr lang="en-US" sz="1400" dirty="0"/>
+              <a:t>App 2</a:t>
+            </a:r>
+          </a:p>
+          <a:p>
+            <a:pPr algn="ctr"/>
+            <a:r>
+              <a:rPr lang="en-US" sz="1400" dirty="0"/>
+              <a:t>Container</a:t>
+            </a:r>
+            <a:endParaRPr lang="en-US" sz="1600" dirty="0"/>
+          </a:p>
+        </p:txBody>
+      </p:sp>
+      <p:sp>
+        <p:nvSpPr>
+          <p:cNvPr id="26" name="Rectangle 25">
+            <a:extLst>
+              <a:ext uri="{FF2B5EF4-FFF2-40B4-BE49-F238E27FC236}">
+                <a16:creationId xmlns:a16="http://schemas.microsoft.com/office/drawing/2014/main" id="{2D287FB2-855C-834F-580E-0D4490583472}"/>
+              </a:ext>
+            </a:extLst>
+          </p:cNvPr>
+          <p:cNvSpPr/>
+          <p:nvPr/>
+        </p:nvSpPr>
+        <p:spPr>
+          <a:xfrm>
+            <a:off x="9906000" y="3375394"/>
+            <a:ext cx="1076696" cy="1111451"/>
+          </a:xfrm>
+          <a:prstGeom prst="rect">
+            <a:avLst/>
+          </a:prstGeom>
+          <a:solidFill>
+            <a:schemeClr val="accent2">
+              <a:lumMod val="60000"/>
+              <a:lumOff val="40000"/>
+            </a:schemeClr>
+          </a:solidFill>
+        </p:spPr>
+        <p:style>
+          <a:lnRef idx="2">
+            <a:schemeClr val="accent3">
+              <a:shade val="50000"/>
+            </a:schemeClr>
+          </a:lnRef>
+          <a:fillRef idx="1">
+            <a:schemeClr val="accent3"/>
+          </a:fillRef>
+          <a:effectRef idx="0">
+            <a:schemeClr val="accent3"/>
+          </a:effectRef>
+          <a:fontRef idx="minor">
+            <a:schemeClr val="lt1"/>
+          </a:fontRef>
+        </p:style>
+        <p:txBody>
+          <a:bodyPr rtlCol="0" anchor="ctr"/>
+          <a:lstStyle/>
+          <a:p>
+            <a:pPr algn="ctr"/>
+            <a:endParaRPr lang="en-US" sz="1400" dirty="0"/>
+          </a:p>
+          <a:p>
+            <a:pPr algn="ctr"/>
+            <a:r>
+              <a:rPr lang="en-US" sz="1400" dirty="0"/>
+              <a:t>App 3</a:t>
+            </a:r>
+          </a:p>
+          <a:p>
+            <a:pPr algn="ctr"/>
+            <a:r>
+              <a:rPr lang="en-US" sz="1400" dirty="0"/>
+              <a:t>Container</a:t>
+            </a:r>
+          </a:p>
+        </p:txBody>
+      </p:sp>
+      <p:pic>
+        <p:nvPicPr>
+          <p:cNvPr id="4100" name="Picture 4" descr="Kubernetes">
+            <a:extLst>
+              <a:ext uri="{FF2B5EF4-FFF2-40B4-BE49-F238E27FC236}">
+                <a16:creationId xmlns:a16="http://schemas.microsoft.com/office/drawing/2014/main" id="{5351E122-6620-665A-F390-7440D28938EB}"/>
+              </a:ext>
+            </a:extLst>
+          </p:cNvPr>
+          <p:cNvPicPr>
+            <a:picLocks noChangeAspect="1" noChangeArrowheads="1"/>
+          </p:cNvPicPr>
+          <p:nvPr/>
+        </p:nvPicPr>
+        <p:blipFill>
+          <a:blip r:embed="rId2">
+            <a:extLst>
+              <a:ext uri="{28A0092B-C50C-407E-A947-70E740481C1C}">
+                <a14:useLocalDpi xmlns:a14="http://schemas.microsoft.com/office/drawing/2010/main" val="0"/>
+              </a:ext>
+            </a:extLst>
+          </a:blip>
+          <a:srcRect/>
+          <a:stretch>
+            <a:fillRect/>
+          </a:stretch>
+        </p:blipFill>
+        <p:spPr bwMode="auto">
+          <a:xfrm rot="16200000">
+            <a:off x="5246027" y="4257293"/>
+            <a:ext cx="2597527" cy="561107"/>
+          </a:xfrm>
+          <a:prstGeom prst="rect">
+            <a:avLst/>
+          </a:prstGeom>
+          <a:noFill/>
+          <a:extLst>
+            <a:ext uri="{909E8E84-426E-40DD-AFC4-6F175D3DCCD1}">
+              <a14:hiddenFill xmlns:a14="http://schemas.microsoft.com/office/drawing/2010/main">
+                <a:solidFill>
+                  <a:srgbClr val="FFFFFF"/>
+                </a:solidFill>
+              </a14:hiddenFill>
+            </a:ext>
+          </a:extLst>
+        </p:spPr>
+      </p:pic>
+    </p:spTree>
+    <p:extLst>
+      <p:ext uri="{BB962C8B-B14F-4D97-AF65-F5344CB8AC3E}">
+        <p14:creationId xmlns:p14="http://schemas.microsoft.com/office/powerpoint/2010/main" val="2269184946"/>
+      </p:ext>
+    </p:extLst>
+  </p:cSld>
+  <p:clrMapOvr>
+    <a:masterClrMapping/>
+  </p:clrMapOvr>
+  <p:timing>
+    <p:tnLst>
+      <p:par>
+        <p:cTn id="1" dur="indefinite" restart="never" nodeType="tmRoot">
+          <p:childTnLst>
+            <p:seq concurrent="1" nextAc="seek">
+              <p:cTn id="2" dur="indefinite" nodeType="mainSeq">
+                <p:childTnLst>
+                  <p:par>
+                    <p:cTn id="3" fill="hold">
+                      <p:stCondLst>
+                        <p:cond delay="indefinite"/>
+                      </p:stCondLst>
+                      <p:childTnLst>
+                        <p:par>
+                          <p:cTn id="4" fill="hold">
+                            <p:stCondLst>
+                              <p:cond delay="0"/>
+                            </p:stCondLst>
+                            <p:childTnLst>
+                              <p:par>
+                                <p:cTn id="5" presetID="1" presetClass="entr" presetSubtype="0" fill="hold" grpId="0" nodeType="clickEffect">
+                                  <p:stCondLst>
+                                    <p:cond delay="0"/>
+                                  </p:stCondLst>
+                                  <p:childTnLst>
+                                    <p:set>
+                                      <p:cBhvr>
+                                        <p:cTn id="6" dur="1" fill="hold">
+                                          <p:stCondLst>
+                                            <p:cond delay="0"/>
+                                          </p:stCondLst>
+                                        </p:cTn>
+                                        <p:tgtEl>
+                                          <p:spTgt spid="4"/>
+                                        </p:tgtEl>
+                                        <p:attrNameLst>
+                                          <p:attrName>style.visibility</p:attrName>
+                                        </p:attrNameLst>
+                                      </p:cBhvr>
+                                      <p:to>
+                                        <p:strVal val="visible"/>
+                                      </p:to>
+                                    </p:set>
+                                  </p:childTnLst>
+                                </p:cTn>
+                              </p:par>
+                              <p:par>
+                                <p:cTn id="7" presetID="1" presetClass="entr" presetSubtype="0" fill="hold" grpId="0" nodeType="withEffect">
+                                  <p:stCondLst>
+                                    <p:cond delay="0"/>
+                                  </p:stCondLst>
+                                  <p:childTnLst>
+                                    <p:set>
+                                      <p:cBhvr>
+                                        <p:cTn id="8" dur="1" fill="hold">
+                                          <p:stCondLst>
+                                            <p:cond delay="0"/>
+                                          </p:stCondLst>
+                                        </p:cTn>
+                                        <p:tgtEl>
+                                          <p:spTgt spid="9"/>
+                                        </p:tgtEl>
+                                        <p:attrNameLst>
+                                          <p:attrName>style.visibility</p:attrName>
+                                        </p:attrNameLst>
+                                      </p:cBhvr>
+                                      <p:to>
+                                        <p:strVal val="visible"/>
+                                      </p:to>
+                                    </p:set>
+                                  </p:childTnLst>
+                                </p:cTn>
+                              </p:par>
+                              <p:par>
+                                <p:cTn id="9" presetID="1" presetClass="entr" presetSubtype="0" fill="hold" grpId="0" nodeType="withEffect">
+                                  <p:stCondLst>
+                                    <p:cond delay="0"/>
+                                  </p:stCondLst>
+                                  <p:childTnLst>
+                                    <p:set>
+                                      <p:cBhvr>
+                                        <p:cTn id="10" dur="1" fill="hold">
+                                          <p:stCondLst>
+                                            <p:cond delay="0"/>
+                                          </p:stCondLst>
+                                        </p:cTn>
+                                        <p:tgtEl>
+                                          <p:spTgt spid="10"/>
+                                        </p:tgtEl>
+                                        <p:attrNameLst>
+                                          <p:attrName>style.visibility</p:attrName>
+                                        </p:attrNameLst>
+                                      </p:cBhvr>
+                                      <p:to>
+                                        <p:strVal val="visible"/>
+                                      </p:to>
+                                    </p:set>
+                                  </p:childTnLst>
+                                </p:cTn>
+                              </p:par>
+                              <p:par>
+                                <p:cTn id="11" presetID="1" presetClass="entr" presetSubtype="0" fill="hold" grpId="0" nodeType="withEffect">
+                                  <p:stCondLst>
+                                    <p:cond delay="0"/>
+                                  </p:stCondLst>
+                                  <p:childTnLst>
+                                    <p:set>
+                                      <p:cBhvr>
+                                        <p:cTn id="12" dur="1" fill="hold">
+                                          <p:stCondLst>
+                                            <p:cond delay="0"/>
+                                          </p:stCondLst>
+                                        </p:cTn>
+                                        <p:tgtEl>
+                                          <p:spTgt spid="11"/>
+                                        </p:tgtEl>
+                                        <p:attrNameLst>
+                                          <p:attrName>style.visibility</p:attrName>
+                                        </p:attrNameLst>
+                                      </p:cBhvr>
+                                      <p:to>
+                                        <p:strVal val="visible"/>
+                                      </p:to>
+                                    </p:set>
+                                  </p:childTnLst>
+                                </p:cTn>
+                              </p:par>
+                              <p:par>
+                                <p:cTn id="13" presetID="1" presetClass="entr" presetSubtype="0" fill="hold" grpId="0" nodeType="withEffect">
+                                  <p:stCondLst>
+                                    <p:cond delay="0"/>
+                                  </p:stCondLst>
+                                  <p:childTnLst>
+                                    <p:set>
+                                      <p:cBhvr>
+                                        <p:cTn id="14" dur="1" fill="hold">
+                                          <p:stCondLst>
+                                            <p:cond delay="0"/>
+                                          </p:stCondLst>
+                                        </p:cTn>
+                                        <p:tgtEl>
+                                          <p:spTgt spid="12"/>
+                                        </p:tgtEl>
+                                        <p:attrNameLst>
+                                          <p:attrName>style.visibility</p:attrName>
+                                        </p:attrNameLst>
+                                      </p:cBhvr>
+                                      <p:to>
+                                        <p:strVal val="visible"/>
+                                      </p:to>
+                                    </p:set>
+                                  </p:childTnLst>
+                                </p:cTn>
+                              </p:par>
+                              <p:par>
+                                <p:cTn id="15" presetID="1" presetClass="entr" presetSubtype="0" fill="hold" grpId="0" nodeType="withEffect">
+                                  <p:stCondLst>
+                                    <p:cond delay="0"/>
+                                  </p:stCondLst>
+                                  <p:childTnLst>
+                                    <p:set>
+                                      <p:cBhvr>
+                                        <p:cTn id="16" dur="1" fill="hold">
+                                          <p:stCondLst>
+                                            <p:cond delay="0"/>
+                                          </p:stCondLst>
+                                        </p:cTn>
+                                        <p:tgtEl>
+                                          <p:spTgt spid="13"/>
+                                        </p:tgtEl>
+                                        <p:attrNameLst>
+                                          <p:attrName>style.visibility</p:attrName>
+                                        </p:attrNameLst>
+                                      </p:cBhvr>
+                                      <p:to>
+                                        <p:strVal val="visible"/>
+                                      </p:to>
+                                    </p:set>
+                                  </p:childTnLst>
+                                </p:cTn>
+                              </p:par>
+                              <p:par>
+                                <p:cTn id="17" presetID="1" presetClass="entr" presetSubtype="0" fill="hold" grpId="0" nodeType="withEffect">
+                                  <p:stCondLst>
+                                    <p:cond delay="0"/>
+                                  </p:stCondLst>
+                                  <p:childTnLst>
+                                    <p:set>
+                                      <p:cBhvr>
+                                        <p:cTn id="18" dur="1" fill="hold">
+                                          <p:stCondLst>
+                                            <p:cond delay="0"/>
+                                          </p:stCondLst>
+                                        </p:cTn>
+                                        <p:tgtEl>
+                                          <p:spTgt spid="14"/>
+                                        </p:tgtEl>
+                                        <p:attrNameLst>
+                                          <p:attrName>style.visibility</p:attrName>
+                                        </p:attrNameLst>
+                                      </p:cBhvr>
+                                      <p:to>
+                                        <p:strVal val="visible"/>
+                                      </p:to>
+                                    </p:set>
+                                  </p:childTnLst>
+                                </p:cTn>
+                              </p:par>
+                            </p:childTnLst>
+                          </p:cTn>
+                        </p:par>
+                      </p:childTnLst>
+                    </p:cTn>
+                  </p:par>
+                  <p:par>
+                    <p:cTn id="19" fill="hold">
+                      <p:stCondLst>
+                        <p:cond delay="indefinite"/>
+                      </p:stCondLst>
+                      <p:childTnLst>
+                        <p:par>
+                          <p:cTn id="20" fill="hold">
+                            <p:stCondLst>
+                              <p:cond delay="0"/>
+                            </p:stCondLst>
+                            <p:childTnLst>
+                              <p:par>
+                                <p:cTn id="21" presetID="1" presetClass="entr" presetSubtype="0" fill="hold" grpId="0" nodeType="clickEffect">
+                                  <p:stCondLst>
+                                    <p:cond delay="0"/>
+                                  </p:stCondLst>
+                                  <p:childTnLst>
+                                    <p:set>
+                                      <p:cBhvr>
+                                        <p:cTn id="22" dur="1" fill="hold">
+                                          <p:stCondLst>
+                                            <p:cond delay="0"/>
+                                          </p:stCondLst>
+                                        </p:cTn>
+                                        <p:tgtEl>
+                                          <p:spTgt spid="8"/>
+                                        </p:tgtEl>
+                                        <p:attrNameLst>
+                                          <p:attrName>style.visibility</p:attrName>
+                                        </p:attrNameLst>
+                                      </p:cBhvr>
+                                      <p:to>
+                                        <p:strVal val="visible"/>
+                                      </p:to>
+                                    </p:set>
+                                  </p:childTnLst>
+                                </p:cTn>
+                              </p:par>
+                              <p:par>
+                                <p:cTn id="23" presetID="1" presetClass="entr" presetSubtype="0" fill="hold" grpId="0" nodeType="withEffect">
+                                  <p:stCondLst>
+                                    <p:cond delay="0"/>
+                                  </p:stCondLst>
+                                  <p:childTnLst>
+                                    <p:set>
+                                      <p:cBhvr>
+                                        <p:cTn id="24" dur="1" fill="hold">
+                                          <p:stCondLst>
+                                            <p:cond delay="0"/>
+                                          </p:stCondLst>
+                                        </p:cTn>
+                                        <p:tgtEl>
+                                          <p:spTgt spid="21"/>
+                                        </p:tgtEl>
+                                        <p:attrNameLst>
+                                          <p:attrName>style.visibility</p:attrName>
+                                        </p:attrNameLst>
+                                      </p:cBhvr>
+                                      <p:to>
+                                        <p:strVal val="visible"/>
+                                      </p:to>
+                                    </p:set>
+                                  </p:childTnLst>
+                                </p:cTn>
+                              </p:par>
+                              <p:par>
+                                <p:cTn id="25" presetID="1" presetClass="entr" presetSubtype="0" fill="hold" grpId="0" nodeType="withEffect">
+                                  <p:stCondLst>
+                                    <p:cond delay="0"/>
+                                  </p:stCondLst>
+                                  <p:childTnLst>
+                                    <p:set>
+                                      <p:cBhvr>
+                                        <p:cTn id="26" dur="1" fill="hold">
+                                          <p:stCondLst>
+                                            <p:cond delay="0"/>
+                                          </p:stCondLst>
+                                        </p:cTn>
+                                        <p:tgtEl>
+                                          <p:spTgt spid="22"/>
+                                        </p:tgtEl>
+                                        <p:attrNameLst>
+                                          <p:attrName>style.visibility</p:attrName>
+                                        </p:attrNameLst>
+                                      </p:cBhvr>
+                                      <p:to>
+                                        <p:strVal val="visible"/>
+                                      </p:to>
+                                    </p:set>
+                                  </p:childTnLst>
+                                </p:cTn>
+                              </p:par>
+                              <p:par>
+                                <p:cTn id="27" presetID="1" presetClass="entr" presetSubtype="0" fill="hold" grpId="0" nodeType="withEffect">
+                                  <p:stCondLst>
+                                    <p:cond delay="0"/>
+                                  </p:stCondLst>
+                                  <p:childTnLst>
+                                    <p:set>
+                                      <p:cBhvr>
+                                        <p:cTn id="28" dur="1" fill="hold">
+                                          <p:stCondLst>
+                                            <p:cond delay="0"/>
+                                          </p:stCondLst>
+                                        </p:cTn>
+                                        <p:tgtEl>
+                                          <p:spTgt spid="23"/>
+                                        </p:tgtEl>
+                                        <p:attrNameLst>
+                                          <p:attrName>style.visibility</p:attrName>
+                                        </p:attrNameLst>
+                                      </p:cBhvr>
+                                      <p:to>
+                                        <p:strVal val="visible"/>
+                                      </p:to>
+                                    </p:set>
+                                  </p:childTnLst>
+                                </p:cTn>
+                              </p:par>
+                              <p:par>
+                                <p:cTn id="29" presetID="1" presetClass="entr" presetSubtype="0" fill="hold" grpId="0" nodeType="withEffect">
+                                  <p:stCondLst>
+                                    <p:cond delay="0"/>
+                                  </p:stCondLst>
+                                  <p:childTnLst>
+                                    <p:set>
+                                      <p:cBhvr>
+                                        <p:cTn id="30" dur="1" fill="hold">
+                                          <p:stCondLst>
+                                            <p:cond delay="0"/>
+                                          </p:stCondLst>
+                                        </p:cTn>
+                                        <p:tgtEl>
+                                          <p:spTgt spid="24"/>
+                                        </p:tgtEl>
+                                        <p:attrNameLst>
+                                          <p:attrName>style.visibility</p:attrName>
+                                        </p:attrNameLst>
+                                      </p:cBhvr>
+                                      <p:to>
+                                        <p:strVal val="visible"/>
+                                      </p:to>
+                                    </p:set>
+                                  </p:childTnLst>
+                                </p:cTn>
+                              </p:par>
+                              <p:par>
+                                <p:cTn id="31" presetID="1" presetClass="entr" presetSubtype="0" fill="hold" grpId="0" nodeType="withEffect">
+                                  <p:stCondLst>
+                                    <p:cond delay="0"/>
+                                  </p:stCondLst>
+                                  <p:childTnLst>
+                                    <p:set>
+                                      <p:cBhvr>
+                                        <p:cTn id="32" dur="1" fill="hold">
+                                          <p:stCondLst>
+                                            <p:cond delay="0"/>
+                                          </p:stCondLst>
+                                        </p:cTn>
+                                        <p:tgtEl>
+                                          <p:spTgt spid="25"/>
+                                        </p:tgtEl>
+                                        <p:attrNameLst>
+                                          <p:attrName>style.visibility</p:attrName>
+                                        </p:attrNameLst>
+                                      </p:cBhvr>
+                                      <p:to>
+                                        <p:strVal val="visible"/>
+                                      </p:to>
+                                    </p:set>
+                                  </p:childTnLst>
+                                </p:cTn>
+                              </p:par>
+                              <p:par>
+                                <p:cTn id="33" presetID="1" presetClass="entr" presetSubtype="0" fill="hold" grpId="0" nodeType="withEffect">
+                                  <p:stCondLst>
+                                    <p:cond delay="0"/>
+                                  </p:stCondLst>
+                                  <p:childTnLst>
+                                    <p:set>
+                                      <p:cBhvr>
+                                        <p:cTn id="34" dur="1" fill="hold">
+                                          <p:stCondLst>
+                                            <p:cond delay="0"/>
+                                          </p:stCondLst>
+                                        </p:cTn>
+                                        <p:tgtEl>
+                                          <p:spTgt spid="26"/>
+                                        </p:tgtEl>
+                                        <p:attrNameLst>
+                                          <p:attrName>style.visibility</p:attrName>
+                                        </p:attrNameLst>
+                                      </p:cBhvr>
+                                      <p:to>
+                                        <p:strVal val="visible"/>
+                                      </p:to>
+                                    </p:set>
+                                  </p:childTnLst>
+                                </p:cTn>
+                              </p:par>
+                            </p:childTnLst>
+                          </p:cTn>
+                        </p:par>
+                      </p:childTnLst>
+                    </p:cTn>
+                  </p:par>
+                  <p:par>
+                    <p:cTn id="35" fill="hold">
+                      <p:stCondLst>
+                        <p:cond delay="indefinite"/>
+                      </p:stCondLst>
+                      <p:childTnLst>
+                        <p:par>
+                          <p:cTn id="36" fill="hold">
+                            <p:stCondLst>
+                              <p:cond delay="0"/>
+                            </p:stCondLst>
+                            <p:childTnLst>
+                              <p:par>
+                                <p:cTn id="37" presetID="1" presetClass="entr" presetSubtype="0" fill="hold" grpId="0" nodeType="clickEffect">
+                                  <p:stCondLst>
+                                    <p:cond delay="0"/>
+                                  </p:stCondLst>
+                                  <p:childTnLst>
+                                    <p:set>
+                                      <p:cBhvr>
+                                        <p:cTn id="38" dur="1" fill="hold">
+                                          <p:stCondLst>
+                                            <p:cond delay="0"/>
+                                          </p:stCondLst>
+                                        </p:cTn>
+                                        <p:tgtEl>
+                                          <p:spTgt spid="7"/>
+                                        </p:tgtEl>
+                                        <p:attrNameLst>
+                                          <p:attrName>style.visibility</p:attrName>
+                                        </p:attrNameLst>
+                                      </p:cBhvr>
+                                      <p:to>
+                                        <p:strVal val="visible"/>
+                                      </p:to>
+                                    </p:set>
+                                  </p:childTnLst>
+                                </p:cTn>
+                              </p:par>
+                            </p:childTnLst>
+                          </p:cTn>
+                        </p:par>
+                      </p:childTnLst>
+                    </p:cTn>
+                  </p:par>
+                  <p:par>
+                    <p:cTn id="39" fill="hold">
+                      <p:stCondLst>
+                        <p:cond delay="indefinite"/>
+                      </p:stCondLst>
+                      <p:childTnLst>
+                        <p:par>
+                          <p:cTn id="40" fill="hold">
+                            <p:stCondLst>
+                              <p:cond delay="0"/>
+                            </p:stCondLst>
+                            <p:childTnLst>
+                              <p:par>
+                                <p:cTn id="41" presetID="1" presetClass="entr" presetSubtype="0" fill="hold" grpId="0" nodeType="clickEffect">
+                                  <p:stCondLst>
+                                    <p:cond delay="0"/>
+                                  </p:stCondLst>
+                                  <p:childTnLst>
+                                    <p:set>
+                                      <p:cBhvr>
+                                        <p:cTn id="42" dur="1" fill="hold">
+                                          <p:stCondLst>
+                                            <p:cond delay="0"/>
+                                          </p:stCondLst>
+                                        </p:cTn>
+                                        <p:tgtEl>
+                                          <p:spTgt spid="6"/>
+                                        </p:tgtEl>
+                                        <p:attrNameLst>
+                                          <p:attrName>style.visibility</p:attrName>
+                                        </p:attrNameLst>
+                                      </p:cBhvr>
+                                      <p:to>
+                                        <p:strVal val="visible"/>
+                                      </p:to>
+                                    </p:set>
+                                  </p:childTnLst>
+                                </p:cTn>
+                              </p:par>
+                            </p:childTnLst>
+                          </p:cTn>
+                        </p:par>
+                      </p:childTnLst>
+                    </p:cTn>
+                  </p:par>
+                  <p:par>
+                    <p:cTn id="43" fill="hold">
+                      <p:stCondLst>
+                        <p:cond delay="indefinite"/>
+                      </p:stCondLst>
+                      <p:childTnLst>
+                        <p:par>
+                          <p:cTn id="44" fill="hold">
+                            <p:stCondLst>
+                              <p:cond delay="0"/>
+                            </p:stCondLst>
+                            <p:childTnLst>
+                              <p:par>
+                                <p:cTn id="45" presetID="1" presetClass="entr" presetSubtype="0" fill="hold" nodeType="clickEffect">
+                                  <p:stCondLst>
+                                    <p:cond delay="0"/>
+                                  </p:stCondLst>
+                                  <p:childTnLst>
+                                    <p:set>
+                                      <p:cBhvr>
+                                        <p:cTn id="46" dur="1" fill="hold">
+                                          <p:stCondLst>
+                                            <p:cond delay="0"/>
+                                          </p:stCondLst>
+                                        </p:cTn>
+                                        <p:tgtEl>
+                                          <p:spTgt spid="4100"/>
+                                        </p:tgtEl>
+                                        <p:attrNameLst>
+                                          <p:attrName>style.visibility</p:attrName>
+                                        </p:attrNameLst>
+                                      </p:cBhvr>
+                                      <p:to>
+                                        <p:strVal val="visible"/>
+                                      </p:to>
+                                    </p:set>
+                                  </p:childTnLst>
+                                </p:cTn>
+                              </p:par>
+                            </p:childTnLst>
+                          </p:cTn>
+                        </p:par>
+                      </p:childTnLst>
+                    </p:cTn>
+                  </p:par>
+                </p:childTnLst>
+              </p:cTn>
+              <p:prevCondLst>
+                <p:cond evt="onPrev" delay="0">
+                  <p:tgtEl>
+                    <p:sldTgt/>
+                  </p:tgtEl>
+                </p:cond>
+              </p:prevCondLst>
+              <p:nextCondLst>
+                <p:cond evt="onNext" delay="0">
+                  <p:tgtEl>
+                    <p:sldTgt/>
+                  </p:tgtEl>
+                </p:cond>
+              </p:nextCondLst>
+            </p:seq>
+          </p:childTnLst>
+        </p:cTn>
+      </p:par>
+    </p:tnLst>
+    <p:bldLst>
+      <p:bldP spid="4" grpId="0" animBg="1"/>
+      <p:bldP spid="6" grpId="0" animBg="1"/>
+      <p:bldP spid="7" grpId="0" animBg="1"/>
+      <p:bldP spid="8" grpId="0" animBg="1"/>
+      <p:bldP spid="9" grpId="0" animBg="1"/>
+      <p:bldP spid="10" grpId="0" animBg="1"/>
+      <p:bldP spid="11" grpId="0" animBg="1"/>
+      <p:bldP spid="12" grpId="0" animBg="1"/>
+      <p:bldP spid="13" grpId="0" animBg="1"/>
+      <p:bldP spid="14" grpId="0" animBg="1"/>
+      <p:bldP spid="21" grpId="0" animBg="1"/>
+      <p:bldP spid="22" grpId="0" animBg="1"/>
+      <p:bldP spid="23" grpId="0" animBg="1"/>
+      <p:bldP spid="24" grpId="0" animBg="1"/>
+      <p:bldP spid="25" grpId="0" animBg="1"/>
+      <p:bldP spid="26" grpId="0" animBg="1"/>
+    </p:bldLst>
+  </p:timing>
+</p:sld>
+</file>
+
+<file path=ppt/slides/slide11.xml><?xml version="1.0" encoding="utf-8"?>
+<p:sld xmlns:a="http://schemas.openxmlformats.org/drawingml/2006/main" xmlns:r="http://schemas.openxmlformats.org/officeDocument/2006/relationships" xmlns:p="http://schemas.openxmlformats.org/presentationml/2006/main">
+  <p:cSld>
+    <p:spTree>
+      <p:nvGrpSpPr>
+        <p:cNvPr id="1" name=""/>
+        <p:cNvGrpSpPr/>
+        <p:nvPr/>
+      </p:nvGrpSpPr>
+      <p:grpSpPr>
+        <a:xfrm>
+          <a:off x="0" y="0"/>
+          <a:ext cx="0" cy="0"/>
+          <a:chOff x="0" y="0"/>
+          <a:chExt cx="0" cy="0"/>
+        </a:xfrm>
+      </p:grpSpPr>
+      <p:sp>
+        <p:nvSpPr>
+          <p:cNvPr id="2" name="Title 1">
+            <a:extLst>
+              <a:ext uri="{FF2B5EF4-FFF2-40B4-BE49-F238E27FC236}">
+                <a16:creationId xmlns:a16="http://schemas.microsoft.com/office/drawing/2014/main" id="{DE00F899-82BE-77B4-49F4-DC17D1458CE5}"/>
+              </a:ext>
+            </a:extLst>
+          </p:cNvPr>
+          <p:cNvSpPr>
+            <a:spLocks noGrp="1"/>
+          </p:cNvSpPr>
+          <p:nvPr>
+            <p:ph type="title"/>
+          </p:nvPr>
+        </p:nvSpPr>
+        <p:spPr>
+          <a:xfrm>
+            <a:off x="838200" y="18255"/>
+            <a:ext cx="10515600" cy="1325563"/>
+          </a:xfrm>
+        </p:spPr>
+        <p:txBody>
+          <a:bodyPr/>
+          <a:lstStyle/>
+          <a:p>
+            <a:r>
+              <a:rPr lang="en-US" dirty="0"/>
+              <a:t>Infrastructure</a:t>
+            </a:r>
+          </a:p>
+        </p:txBody>
+      </p:sp>
+      <p:sp>
+        <p:nvSpPr>
+          <p:cNvPr id="3" name="Content Placeholder 2">
+            <a:extLst>
+              <a:ext uri="{FF2B5EF4-FFF2-40B4-BE49-F238E27FC236}">
+                <a16:creationId xmlns:a16="http://schemas.microsoft.com/office/drawing/2014/main" id="{0CE84FAE-BCC7-4EB5-FDEF-45191B4C79D1}"/>
+              </a:ext>
+            </a:extLst>
+          </p:cNvPr>
+          <p:cNvSpPr>
+            <a:spLocks noGrp="1"/>
+          </p:cNvSpPr>
+          <p:nvPr>
+            <p:ph idx="1"/>
+          </p:nvPr>
+        </p:nvSpPr>
+        <p:spPr>
+          <a:xfrm>
+            <a:off x="838200" y="1253331"/>
+            <a:ext cx="10515600" cy="4351338"/>
+          </a:xfrm>
+        </p:spPr>
+        <p:txBody>
+          <a:bodyPr>
+            <a:normAutofit lnSpcReduction="10000"/>
+          </a:bodyPr>
+          <a:lstStyle/>
+          <a:p>
+            <a:pPr marL="0" indent="0">
+              <a:buNone/>
+            </a:pPr>
+            <a:r>
+              <a:rPr lang="en-US" sz="2100" b="1" i="0" dirty="0">
+                <a:solidFill>
+                  <a:srgbClr val="374151"/>
+                </a:solidFill>
+                <a:effectLst/>
+              </a:rPr>
+              <a:t>Infrastructure required</a:t>
+            </a:r>
+          </a:p>
+          <a:p>
+            <a:r>
+              <a:rPr lang="en-US" sz="2100" b="0" i="0" dirty="0">
+                <a:solidFill>
+                  <a:srgbClr val="374151"/>
+                </a:solidFill>
+                <a:effectLst/>
+              </a:rPr>
+              <a:t> physical or virtual machines</a:t>
+            </a:r>
+          </a:p>
+          <a:p>
+            <a:r>
+              <a:rPr lang="en-US" sz="2100" dirty="0">
+                <a:solidFill>
+                  <a:srgbClr val="374151"/>
+                </a:solidFill>
+              </a:rPr>
+              <a:t> </a:t>
+            </a:r>
+            <a:r>
+              <a:rPr lang="en-US" sz="2100" b="0" i="0" dirty="0">
+                <a:solidFill>
+                  <a:srgbClr val="374151"/>
+                </a:solidFill>
+                <a:effectLst/>
+              </a:rPr>
+              <a:t>storage systems</a:t>
+            </a:r>
+          </a:p>
+          <a:p>
+            <a:r>
+              <a:rPr lang="en-US" sz="2100" b="0" i="0" dirty="0">
+                <a:solidFill>
+                  <a:srgbClr val="374151"/>
+                </a:solidFill>
+                <a:effectLst/>
+              </a:rPr>
+              <a:t> networking components</a:t>
+            </a:r>
+          </a:p>
+          <a:p>
+            <a:pPr marL="0" indent="0">
+              <a:buNone/>
+            </a:pPr>
+            <a:endParaRPr lang="en-US" sz="2100" dirty="0"/>
+          </a:p>
+          <a:p>
+            <a:pPr marL="0" indent="0">
+              <a:buNone/>
+            </a:pPr>
+            <a:r>
+              <a:rPr lang="en-US" sz="2100" b="1" dirty="0"/>
+              <a:t>Cloud Provider</a:t>
+            </a:r>
+          </a:p>
+          <a:p>
+            <a:r>
+              <a:rPr lang="en-US" sz="2100" dirty="0"/>
+              <a:t>  Google Cloud Platform (GCP)</a:t>
+            </a:r>
+          </a:p>
+          <a:p>
+            <a:pPr marL="0" indent="0">
+              <a:buNone/>
+            </a:pPr>
+            <a:endParaRPr lang="en-US" sz="2100" dirty="0"/>
+          </a:p>
+          <a:p>
+            <a:pPr marL="0" indent="0">
+              <a:buNone/>
+            </a:pPr>
+            <a:r>
+              <a:rPr lang="en-US" sz="2100" b="1" dirty="0"/>
+              <a:t>GCP Services</a:t>
+            </a:r>
+          </a:p>
+          <a:p>
+            <a:r>
+              <a:rPr lang="en-US" sz="2100" b="0" i="1" dirty="0">
+                <a:solidFill>
+                  <a:srgbClr val="202124"/>
+                </a:solidFill>
+                <a:effectLst/>
+              </a:rPr>
+              <a:t>VPC networks </a:t>
+            </a:r>
+            <a:r>
+              <a:rPr lang="en-US" sz="2100" b="0" i="0" dirty="0">
+                <a:solidFill>
+                  <a:srgbClr val="202124"/>
+                </a:solidFill>
+                <a:effectLst/>
+              </a:rPr>
+              <a:t>– </a:t>
+            </a:r>
+            <a:r>
+              <a:rPr lang="en-US" sz="2100" b="0" i="0" dirty="0" err="1">
+                <a:solidFill>
+                  <a:srgbClr val="202124"/>
+                </a:solidFill>
+                <a:effectLst/>
+              </a:rPr>
+              <a:t>Virutal</a:t>
+            </a:r>
+            <a:r>
+              <a:rPr lang="en-US" sz="2100" b="0" i="0" dirty="0">
+                <a:solidFill>
+                  <a:srgbClr val="202124"/>
+                </a:solidFill>
+                <a:effectLst/>
+              </a:rPr>
+              <a:t> Private Cloud Network</a:t>
+            </a:r>
+          </a:p>
+          <a:p>
+            <a:r>
+              <a:rPr lang="en-US" sz="2100" i="1" dirty="0"/>
+              <a:t>Compute Engine </a:t>
+            </a:r>
+            <a:r>
+              <a:rPr lang="en-US" sz="2100" dirty="0"/>
+              <a:t>– CPU, Memory, Storage for VMs</a:t>
+            </a:r>
+          </a:p>
+          <a:p>
+            <a:endParaRPr lang="en-US" dirty="0"/>
+          </a:p>
+          <a:p>
+            <a:pPr marL="0" indent="0">
+              <a:buNone/>
+            </a:pPr>
+            <a:endParaRPr lang="en-US" dirty="0"/>
+          </a:p>
+        </p:txBody>
+      </p:sp>
+    </p:spTree>
+    <p:extLst>
+      <p:ext uri="{BB962C8B-B14F-4D97-AF65-F5344CB8AC3E}">
+        <p14:creationId xmlns:p14="http://schemas.microsoft.com/office/powerpoint/2010/main" val="3529116390"/>
+      </p:ext>
+    </p:extLst>
+  </p:cSld>
+  <p:clrMapOvr>
+    <a:masterClrMapping/>
+  </p:clrMapOvr>
+</p:sld>
+</file>
+
+<file path=ppt/slides/slide12.xml><?xml version="1.0" encoding="utf-8"?>
+<p:sld xmlns:a="http://schemas.openxmlformats.org/drawingml/2006/main" xmlns:r="http://schemas.openxmlformats.org/officeDocument/2006/relationships" xmlns:p="http://schemas.openxmlformats.org/presentationml/2006/main">
+  <p:cSld>
+    <p:spTree>
+      <p:nvGrpSpPr>
+        <p:cNvPr id="1" name=""/>
+        <p:cNvGrpSpPr/>
+        <p:nvPr/>
+      </p:nvGrpSpPr>
+      <p:grpSpPr>
+        <a:xfrm>
+          <a:off x="0" y="0"/>
+          <a:ext cx="0" cy="0"/>
+          <a:chOff x="0" y="0"/>
+          <a:chExt cx="0" cy="0"/>
+        </a:xfrm>
+      </p:grpSpPr>
+      <p:sp>
+        <p:nvSpPr>
+          <p:cNvPr id="2" name="Title 1">
+            <a:extLst>
+              <a:ext uri="{FF2B5EF4-FFF2-40B4-BE49-F238E27FC236}">
+                <a16:creationId xmlns:a16="http://schemas.microsoft.com/office/drawing/2014/main" id="{EA414ED9-A54E-6825-8CB9-D7FD6CABD4F5}"/>
+              </a:ext>
+            </a:extLst>
+          </p:cNvPr>
+          <p:cNvSpPr>
+            <a:spLocks noGrp="1"/>
+          </p:cNvSpPr>
+          <p:nvPr>
+            <p:ph type="title"/>
+          </p:nvPr>
+        </p:nvSpPr>
+        <p:spPr>
+          <a:xfrm>
+            <a:off x="369125" y="0"/>
+            <a:ext cx="10515600" cy="1255857"/>
+          </a:xfrm>
+        </p:spPr>
+        <p:txBody>
+          <a:bodyPr/>
+          <a:lstStyle/>
+          <a:p>
+            <a:r>
+              <a:rPr lang="en-US" dirty="0"/>
+              <a:t>References</a:t>
+            </a:r>
+          </a:p>
+        </p:txBody>
+      </p:sp>
+      <p:sp>
+        <p:nvSpPr>
+          <p:cNvPr id="3" name="Content Placeholder 2">
+            <a:extLst>
+              <a:ext uri="{FF2B5EF4-FFF2-40B4-BE49-F238E27FC236}">
+                <a16:creationId xmlns:a16="http://schemas.microsoft.com/office/drawing/2014/main" id="{8D4EE92D-3F8A-DE98-EDCC-3A34827D33B3}"/>
+              </a:ext>
+            </a:extLst>
+          </p:cNvPr>
+          <p:cNvSpPr>
+            <a:spLocks noGrp="1"/>
+          </p:cNvSpPr>
+          <p:nvPr>
+            <p:ph idx="1"/>
+          </p:nvPr>
+        </p:nvSpPr>
+        <p:spPr>
+          <a:xfrm>
+            <a:off x="689758" y="1255857"/>
+            <a:ext cx="10515600" cy="4284864"/>
+          </a:xfrm>
+        </p:spPr>
+        <p:txBody>
+          <a:bodyPr>
+            <a:normAutofit fontScale="55000" lnSpcReduction="20000"/>
+          </a:bodyPr>
+          <a:lstStyle/>
+          <a:p>
+            <a:pPr marL="0" indent="0" algn="l">
+              <a:lnSpc>
+                <a:spcPct val="110000"/>
+              </a:lnSpc>
+              <a:spcBef>
+                <a:spcPts val="600"/>
+              </a:spcBef>
+              <a:spcAft>
+                <a:spcPts val="600"/>
+              </a:spcAft>
+              <a:buNone/>
+            </a:pPr>
+            <a:r>
+              <a:rPr lang="en-US" sz="2600" b="0" i="0" dirty="0">
+                <a:solidFill>
+                  <a:srgbClr val="374151"/>
+                </a:solidFill>
+                <a:effectLst/>
+              </a:rPr>
+              <a:t>[1] Leila </a:t>
+            </a:r>
+            <a:r>
+              <a:rPr lang="en-US" sz="2600" b="0" i="0" dirty="0" err="1">
+                <a:solidFill>
+                  <a:srgbClr val="374151"/>
+                </a:solidFill>
+                <a:effectLst/>
+              </a:rPr>
+              <a:t>Abdollahi</a:t>
+            </a:r>
+            <a:r>
+              <a:rPr lang="en-US" sz="2600" b="0" i="0" dirty="0">
+                <a:solidFill>
+                  <a:srgbClr val="374151"/>
+                </a:solidFill>
+                <a:effectLst/>
+              </a:rPr>
+              <a:t> </a:t>
+            </a:r>
+            <a:r>
+              <a:rPr lang="en-US" sz="2600" b="0" i="0" dirty="0" err="1">
+                <a:solidFill>
+                  <a:srgbClr val="374151"/>
+                </a:solidFill>
+                <a:effectLst/>
+              </a:rPr>
+              <a:t>Vayghan</a:t>
+            </a:r>
+            <a:r>
+              <a:rPr lang="en-US" sz="2600" b="0" i="0" dirty="0">
+                <a:solidFill>
+                  <a:srgbClr val="374151"/>
+                </a:solidFill>
+                <a:effectLst/>
+              </a:rPr>
+              <a:t>, Mohamed </a:t>
+            </a:r>
+            <a:r>
+              <a:rPr lang="en-US" sz="2600" b="0" i="0" dirty="0" err="1">
+                <a:solidFill>
+                  <a:srgbClr val="374151"/>
+                </a:solidFill>
+                <a:effectLst/>
+              </a:rPr>
+              <a:t>Aymen</a:t>
+            </a:r>
+            <a:r>
+              <a:rPr lang="en-US" sz="2600" b="0" i="0" dirty="0">
+                <a:solidFill>
+                  <a:srgbClr val="374151"/>
+                </a:solidFill>
+                <a:effectLst/>
+              </a:rPr>
+              <a:t> Saied, Maria </a:t>
+            </a:r>
+            <a:r>
+              <a:rPr lang="en-US" sz="2600" b="0" i="0" dirty="0" err="1">
+                <a:solidFill>
+                  <a:srgbClr val="374151"/>
+                </a:solidFill>
+                <a:effectLst/>
+              </a:rPr>
+              <a:t>Toeroe</a:t>
+            </a:r>
+            <a:r>
+              <a:rPr lang="en-US" sz="2600" b="0" i="0" dirty="0">
+                <a:solidFill>
+                  <a:srgbClr val="374151"/>
+                </a:solidFill>
+                <a:effectLst/>
+              </a:rPr>
+              <a:t>, and Ferhat </a:t>
+            </a:r>
+            <a:r>
+              <a:rPr lang="en-US" sz="2600" b="0" i="0" dirty="0" err="1">
+                <a:solidFill>
+                  <a:srgbClr val="374151"/>
+                </a:solidFill>
+                <a:effectLst/>
+              </a:rPr>
+              <a:t>Khendek</a:t>
+            </a:r>
+            <a:r>
+              <a:rPr lang="en-US" sz="2600" b="0" i="0" dirty="0">
+                <a:solidFill>
+                  <a:srgbClr val="374151"/>
+                </a:solidFill>
+                <a:effectLst/>
+              </a:rPr>
+              <a:t>. Microservice based architecture: Towards high-      availability for stateful applications with </a:t>
+            </a:r>
+            <a:r>
+              <a:rPr lang="en-US" sz="2600" b="0" i="0" dirty="0" err="1">
+                <a:solidFill>
+                  <a:srgbClr val="374151"/>
+                </a:solidFill>
+                <a:effectLst/>
+              </a:rPr>
+              <a:t>kubernetes</a:t>
+            </a:r>
+            <a:r>
+              <a:rPr lang="en-US" sz="2600" b="0" i="0" dirty="0">
+                <a:solidFill>
+                  <a:srgbClr val="374151"/>
+                </a:solidFill>
+                <a:effectLst/>
+              </a:rPr>
+              <a:t>. In 2019 IEEE 19th international conference on software quality, reliability and security (QRS), pages 176–185. IEEE, 2019.Achieving agility in the development of monolithic applications is challenging.</a:t>
+            </a:r>
+          </a:p>
+          <a:p>
+            <a:pPr marL="0" indent="0" algn="l">
+              <a:lnSpc>
+                <a:spcPct val="110000"/>
+              </a:lnSpc>
+              <a:spcBef>
+                <a:spcPts val="600"/>
+              </a:spcBef>
+              <a:spcAft>
+                <a:spcPts val="600"/>
+              </a:spcAft>
+              <a:buNone/>
+            </a:pPr>
+            <a:r>
+              <a:rPr lang="en-US" sz="2600" b="0" i="0" dirty="0">
+                <a:solidFill>
+                  <a:srgbClr val="374151"/>
+                </a:solidFill>
+                <a:effectLst/>
+              </a:rPr>
+              <a:t>[2] Vivek Sharma, Harsh Kumar Saxena, and Akhilesh Kumar Singh. Docker for multi-containers web application. In 2020 2nd International Conference on Innovative Mechanisms for Industry Applications (ICIMIA), pages 589–592. IEEE, 2020.Microservices are often set up in traditional virtual machines, leading to issues with conflicting libraries and components.</a:t>
+            </a:r>
+          </a:p>
+          <a:p>
+            <a:pPr marL="0" indent="0" algn="l">
+              <a:lnSpc>
+                <a:spcPct val="110000"/>
+              </a:lnSpc>
+              <a:spcBef>
+                <a:spcPts val="600"/>
+              </a:spcBef>
+              <a:spcAft>
+                <a:spcPts val="600"/>
+              </a:spcAft>
+              <a:buNone/>
+            </a:pPr>
+            <a:r>
+              <a:rPr lang="en-US" sz="2600" dirty="0">
+                <a:solidFill>
+                  <a:srgbClr val="374151"/>
+                </a:solidFill>
+              </a:rPr>
+              <a:t>[3] </a:t>
+            </a:r>
+            <a:r>
+              <a:rPr lang="en-US" sz="2600" b="0" i="0" dirty="0" err="1">
+                <a:solidFill>
+                  <a:srgbClr val="374151"/>
+                </a:solidFill>
+                <a:effectLst/>
+              </a:rPr>
+              <a:t>Guogen</a:t>
+            </a:r>
+            <a:r>
+              <a:rPr lang="en-US" sz="2600" b="0" i="0" dirty="0">
+                <a:solidFill>
+                  <a:srgbClr val="374151"/>
+                </a:solidFill>
+                <a:effectLst/>
+              </a:rPr>
+              <a:t> Zhang, </a:t>
+            </a:r>
+            <a:r>
+              <a:rPr lang="en-US" sz="2600" b="0" i="0" dirty="0" err="1">
+                <a:solidFill>
+                  <a:srgbClr val="374151"/>
+                </a:solidFill>
+                <a:effectLst/>
+              </a:rPr>
+              <a:t>Kun</a:t>
+            </a:r>
+            <a:r>
+              <a:rPr lang="en-US" sz="2600" b="0" i="0" dirty="0">
+                <a:solidFill>
+                  <a:srgbClr val="374151"/>
+                </a:solidFill>
+                <a:effectLst/>
+              </a:rPr>
+              <a:t> Ren, Jung-Sang </a:t>
+            </a:r>
+            <a:r>
+              <a:rPr lang="en-US" sz="2600" b="0" i="0" dirty="0" err="1">
+                <a:solidFill>
+                  <a:srgbClr val="374151"/>
+                </a:solidFill>
+                <a:effectLst/>
+              </a:rPr>
+              <a:t>Ahn</a:t>
+            </a:r>
+            <a:r>
+              <a:rPr lang="en-US" sz="2600" b="0" i="0" dirty="0">
+                <a:solidFill>
+                  <a:srgbClr val="374151"/>
+                </a:solidFill>
+                <a:effectLst/>
+              </a:rPr>
+              <a:t>, and Sami Ben-</a:t>
+            </a:r>
+            <a:r>
+              <a:rPr lang="en-US" sz="2600" b="0" i="0" dirty="0" err="1">
+                <a:solidFill>
+                  <a:srgbClr val="374151"/>
+                </a:solidFill>
+                <a:effectLst/>
+              </a:rPr>
+              <a:t>Romdhane</a:t>
+            </a:r>
+            <a:r>
+              <a:rPr lang="en-US" sz="2600" b="0" i="0" dirty="0">
+                <a:solidFill>
+                  <a:srgbClr val="374151"/>
+                </a:solidFill>
+                <a:effectLst/>
+              </a:rPr>
+              <a:t>. Grit: consistent distributed transactions across polyglot microservices with multiple databases. In 2019 IEEE 35th International Conference on Data Engineering (ICDE), pages 2024–2027. IEEE, 2019.</a:t>
+            </a:r>
+          </a:p>
+          <a:p>
+            <a:pPr marL="0" indent="0" algn="l">
+              <a:lnSpc>
+                <a:spcPct val="110000"/>
+              </a:lnSpc>
+              <a:spcBef>
+                <a:spcPts val="600"/>
+              </a:spcBef>
+              <a:spcAft>
+                <a:spcPts val="600"/>
+              </a:spcAft>
+              <a:buNone/>
+            </a:pPr>
+            <a:r>
+              <a:rPr lang="en-US" sz="2600" b="0" i="0" dirty="0">
+                <a:solidFill>
+                  <a:srgbClr val="374151"/>
+                </a:solidFill>
+                <a:effectLst/>
+                <a:latin typeface="Söhne"/>
+              </a:rPr>
+              <a:t>[4] Victor </a:t>
+            </a:r>
+            <a:r>
+              <a:rPr lang="en-US" sz="2600" b="0" i="0" dirty="0" err="1">
+                <a:solidFill>
+                  <a:srgbClr val="374151"/>
+                </a:solidFill>
+                <a:effectLst/>
+                <a:latin typeface="Söhne"/>
+              </a:rPr>
+              <a:t>Medel</a:t>
+            </a:r>
+            <a:r>
+              <a:rPr lang="en-US" sz="2600" b="0" i="0" dirty="0">
+                <a:solidFill>
+                  <a:srgbClr val="374151"/>
+                </a:solidFill>
+                <a:effectLst/>
+                <a:latin typeface="Söhne"/>
+              </a:rPr>
+              <a:t>, Omer Rana, Jos ́e  ́Angel Ba ̃nares, and Unai </a:t>
+            </a:r>
+            <a:r>
+              <a:rPr lang="en-US" sz="2600" b="0" i="0" dirty="0" err="1">
+                <a:solidFill>
+                  <a:srgbClr val="374151"/>
+                </a:solidFill>
+                <a:effectLst/>
+                <a:latin typeface="Söhne"/>
+              </a:rPr>
+              <a:t>Arronategui</a:t>
+            </a:r>
+            <a:r>
+              <a:rPr lang="en-US" sz="2600" b="0" i="0" dirty="0">
+                <a:solidFill>
+                  <a:srgbClr val="374151"/>
+                </a:solidFill>
+                <a:effectLst/>
+                <a:latin typeface="Söhne"/>
+              </a:rPr>
+              <a:t>. Modelling performance &amp; resource management in </a:t>
+            </a:r>
+            <a:r>
+              <a:rPr lang="en-US" sz="2600" b="0" i="0" dirty="0" err="1">
+                <a:solidFill>
+                  <a:srgbClr val="374151"/>
+                </a:solidFill>
+                <a:effectLst/>
+                <a:latin typeface="Söhne"/>
+              </a:rPr>
+              <a:t>kubernetes</a:t>
+            </a:r>
+            <a:r>
+              <a:rPr lang="en-US" sz="2600" b="0" i="0" dirty="0">
+                <a:solidFill>
+                  <a:srgbClr val="374151"/>
+                </a:solidFill>
+                <a:effectLst/>
+                <a:latin typeface="Söhne"/>
+              </a:rPr>
+              <a:t>. In Proceedings of the 9th International Conference on Utility and Cloud Computing, pages 257–262, 2016.</a:t>
+            </a:r>
+          </a:p>
+          <a:p>
+            <a:pPr marL="0" indent="0" algn="l">
+              <a:lnSpc>
+                <a:spcPct val="110000"/>
+              </a:lnSpc>
+              <a:spcBef>
+                <a:spcPts val="600"/>
+              </a:spcBef>
+              <a:spcAft>
+                <a:spcPts val="600"/>
+              </a:spcAft>
+              <a:buNone/>
+            </a:pPr>
+            <a:r>
+              <a:rPr lang="en-US" sz="2600" b="0" i="0" dirty="0">
+                <a:solidFill>
+                  <a:srgbClr val="374151"/>
+                </a:solidFill>
+                <a:effectLst/>
+                <a:latin typeface="Söhne"/>
+              </a:rPr>
+              <a:t>[5] Marcelo Amaral, </a:t>
+            </a:r>
+            <a:r>
+              <a:rPr lang="en-US" sz="2600" b="0" i="0" dirty="0" err="1">
+                <a:solidFill>
+                  <a:srgbClr val="374151"/>
+                </a:solidFill>
+                <a:effectLst/>
+                <a:latin typeface="Söhne"/>
+              </a:rPr>
+              <a:t>Jorda</a:t>
+            </a:r>
+            <a:r>
+              <a:rPr lang="en-US" sz="2600" b="0" i="0" dirty="0">
+                <a:solidFill>
+                  <a:srgbClr val="374151"/>
+                </a:solidFill>
+                <a:effectLst/>
+                <a:latin typeface="Söhne"/>
+              </a:rPr>
+              <a:t> Polo, David Carrera, Iqbal </a:t>
+            </a:r>
+            <a:r>
+              <a:rPr lang="en-US" sz="2600" b="0" i="0" dirty="0" err="1">
+                <a:solidFill>
+                  <a:srgbClr val="374151"/>
+                </a:solidFill>
+                <a:effectLst/>
+                <a:latin typeface="Söhne"/>
+              </a:rPr>
+              <a:t>Mohomed</a:t>
+            </a:r>
+            <a:r>
+              <a:rPr lang="en-US" sz="2600" b="0" i="0" dirty="0">
+                <a:solidFill>
+                  <a:srgbClr val="374151"/>
+                </a:solidFill>
+                <a:effectLst/>
+                <a:latin typeface="Söhne"/>
+              </a:rPr>
+              <a:t>, </a:t>
+            </a:r>
+            <a:r>
+              <a:rPr lang="en-US" sz="2600" b="0" i="0" dirty="0" err="1">
+                <a:solidFill>
+                  <a:srgbClr val="374151"/>
+                </a:solidFill>
+                <a:effectLst/>
+                <a:latin typeface="Söhne"/>
+              </a:rPr>
+              <a:t>Merve</a:t>
+            </a:r>
+            <a:r>
+              <a:rPr lang="en-US" sz="2600" b="0" i="0" dirty="0">
+                <a:solidFill>
+                  <a:srgbClr val="374151"/>
+                </a:solidFill>
+                <a:effectLst/>
+                <a:latin typeface="Söhne"/>
+              </a:rPr>
+              <a:t> </a:t>
+            </a:r>
+            <a:r>
+              <a:rPr lang="en-US" sz="2600" b="0" i="0" dirty="0" err="1">
+                <a:solidFill>
+                  <a:srgbClr val="374151"/>
+                </a:solidFill>
+                <a:effectLst/>
+                <a:latin typeface="Söhne"/>
+              </a:rPr>
+              <a:t>Unuvar</a:t>
+            </a:r>
+            <a:r>
+              <a:rPr lang="en-US" sz="2600" b="0" i="0" dirty="0">
+                <a:solidFill>
+                  <a:srgbClr val="374151"/>
+                </a:solidFill>
+                <a:effectLst/>
+                <a:latin typeface="Söhne"/>
+              </a:rPr>
+              <a:t>, and Malgorzata </a:t>
+            </a:r>
+            <a:r>
+              <a:rPr lang="en-US" sz="2600" b="0" i="0" dirty="0" err="1">
+                <a:solidFill>
+                  <a:srgbClr val="374151"/>
+                </a:solidFill>
+                <a:effectLst/>
+                <a:latin typeface="Söhne"/>
+              </a:rPr>
+              <a:t>Steinder</a:t>
+            </a:r>
+            <a:r>
+              <a:rPr lang="en-US" sz="2600" b="0" i="0" dirty="0">
+                <a:solidFill>
+                  <a:srgbClr val="374151"/>
+                </a:solidFill>
+                <a:effectLst/>
+                <a:latin typeface="Söhne"/>
+              </a:rPr>
+              <a:t>. Performance evaluation of microservices architectures using containers. In 2015 </a:t>
+            </a:r>
+            <a:r>
+              <a:rPr lang="en-US" sz="2600" b="0" i="0" dirty="0" err="1">
+                <a:solidFill>
+                  <a:srgbClr val="374151"/>
+                </a:solidFill>
+                <a:effectLst/>
+                <a:latin typeface="Söhne"/>
+              </a:rPr>
+              <a:t>ieee</a:t>
+            </a:r>
+            <a:r>
+              <a:rPr lang="en-US" sz="2600" b="0" i="0" dirty="0">
+                <a:solidFill>
+                  <a:srgbClr val="374151"/>
+                </a:solidFill>
+                <a:effectLst/>
+                <a:latin typeface="Söhne"/>
+              </a:rPr>
+              <a:t> 14th international symposium on network computing and applications, pages 27–34. IEEE, 2015.</a:t>
+            </a:r>
+          </a:p>
+          <a:p>
+            <a:pPr algn="l">
+              <a:lnSpc>
+                <a:spcPct val="110000"/>
+              </a:lnSpc>
+              <a:spcBef>
+                <a:spcPts val="600"/>
+              </a:spcBef>
+              <a:spcAft>
+                <a:spcPts val="600"/>
+              </a:spcAft>
+              <a:buFont typeface="Arial" panose="020B0604020202020204" pitchFamily="34" charset="0"/>
+              <a:buChar char="•"/>
+            </a:pPr>
+            <a:endParaRPr lang="en-US" b="0" i="0" dirty="0">
+              <a:solidFill>
+                <a:srgbClr val="374151"/>
+              </a:solidFill>
+              <a:effectLst/>
+              <a:latin typeface="Söhne"/>
+            </a:endParaRPr>
+          </a:p>
+          <a:p>
+            <a:endParaRPr lang="en-US" dirty="0"/>
+          </a:p>
+        </p:txBody>
+      </p:sp>
+    </p:spTree>
+    <p:extLst>
+      <p:ext uri="{BB962C8B-B14F-4D97-AF65-F5344CB8AC3E}">
+        <p14:creationId xmlns:p14="http://schemas.microsoft.com/office/powerpoint/2010/main" val="2475580030"/>
+      </p:ext>
+    </p:extLst>
+  </p:cSld>
+  <p:clrMapOvr>
+    <a:masterClrMapping/>
+  </p:clrMapOvr>
+</p:sld>
+</file>
+
+<file path=ppt/slides/slide13.xml><?xml version="1.0" encoding="utf-8"?>
+<p:sld xmlns:a="http://schemas.openxmlformats.org/drawingml/2006/main" xmlns:r="http://schemas.openxmlformats.org/officeDocument/2006/relationships" xmlns:p="http://schemas.openxmlformats.org/presentationml/2006/main">
+  <p:cSld>
+    <p:spTree>
+      <p:nvGrpSpPr>
+        <p:cNvPr id="1" name=""/>
+        <p:cNvGrpSpPr/>
+        <p:nvPr/>
+      </p:nvGrpSpPr>
+      <p:grpSpPr>
+        <a:xfrm>
+          <a:off x="0" y="0"/>
+          <a:ext cx="0" cy="0"/>
+          <a:chOff x="0" y="0"/>
+          <a:chExt cx="0" cy="0"/>
+        </a:xfrm>
+      </p:grpSpPr>
+      <p:sp>
+        <p:nvSpPr>
+          <p:cNvPr id="2" name="Title 1">
+            <a:extLst>
+              <a:ext uri="{FF2B5EF4-FFF2-40B4-BE49-F238E27FC236}">
+                <a16:creationId xmlns:a16="http://schemas.microsoft.com/office/drawing/2014/main" id="{A9E7CA81-4F63-D68C-EE6A-47EE263AEE1C}"/>
+              </a:ext>
+            </a:extLst>
+          </p:cNvPr>
+          <p:cNvSpPr>
+            <a:spLocks noGrp="1"/>
+          </p:cNvSpPr>
+          <p:nvPr>
+            <p:ph type="title"/>
+          </p:nvPr>
+        </p:nvSpPr>
+        <p:spPr/>
+        <p:txBody>
+          <a:bodyPr/>
+          <a:lstStyle/>
+          <a:p>
+            <a:r>
+              <a:rPr lang="en-US" dirty="0"/>
+              <a:t>Appendix</a:t>
+            </a:r>
+          </a:p>
+        </p:txBody>
+      </p:sp>
+      <p:pic>
+        <p:nvPicPr>
+          <p:cNvPr id="5" name="Content Placeholder 4">
+            <a:extLst>
+              <a:ext uri="{FF2B5EF4-FFF2-40B4-BE49-F238E27FC236}">
+                <a16:creationId xmlns:a16="http://schemas.microsoft.com/office/drawing/2014/main" id="{F18FA186-08BC-1009-2938-203EAD7B412E}"/>
+              </a:ext>
+            </a:extLst>
+          </p:cNvPr>
+          <p:cNvPicPr>
+            <a:picLocks noGrp="1" noChangeAspect="1"/>
+          </p:cNvPicPr>
+          <p:nvPr>
+            <p:ph idx="1"/>
+          </p:nvPr>
+        </p:nvPicPr>
+        <p:blipFill>
+          <a:blip r:embed="rId2"/>
+          <a:stretch>
+            <a:fillRect/>
+          </a:stretch>
+        </p:blipFill>
+        <p:spPr>
+          <a:xfrm>
+            <a:off x="2228675" y="1800150"/>
+            <a:ext cx="7435179" cy="3543745"/>
+          </a:xfrm>
+        </p:spPr>
+      </p:pic>
+    </p:spTree>
+    <p:extLst>
+      <p:ext uri="{BB962C8B-B14F-4D97-AF65-F5344CB8AC3E}">
+        <p14:creationId xmlns:p14="http://schemas.microsoft.com/office/powerpoint/2010/main" val="202665588"/>
+      </p:ext>
+    </p:extLst>
+  </p:cSld>
+  <p:clrMapOvr>
+    <a:masterClrMapping/>
+  </p:clrMapOvr>
+</p:sld>
+</file>
+
 <file path=ppt/slides/slide2.xml><?xml version="1.0" encoding="utf-8"?>
 <p:sld xmlns:a="http://schemas.openxmlformats.org/drawingml/2006/main" xmlns:r="http://schemas.openxmlformats.org/officeDocument/2006/relationships" xmlns:p="http://schemas.openxmlformats.org/presentationml/2006/main">
   <p:cSld>
@@ -3521,15 +6677,35 @@
         </p:nvSpPr>
         <p:spPr>
           <a:xfrm>
-            <a:off x="689758" y="1303110"/>
-            <a:ext cx="10515600" cy="3108573"/>
+            <a:off x="689758" y="1303109"/>
+            <a:ext cx="10515600" cy="4949249"/>
           </a:xfrm>
         </p:spPr>
         <p:txBody>
           <a:bodyPr>
-            <a:normAutofit fontScale="92500" lnSpcReduction="20000"/>
+            <a:normAutofit/>
           </a:bodyPr>
           <a:lstStyle/>
+          <a:p>
+            <a:pPr marL="0" indent="0" algn="l">
+              <a:lnSpc>
+                <a:spcPct val="110000"/>
+              </a:lnSpc>
+              <a:spcBef>
+                <a:spcPts val="600"/>
+              </a:spcBef>
+              <a:spcAft>
+                <a:spcPts val="600"/>
+              </a:spcAft>
+              <a:buNone/>
+            </a:pPr>
+            <a:r>
+              <a:rPr lang="en-US" sz="1800" b="1" i="0" dirty="0">
+                <a:effectLst/>
+              </a:rPr>
+              <a:t>Monolithic applications : Drawbacks</a:t>
+            </a:r>
+          </a:p>
           <a:p>
             <a:pPr algn="l">
               <a:lnSpc>
@@ -3545,10 +6721,10 @@
               <a:buChar char="•"/>
             </a:pPr>
             <a:r>
-              <a:rPr lang="en-US" sz="2200" b="0" i="0" dirty="0">
+              <a:rPr lang="en-US" sz="1800" b="0" i="0" dirty="0">
                 <a:effectLst/>
               </a:rPr>
-              <a:t>Monolithic applications are complex and difficult to manage as a single unit.</a:t>
+              <a:t>complex and difficult to manage as a single unit</a:t>
             </a:r>
           </a:p>
           <a:p>
@@ -3566,10 +6742,121 @@
               <a:buChar char="•"/>
             </a:pPr>
             <a:r>
-              <a:rPr lang="en-US" sz="2200" b="0" i="0" dirty="0">
+              <a:rPr lang="en-US" sz="1800" b="0" i="0" dirty="0">
                 <a:effectLst/>
               </a:rPr>
-              <a:t>Achieving agility in the development of monolithic applications is challenging.</a:t>
+              <a:t>achieving agility is challenging</a:t>
+            </a:r>
+          </a:p>
+          <a:p>
+            <a:pPr marL="0" indent="0" algn="l">
+              <a:lnSpc>
+                <a:spcPct val="110000"/>
+              </a:lnSpc>
+              <a:spcBef>
+                <a:spcPts val="600"/>
+              </a:spcBef>
+              <a:spcAft>
+                <a:spcPts val="600"/>
+              </a:spcAft>
+              <a:buNone/>
+            </a:pPr>
+            <a:endParaRPr lang="en-US" sz="100" b="0" i="0" dirty="0">
+              <a:effectLst/>
+            </a:endParaRPr>
+          </a:p>
+          <a:p>
+            <a:pPr marL="0" indent="0" algn="l">
+              <a:lnSpc>
+                <a:spcPct val="110000"/>
+              </a:lnSpc>
+              <a:spcBef>
+                <a:spcPts val="600"/>
+              </a:spcBef>
+              <a:spcAft>
+                <a:spcPts val="600"/>
+              </a:spcAft>
+              <a:buNone/>
+            </a:pPr>
+            <a:r>
+              <a:rPr lang="en-US" sz="1800" b="1" i="0" dirty="0">
+                <a:effectLst/>
+              </a:rPr>
+              <a:t>Microservices</a:t>
+            </a:r>
+          </a:p>
+          <a:p>
+            <a:pPr>
+              <a:lnSpc>
+                <a:spcPct val="110000"/>
+              </a:lnSpc>
+              <a:spcBef>
+                <a:spcPts val="600"/>
+              </a:spcBef>
+              <a:spcAft>
+                <a:spcPts val="600"/>
+              </a:spcAft>
+            </a:pPr>
+            <a:r>
+              <a:rPr lang="en-US" sz="1800" b="0" i="0" dirty="0">
+                <a:effectLst/>
+              </a:rPr>
+              <a:t> simplifies monolithic applications</a:t>
+            </a:r>
+          </a:p>
+          <a:p>
+            <a:pPr>
+              <a:lnSpc>
+                <a:spcPct val="110000"/>
+              </a:lnSpc>
+              <a:spcBef>
+                <a:spcPts val="600"/>
+              </a:spcBef>
+              <a:spcAft>
+                <a:spcPts val="600"/>
+              </a:spcAft>
+            </a:pPr>
+            <a:r>
+              <a:rPr lang="en-US" sz="1800" b="0" i="0" dirty="0">
+                <a:effectLst/>
+              </a:rPr>
+              <a:t> flexible, agile, easy to maintain</a:t>
+            </a:r>
+          </a:p>
+          <a:p>
+            <a:pPr>
+              <a:lnSpc>
+                <a:spcPct val="110000"/>
+              </a:lnSpc>
+              <a:spcBef>
+                <a:spcPts val="600"/>
+              </a:spcBef>
+              <a:spcAft>
+                <a:spcPts val="600"/>
+              </a:spcAft>
+            </a:pPr>
+            <a:endParaRPr lang="en-US" sz="100" b="0" i="0" dirty="0">
+              <a:effectLst/>
+            </a:endParaRPr>
+          </a:p>
+          <a:p>
+            <a:pPr marL="0" indent="0">
+              <a:lnSpc>
+                <a:spcPct val="110000"/>
+              </a:lnSpc>
+              <a:spcBef>
+                <a:spcPts val="600"/>
+              </a:spcBef>
+              <a:spcAft>
+                <a:spcPts val="600"/>
+              </a:spcAft>
+              <a:buNone/>
+            </a:pPr>
+            <a:r>
+              <a:rPr lang="en-US" sz="1800" b="1" i="0" dirty="0">
+                <a:effectLst/>
+              </a:rPr>
+              <a:t>Microservices Deployment on Virtual Machines: Drawbacks</a:t>
             </a:r>
           </a:p>
           <a:p>
@@ -3587,10 +6874,10 @@
               <a:buChar char="•"/>
             </a:pPr>
             <a:r>
-              <a:rPr lang="en-US" sz="2200" b="0" i="0" dirty="0">
+              <a:rPr lang="en-US" sz="1800" b="0" i="0" dirty="0">
                 <a:effectLst/>
               </a:rPr>
-              <a:t>Microservices are a popular solution to address the complexity and lack of agility of monolithic applications, providing greater flexibility, agility, and ease of maintenance.</a:t>
+              <a:t>conflicting libraries and components</a:t>
             </a:r>
           </a:p>
           <a:p>
@@ -3608,48 +6895,12 @@
               <a:buChar char="•"/>
             </a:pPr>
             <a:r>
-              <a:rPr lang="en-US" sz="2200" b="0" i="0" dirty="0">
+              <a:rPr lang="en-US" sz="1800" b="0" i="0" dirty="0">
                 <a:effectLst/>
               </a:rPr>
-              <a:t>Microservices are often set up in traditional virtual machines, leading to issues with conflicting libraries and components.</a:t>
-            </a:r>
-          </a:p>
-          <a:p>
-            <a:pPr algn="l">
-              <a:lnSpc>
-                <a:spcPct val="110000"/>
-              </a:lnSpc>
-              <a:spcBef>
-                <a:spcPts val="600"/>
-              </a:spcBef>
-              <a:spcAft>
-                <a:spcPts val="600"/>
-              </a:spcAft>
-              <a:buFont typeface="Arial" panose="020B0604020202020204" pitchFamily="34" charset="0"/>
-              <a:buChar char="•"/>
-            </a:pPr>
-            <a:r>
-              <a:rPr lang="en-US" sz="2200" b="0" i="0" dirty="0">
-                <a:effectLst/>
-              </a:rPr>
-              <a:t>Provisioning, scaling, service discovery, load balancing, and deployment are difficult, manual, and time-consuming when scaling with virtual machines.</a:t>
-            </a:r>
-          </a:p>
-          <a:p>
-            <a:pPr algn="l">
-              <a:buFont typeface="Arial" panose="020B0604020202020204" pitchFamily="34" charset="0"/>
-              <a:buChar char="•"/>
-            </a:pPr>
-            <a:endParaRPr lang="en-US" b="0" i="0" dirty="0">
-              <a:solidFill>
-                <a:srgbClr val="374151"/>
-              </a:solidFill>
-              <a:effectLst/>
-              <a:latin typeface="Söhne"/>
-            </a:endParaRPr>
-          </a:p>
-          <a:p>
-            <a:endParaRPr lang="en-US" dirty="0"/>
+              <a:t>Efforts : provisioning, scaling, service discovery, load balancing</a:t>
+            </a:r>
+            <a:endParaRPr lang="en-US" sz="1800" dirty="0"/>
           </a:p>
         </p:txBody>
       </p:sp>
@@ -3735,7 +6986,7 @@
         <p:spPr>
           <a:xfrm>
             <a:off x="784761" y="1225921"/>
-            <a:ext cx="10515600" cy="4545487"/>
+            <a:ext cx="10515600" cy="4397045"/>
           </a:xfrm>
         </p:spPr>
         <p:txBody>
@@ -3743,6 +6994,26 @@
             <a:noAutofit/>
           </a:bodyPr>
           <a:lstStyle/>
+          <a:p>
+            <a:pPr marL="0" indent="0" algn="just">
+              <a:lnSpc>
+                <a:spcPct val="100000"/>
+              </a:lnSpc>
+              <a:spcBef>
+                <a:spcPts val="600"/>
+              </a:spcBef>
+              <a:spcAft>
+                <a:spcPts val="600"/>
+              </a:spcAft>
+              <a:buNone/>
+            </a:pPr>
+            <a:r>
+              <a:rPr lang="en-US" sz="1800" b="1" i="0" dirty="0">
+                <a:effectLst/>
+              </a:rPr>
+              <a:t>Project Development</a:t>
+            </a:r>
+          </a:p>
           <a:p>
             <a:pPr algn="just">
               <a:lnSpc>
@@ -3756,8 +7027,10 @@
               </a:spcAft>
             </a:pPr>
             <a:r>
-              <a:rPr lang="en-US" sz="2000" dirty="0"/>
-              <a:t>The project investigates the benefits of containerization technology in modern software development and deployment, focusing on Kubernetes and Docker.</a:t>
+              <a:rPr lang="en-US" sz="1800" b="0" i="0" dirty="0">
+                <a:effectLst/>
+              </a:rPr>
+              <a:t>polyglot microservice application (Java, Python, and JavaScript) </a:t>
             </a:r>
           </a:p>
           <a:p>
@@ -3773,9 +7046,18 @@
               </a:spcAft>
             </a:pPr>
             <a:r>
-              <a:rPr lang="en-US" sz="2000" dirty="0"/>
-              <a:t>Benefits of containerization technology include easier packaging and deployment of microservices, efficient resource utilization, faster startup times, and greater scalability and flexibility.</a:t>
-            </a:r>
+              <a:rPr lang="en-US" sz="1800" b="0" i="0" dirty="0">
+                <a:effectLst/>
+              </a:rPr>
+              <a:t>containerized with </a:t>
+            </a:r>
+            <a:r>
+              <a:rPr lang="en-US" sz="1800" i="0" dirty="0">
+                <a:effectLst/>
+              </a:rPr>
+              <a:t>Docker </a:t>
+            </a:r>
+            <a:endParaRPr lang="en-US" sz="1800" dirty="0"/>
           </a:p>
           <a:p>
             <a:pPr algn="just">
@@ -3790,10 +7072,16 @@
               </a:spcAft>
             </a:pPr>
             <a:r>
-              <a:rPr lang="en-US" sz="2000" b="0" i="0" dirty="0">
+              <a:rPr lang="en-US" sz="1800" b="0" i="0" dirty="0">
                 <a:effectLst/>
               </a:rPr>
-              <a:t>The project proposes a study involving a polyglot microservice application created using Java, Python, and JavaScript, containerized with Docker and deployed in Kubernetes.</a:t>
+              <a:t>deployed on </a:t>
+            </a:r>
+            <a:r>
+              <a:rPr lang="en-US" sz="1800" i="0" dirty="0">
+                <a:effectLst/>
+              </a:rPr>
+              <a:t>Kubernetes</a:t>
             </a:r>
           </a:p>
           <a:p>
@@ -3808,13 +7096,112 @@
                 <a:spcPts val="600"/>
               </a:spcAft>
             </a:pPr>
-            <a:r>
-              <a:rPr lang="en-US" sz="2000" dirty="0"/>
-              <a:t>The study evaluates the benefits of containerization by comparing the performance metrics of virtual machines and containers in distributed mode, focusing on service discovery and auto-scaling to inform software development teams.</a:t>
-            </a:r>
-          </a:p>
-          <a:p>
-            <a:endParaRPr lang="en-US" sz="2000" dirty="0"/>
+            <a:endParaRPr lang="en-US" sz="100" i="0" dirty="0">
+              <a:effectLst/>
+            </a:endParaRPr>
+          </a:p>
+          <a:p>
+            <a:pPr marL="0" indent="0" algn="just">
+              <a:lnSpc>
+                <a:spcPct val="100000"/>
+              </a:lnSpc>
+              <a:spcBef>
+                <a:spcPts val="600"/>
+              </a:spcBef>
+              <a:spcAft>
+                <a:spcPts val="600"/>
+              </a:spcAft>
+              <a:buNone/>
+            </a:pPr>
+            <a:r>
+              <a:rPr lang="en-US" sz="1800" b="1" i="0" dirty="0">
+                <a:effectLst/>
+              </a:rPr>
+              <a:t>Study</a:t>
+            </a:r>
+          </a:p>
+          <a:p>
+            <a:pPr algn="just">
+              <a:lnSpc>
+                <a:spcPct val="100000"/>
+              </a:lnSpc>
+              <a:spcBef>
+                <a:spcPts val="600"/>
+              </a:spcBef>
+              <a:spcAft>
+                <a:spcPts val="600"/>
+              </a:spcAft>
+            </a:pPr>
+            <a:r>
+              <a:rPr lang="en-US" sz="1800" dirty="0"/>
+              <a:t>benefits of containerization </a:t>
+            </a:r>
+          </a:p>
+          <a:p>
+            <a:pPr algn="just">
+              <a:lnSpc>
+                <a:spcPct val="100000"/>
+              </a:lnSpc>
+              <a:spcBef>
+                <a:spcPts val="600"/>
+              </a:spcBef>
+              <a:spcAft>
+                <a:spcPts val="600"/>
+              </a:spcAft>
+            </a:pPr>
+            <a:r>
+              <a:rPr lang="en-US" sz="1800" dirty="0"/>
+              <a:t>Benefits : portability, deployment, resource utilization, startup times, scalability , flexibility</a:t>
+            </a:r>
+          </a:p>
+          <a:p>
+            <a:pPr algn="just">
+              <a:lnSpc>
+                <a:spcPct val="100000"/>
+              </a:lnSpc>
+              <a:spcBef>
+                <a:spcPts val="600"/>
+              </a:spcBef>
+              <a:spcAft>
+                <a:spcPts val="600"/>
+              </a:spcAft>
+            </a:pPr>
+            <a:endParaRPr lang="en-US" sz="100" dirty="0"/>
+          </a:p>
+          <a:p>
+            <a:pPr marL="0" indent="0" algn="just">
+              <a:lnSpc>
+                <a:spcPct val="100000"/>
+              </a:lnSpc>
+              <a:spcBef>
+                <a:spcPts val="600"/>
+              </a:spcBef>
+              <a:spcAft>
+                <a:spcPts val="600"/>
+              </a:spcAft>
+              <a:buNone/>
+            </a:pPr>
+            <a:r>
+              <a:rPr lang="en-US" sz="1800" b="1" dirty="0"/>
+              <a:t>Performance Evaluation</a:t>
+            </a:r>
+          </a:p>
+          <a:p>
+            <a:pPr algn="just">
+              <a:lnSpc>
+                <a:spcPct val="100000"/>
+              </a:lnSpc>
+              <a:spcBef>
+                <a:spcPts val="600"/>
+              </a:spcBef>
+              <a:spcAft>
+                <a:spcPts val="600"/>
+              </a:spcAft>
+            </a:pPr>
+            <a:r>
+              <a:rPr lang="en-US" sz="1800" dirty="0"/>
+              <a:t>Performance metrics : virtual machines vs containers</a:t>
+            </a:r>
           </a:p>
           <a:p>
             <a:endParaRPr lang="en-US" sz="2000" dirty="0"/>
@@ -3925,10 +7312,15 @@
           </p:cNvGraphicFramePr>
           <p:nvPr>
             <p:ph idx="1"/>
+            <p:extLst>
+              <p:ext uri="{D42A27DB-BD31-4B8C-83A1-F6EECF244321}">
+                <p14:modId xmlns:p14="http://schemas.microsoft.com/office/powerpoint/2010/main" val="1626106181"/>
+              </p:ext>
+            </p:extLst>
           </p:nvPr>
         </p:nvGraphicFramePr>
         <p:xfrm>
-          <a:off x="955895" y="1690688"/>
+          <a:off x="1589316" y="1690688"/>
           <a:ext cx="9013368" cy="2595880"/>
         </p:xfrm>
         <a:graphic>
@@ -5038,8 +8430,12 @@
               <a:buChar char="•"/>
             </a:pPr>
             <a:r>
+              <a:rPr lang="en-US" sz="2000" b="1" dirty="0"/>
+              <a:t>Milestone 1</a:t>
+            </a:r>
+            <a:r>
               <a:rPr lang="en-US" sz="2000" dirty="0"/>
-              <a:t>Milestone 1 - Development of polyglot microservices </a:t>
+              <a:t> : Development of polyglot microservices </a:t>
             </a:r>
           </a:p>
           <a:p>
@@ -5054,8 +8450,12 @@
               <a:buChar char="•"/>
             </a:pPr>
             <a:r>
+              <a:rPr lang="en-US" sz="2000" b="1" dirty="0"/>
+              <a:t>Milestone 2</a:t>
+            </a:r>
+            <a:r>
               <a:rPr lang="en-US" sz="2000" dirty="0"/>
-              <a:t>Milestone 2 - Containerizing microservices with Docker</a:t>
+              <a:t> : Containerizing microservices with Docker</a:t>
             </a:r>
           </a:p>
           <a:p>
@@ -5070,8 +8470,12 @@
               <a:buChar char="•"/>
             </a:pPr>
             <a:r>
+              <a:rPr lang="en-US" sz="2000" b="1" dirty="0"/>
+              <a:t>Milestone 3</a:t>
+            </a:r>
+            <a:r>
               <a:rPr lang="en-US" sz="2000" dirty="0"/>
-              <a:t>Milestone 3 - Setting up Kubernetes on cloud</a:t>
+              <a:t> : Setting up Kubernetes on cloud</a:t>
             </a:r>
           </a:p>
           <a:p>
@@ -5086,8 +8490,12 @@
               <a:buChar char="•"/>
             </a:pPr>
             <a:r>
+              <a:rPr lang="en-US" sz="2000" b="1" dirty="0"/>
+              <a:t>Milestone 4 </a:t>
+            </a:r>
+            <a:r>
               <a:rPr lang="en-US" sz="2000" dirty="0"/>
-              <a:t>Milestone 4 - Deployment, autoscaling and load balancing of microservices on K8s</a:t>
+              <a:t>: Deployment, autoscaling and load balancing of microservices on K8s</a:t>
             </a:r>
           </a:p>
           <a:p>
@@ -5102,8 +8510,12 @@
               <a:buChar char="•"/>
             </a:pPr>
             <a:r>
+              <a:rPr lang="en-US" sz="2000" b="1" dirty="0"/>
+              <a:t>Milestone 5 </a:t>
+            </a:r>
+            <a:r>
               <a:rPr lang="en-US" sz="2000" dirty="0"/>
-              <a:t>Milestone 5 - Performance comparison of application on VM and containers</a:t>
+              <a:t>: Performance comparison of application on VM and containers</a:t>
             </a:r>
           </a:p>
         </p:txBody>
@@ -5166,7 +8578,7 @@
           <a:p>
             <a:r>
               <a:rPr lang="en-US" dirty="0"/>
-              <a:t>References</a:t>
+              <a:t>Project Background – Key Concepts</a:t>
             </a:r>
           </a:p>
         </p:txBody>
@@ -5189,522 +8601,496 @@
         </p:nvSpPr>
         <p:spPr>
           <a:xfrm>
-            <a:off x="689758" y="1255857"/>
-            <a:ext cx="10515600" cy="4284864"/>
+            <a:off x="689758" y="1303110"/>
+            <a:ext cx="10515600" cy="4237611"/>
           </a:xfrm>
         </p:spPr>
         <p:txBody>
           <a:bodyPr>
-            <a:normAutofit fontScale="55000" lnSpcReduction="20000"/>
+            <a:normAutofit/>
           </a:bodyPr>
           <a:lstStyle/>
           <a:p>
-            <a:pPr marL="0" indent="0" algn="l">
-              <a:lnSpc>
-                <a:spcPct val="110000"/>
-              </a:lnSpc>
-              <a:spcBef>
-                <a:spcPts val="600"/>
-              </a:spcBef>
-              <a:spcAft>
-                <a:spcPts val="600"/>
-              </a:spcAft>
-              <a:buNone/>
-            </a:pPr>
-            <a:r>
-              <a:rPr lang="en-US" sz="2600" b="0" i="0" dirty="0">
+            <a:r>
+              <a:rPr lang="en-US" sz="1800" b="1" dirty="0"/>
+              <a:t>Monolithic and Microservices</a:t>
+            </a:r>
+          </a:p>
+        </p:txBody>
+      </p:sp>
+      <p:pic>
+        <p:nvPicPr>
+          <p:cNvPr id="1026" name="Picture 2" descr="Monoliths versus microservices - Octopus Deploy">
+            <a:extLst>
+              <a:ext uri="{FF2B5EF4-FFF2-40B4-BE49-F238E27FC236}">
+                <a16:creationId xmlns:a16="http://schemas.microsoft.com/office/drawing/2014/main" id="{9D9D73B0-45B8-7472-6D44-16D50376861A}"/>
+              </a:ext>
+            </a:extLst>
+          </p:cNvPr>
+          <p:cNvPicPr>
+            <a:picLocks noChangeAspect="1" noChangeArrowheads="1"/>
+          </p:cNvPicPr>
+          <p:nvPr/>
+        </p:nvPicPr>
+        <p:blipFill>
+          <a:blip r:embed="rId2">
+            <a:extLst>
+              <a:ext uri="{28A0092B-C50C-407E-A947-70E740481C1C}">
+                <a14:useLocalDpi xmlns:a14="http://schemas.microsoft.com/office/drawing/2010/main" val="0"/>
+              </a:ext>
+            </a:extLst>
+          </a:blip>
+          <a:srcRect/>
+          <a:stretch>
+            <a:fillRect/>
+          </a:stretch>
+        </p:blipFill>
+        <p:spPr bwMode="auto">
+          <a:xfrm>
+            <a:off x="2268186" y="2090024"/>
+            <a:ext cx="7074993" cy="4150458"/>
+          </a:xfrm>
+          <a:prstGeom prst="rect">
+            <a:avLst/>
+          </a:prstGeom>
+          <a:noFill/>
+          <a:extLst>
+            <a:ext uri="{909E8E84-426E-40DD-AFC4-6F175D3DCCD1}">
+              <a14:hiddenFill xmlns:a14="http://schemas.microsoft.com/office/drawing/2010/main">
                 <a:solidFill>
-                  <a:srgbClr val="374151"/>
+                  <a:srgbClr val="FFFFFF"/>
                 </a:solidFill>
-                <a:effectLst/>
-              </a:rPr>
-              <a:t>[1] Leila </a:t>
-            </a:r>
-            <a:r>
-              <a:rPr lang="en-US" sz="2600" b="0" i="0" dirty="0" err="1">
-                <a:solidFill>
-                  <a:srgbClr val="374151"/>
-                </a:solidFill>
-                <a:effectLst/>
-              </a:rPr>
-              <a:t>Abdollahi</a:t>
-            </a:r>
-            <a:r>
-              <a:rPr lang="en-US" sz="2600" b="0" i="0" dirty="0">
-                <a:solidFill>
-                  <a:srgbClr val="374151"/>
-                </a:solidFill>
-                <a:effectLst/>
-              </a:rPr>
-              <a:t> </a:t>
-            </a:r>
-            <a:r>
-              <a:rPr lang="en-US" sz="2600" b="0" i="0" dirty="0" err="1">
-                <a:solidFill>
-                  <a:srgbClr val="374151"/>
-                </a:solidFill>
-                <a:effectLst/>
-              </a:rPr>
-              <a:t>Vayghan</a:t>
-            </a:r>
-            <a:r>
-              <a:rPr lang="en-US" sz="2600" b="0" i="0" dirty="0">
-                <a:solidFill>
-                  <a:srgbClr val="374151"/>
-                </a:solidFill>
-                <a:effectLst/>
-              </a:rPr>
-              <a:t>, Mohamed </a:t>
-            </a:r>
-            <a:r>
-              <a:rPr lang="en-US" sz="2600" b="0" i="0" dirty="0" err="1">
-                <a:solidFill>
-                  <a:srgbClr val="374151"/>
-                </a:solidFill>
-                <a:effectLst/>
-              </a:rPr>
-              <a:t>Aymen</a:t>
-            </a:r>
-            <a:r>
-              <a:rPr lang="en-US" sz="2600" b="0" i="0" dirty="0">
-                <a:solidFill>
-                  <a:srgbClr val="374151"/>
-                </a:solidFill>
-                <a:effectLst/>
-              </a:rPr>
-              <a:t> Saied, Maria </a:t>
-            </a:r>
-            <a:r>
-              <a:rPr lang="en-US" sz="2600" b="0" i="0" dirty="0" err="1">
-                <a:solidFill>
-                  <a:srgbClr val="374151"/>
-                </a:solidFill>
-                <a:effectLst/>
-              </a:rPr>
-              <a:t>Toeroe</a:t>
-            </a:r>
-            <a:r>
-              <a:rPr lang="en-US" sz="2600" b="0" i="0" dirty="0">
-                <a:solidFill>
-                  <a:srgbClr val="374151"/>
-                </a:solidFill>
-                <a:effectLst/>
-              </a:rPr>
-              <a:t>, and Ferhat </a:t>
-            </a:r>
-            <a:r>
-              <a:rPr lang="en-US" sz="2600" b="0" i="0" dirty="0" err="1">
-                <a:solidFill>
-                  <a:srgbClr val="374151"/>
-                </a:solidFill>
-                <a:effectLst/>
-              </a:rPr>
-              <a:t>Khendek</a:t>
-            </a:r>
-            <a:r>
-              <a:rPr lang="en-US" sz="2600" b="0" i="0" dirty="0">
-                <a:solidFill>
-                  <a:srgbClr val="374151"/>
-                </a:solidFill>
-                <a:effectLst/>
-              </a:rPr>
-              <a:t>. Microservice based architecture: Towards high-      availability for stateful applications with </a:t>
-            </a:r>
-            <a:r>
-              <a:rPr lang="en-US" sz="2600" b="0" i="0" dirty="0" err="1">
-                <a:solidFill>
-                  <a:srgbClr val="374151"/>
-                </a:solidFill>
-                <a:effectLst/>
-              </a:rPr>
-              <a:t>kubernetes</a:t>
-            </a:r>
-            <a:r>
-              <a:rPr lang="en-US" sz="2600" b="0" i="0" dirty="0">
-                <a:solidFill>
-                  <a:srgbClr val="374151"/>
-                </a:solidFill>
-                <a:effectLst/>
-              </a:rPr>
-              <a:t>. In 2019 IEEE 19th international conference on software quality, reliability and security (QRS), pages 176–185. IEEE, 2019.Achieving agility in the development of monolithic applications is challenging.</a:t>
-            </a:r>
-          </a:p>
-          <a:p>
-            <a:pPr marL="0" indent="0" algn="l">
-              <a:lnSpc>
-                <a:spcPct val="110000"/>
-              </a:lnSpc>
-              <a:spcBef>
-                <a:spcPts val="600"/>
-              </a:spcBef>
-              <a:spcAft>
-                <a:spcPts val="600"/>
-              </a:spcAft>
-              <a:buNone/>
-            </a:pPr>
-            <a:r>
-              <a:rPr lang="en-US" sz="2600" b="0" i="0" dirty="0">
-                <a:solidFill>
-                  <a:srgbClr val="374151"/>
-                </a:solidFill>
-                <a:effectLst/>
-              </a:rPr>
-              <a:t>[2] Vivek Sharma, Harsh Kumar Saxena, and Akhilesh Kumar Singh. Docker for multi-containers web application. In 2020 2nd International Conference on Innovative Mechanisms for Industry Applications (ICIMIA), pages 589–592. IEEE, 2020.Microservices are often set up in traditional virtual machines, leading to issues with conflicting libraries and components.</a:t>
-            </a:r>
-          </a:p>
-          <a:p>
-            <a:pPr marL="0" indent="0" algn="l">
-              <a:lnSpc>
-                <a:spcPct val="110000"/>
-              </a:lnSpc>
-              <a:spcBef>
-                <a:spcPts val="600"/>
-              </a:spcBef>
-              <a:spcAft>
-                <a:spcPts val="600"/>
-              </a:spcAft>
-              <a:buNone/>
-            </a:pPr>
-            <a:r>
-              <a:rPr lang="en-US" sz="2600" dirty="0">
-                <a:solidFill>
-                  <a:srgbClr val="374151"/>
-                </a:solidFill>
-              </a:rPr>
-              <a:t>[3] </a:t>
-            </a:r>
-            <a:r>
-              <a:rPr lang="en-US" sz="2600" b="0" i="0" dirty="0" err="1">
-                <a:solidFill>
-                  <a:srgbClr val="374151"/>
-                </a:solidFill>
-                <a:effectLst/>
-              </a:rPr>
-              <a:t>Guogen</a:t>
-            </a:r>
-            <a:r>
-              <a:rPr lang="en-US" sz="2600" b="0" i="0" dirty="0">
-                <a:solidFill>
-                  <a:srgbClr val="374151"/>
-                </a:solidFill>
-                <a:effectLst/>
-              </a:rPr>
-              <a:t> Zhang, </a:t>
-            </a:r>
-            <a:r>
-              <a:rPr lang="en-US" sz="2600" b="0" i="0" dirty="0" err="1">
-                <a:solidFill>
-                  <a:srgbClr val="374151"/>
-                </a:solidFill>
-                <a:effectLst/>
-              </a:rPr>
-              <a:t>Kun</a:t>
-            </a:r>
-            <a:r>
-              <a:rPr lang="en-US" sz="2600" b="0" i="0" dirty="0">
-                <a:solidFill>
-                  <a:srgbClr val="374151"/>
-                </a:solidFill>
-                <a:effectLst/>
-              </a:rPr>
-              <a:t> Ren, Jung-Sang </a:t>
-            </a:r>
-            <a:r>
-              <a:rPr lang="en-US" sz="2600" b="0" i="0" dirty="0" err="1">
-                <a:solidFill>
-                  <a:srgbClr val="374151"/>
-                </a:solidFill>
-                <a:effectLst/>
-              </a:rPr>
-              <a:t>Ahn</a:t>
-            </a:r>
-            <a:r>
-              <a:rPr lang="en-US" sz="2600" b="0" i="0" dirty="0">
-                <a:solidFill>
-                  <a:srgbClr val="374151"/>
-                </a:solidFill>
-                <a:effectLst/>
-              </a:rPr>
-              <a:t>, and Sami Ben-</a:t>
-            </a:r>
-            <a:r>
-              <a:rPr lang="en-US" sz="2600" b="0" i="0" dirty="0" err="1">
-                <a:solidFill>
-                  <a:srgbClr val="374151"/>
-                </a:solidFill>
-                <a:effectLst/>
-              </a:rPr>
-              <a:t>Romdhane</a:t>
-            </a:r>
-            <a:r>
-              <a:rPr lang="en-US" sz="2600" b="0" i="0" dirty="0">
-                <a:solidFill>
-                  <a:srgbClr val="374151"/>
-                </a:solidFill>
-                <a:effectLst/>
-              </a:rPr>
-              <a:t>. Grit: consistent distributed transactions across polyglot microservices with multiple databases. In 2019 IEEE 35th International Conference on Data Engineering (ICDE), pages 2024–2027. IEEE, 2019.</a:t>
-            </a:r>
-          </a:p>
-          <a:p>
-            <a:pPr marL="0" indent="0" algn="l">
-              <a:lnSpc>
-                <a:spcPct val="110000"/>
-              </a:lnSpc>
-              <a:spcBef>
-                <a:spcPts val="600"/>
-              </a:spcBef>
-              <a:spcAft>
-                <a:spcPts val="600"/>
-              </a:spcAft>
-              <a:buNone/>
-            </a:pPr>
-            <a:r>
-              <a:rPr lang="en-US" sz="2600" b="0" i="0" dirty="0">
-                <a:solidFill>
-                  <a:srgbClr val="374151"/>
-                </a:solidFill>
-                <a:effectLst/>
-                <a:latin typeface="Söhne"/>
-              </a:rPr>
-              <a:t>[4] Victor </a:t>
-            </a:r>
-            <a:r>
-              <a:rPr lang="en-US" sz="2600" b="0" i="0" dirty="0" err="1">
-                <a:solidFill>
-                  <a:srgbClr val="374151"/>
-                </a:solidFill>
-                <a:effectLst/>
-                <a:latin typeface="Söhne"/>
-              </a:rPr>
-              <a:t>Medel</a:t>
-            </a:r>
-            <a:r>
-              <a:rPr lang="en-US" sz="2600" b="0" i="0" dirty="0">
-                <a:solidFill>
-                  <a:srgbClr val="374151"/>
-                </a:solidFill>
-                <a:effectLst/>
-                <a:latin typeface="Söhne"/>
-              </a:rPr>
-              <a:t>, Omer Rana, Jos ́e  ́Angel Ba ̃nares, and Unai </a:t>
-            </a:r>
-            <a:r>
-              <a:rPr lang="en-US" sz="2600" b="0" i="0" dirty="0" err="1">
-                <a:solidFill>
-                  <a:srgbClr val="374151"/>
-                </a:solidFill>
-                <a:effectLst/>
-                <a:latin typeface="Söhne"/>
-              </a:rPr>
-              <a:t>Arronategui</a:t>
-            </a:r>
-            <a:r>
-              <a:rPr lang="en-US" sz="2600" b="0" i="0" dirty="0">
-                <a:solidFill>
-                  <a:srgbClr val="374151"/>
-                </a:solidFill>
-                <a:effectLst/>
-                <a:latin typeface="Söhne"/>
-              </a:rPr>
-              <a:t>. Modelling performance &amp; resource management in </a:t>
-            </a:r>
-            <a:r>
-              <a:rPr lang="en-US" sz="2600" b="0" i="0" dirty="0" err="1">
-                <a:solidFill>
-                  <a:srgbClr val="374151"/>
-                </a:solidFill>
-                <a:effectLst/>
-                <a:latin typeface="Söhne"/>
-              </a:rPr>
-              <a:t>kubernetes</a:t>
-            </a:r>
-            <a:r>
-              <a:rPr lang="en-US" sz="2600" b="0" i="0" dirty="0">
-                <a:solidFill>
-                  <a:srgbClr val="374151"/>
-                </a:solidFill>
-                <a:effectLst/>
-                <a:latin typeface="Söhne"/>
-              </a:rPr>
-              <a:t>. In Proceedings of the 9th International Conference on Utility and Cloud Computing, pages 257–262, 2016.</a:t>
-            </a:r>
-          </a:p>
-          <a:p>
-            <a:pPr marL="0" indent="0" algn="l">
-              <a:lnSpc>
-                <a:spcPct val="110000"/>
-              </a:lnSpc>
-              <a:spcBef>
-                <a:spcPts val="600"/>
-              </a:spcBef>
-              <a:spcAft>
-                <a:spcPts val="600"/>
-              </a:spcAft>
-              <a:buNone/>
-            </a:pPr>
-            <a:r>
-              <a:rPr lang="en-US" sz="2600" b="0" i="0" dirty="0">
-                <a:solidFill>
-                  <a:srgbClr val="374151"/>
-                </a:solidFill>
-                <a:effectLst/>
-                <a:latin typeface="Söhne"/>
-              </a:rPr>
-              <a:t>[5] Marcelo Amaral, </a:t>
-            </a:r>
-            <a:r>
-              <a:rPr lang="en-US" sz="2600" b="0" i="0" dirty="0" err="1">
-                <a:solidFill>
-                  <a:srgbClr val="374151"/>
-                </a:solidFill>
-                <a:effectLst/>
-                <a:latin typeface="Söhne"/>
-              </a:rPr>
-              <a:t>Jorda</a:t>
-            </a:r>
-            <a:r>
-              <a:rPr lang="en-US" sz="2600" b="0" i="0" dirty="0">
-                <a:solidFill>
-                  <a:srgbClr val="374151"/>
-                </a:solidFill>
-                <a:effectLst/>
-                <a:latin typeface="Söhne"/>
-              </a:rPr>
-              <a:t> Polo, David Carrera, Iqbal </a:t>
-            </a:r>
-            <a:r>
-              <a:rPr lang="en-US" sz="2600" b="0" i="0" dirty="0" err="1">
-                <a:solidFill>
-                  <a:srgbClr val="374151"/>
-                </a:solidFill>
-                <a:effectLst/>
-                <a:latin typeface="Söhne"/>
-              </a:rPr>
-              <a:t>Mohomed</a:t>
-            </a:r>
-            <a:r>
-              <a:rPr lang="en-US" sz="2600" b="0" i="0" dirty="0">
-                <a:solidFill>
-                  <a:srgbClr val="374151"/>
-                </a:solidFill>
-                <a:effectLst/>
-                <a:latin typeface="Söhne"/>
-              </a:rPr>
-              <a:t>, </a:t>
-            </a:r>
-            <a:r>
-              <a:rPr lang="en-US" sz="2600" b="0" i="0" dirty="0" err="1">
-                <a:solidFill>
-                  <a:srgbClr val="374151"/>
-                </a:solidFill>
-                <a:effectLst/>
-                <a:latin typeface="Söhne"/>
-              </a:rPr>
-              <a:t>Merve</a:t>
-            </a:r>
-            <a:r>
-              <a:rPr lang="en-US" sz="2600" b="0" i="0" dirty="0">
-                <a:solidFill>
-                  <a:srgbClr val="374151"/>
-                </a:solidFill>
-                <a:effectLst/>
-                <a:latin typeface="Söhne"/>
-              </a:rPr>
-              <a:t> </a:t>
-            </a:r>
-            <a:r>
-              <a:rPr lang="en-US" sz="2600" b="0" i="0" dirty="0" err="1">
-                <a:solidFill>
-                  <a:srgbClr val="374151"/>
-                </a:solidFill>
-                <a:effectLst/>
-                <a:latin typeface="Söhne"/>
-              </a:rPr>
-              <a:t>Unuvar</a:t>
-            </a:r>
-            <a:r>
-              <a:rPr lang="en-US" sz="2600" b="0" i="0" dirty="0">
-                <a:solidFill>
-                  <a:srgbClr val="374151"/>
-                </a:solidFill>
-                <a:effectLst/>
-                <a:latin typeface="Söhne"/>
-              </a:rPr>
-              <a:t>, and Malgorzata </a:t>
-            </a:r>
-            <a:r>
-              <a:rPr lang="en-US" sz="2600" b="0" i="0" dirty="0" err="1">
-                <a:solidFill>
-                  <a:srgbClr val="374151"/>
-                </a:solidFill>
-                <a:effectLst/>
-                <a:latin typeface="Söhne"/>
-              </a:rPr>
-              <a:t>Steinder</a:t>
-            </a:r>
-            <a:r>
-              <a:rPr lang="en-US" sz="2600" b="0" i="0" dirty="0">
-                <a:solidFill>
-                  <a:srgbClr val="374151"/>
-                </a:solidFill>
-                <a:effectLst/>
-                <a:latin typeface="Söhne"/>
-              </a:rPr>
-              <a:t>. Performance evaluation of microservices architectures using containers. In 2015 </a:t>
-            </a:r>
-            <a:r>
-              <a:rPr lang="en-US" sz="2600" b="0" i="0" dirty="0" err="1">
-                <a:solidFill>
-                  <a:srgbClr val="374151"/>
-                </a:solidFill>
-                <a:effectLst/>
-                <a:latin typeface="Söhne"/>
-              </a:rPr>
-              <a:t>ieee</a:t>
-            </a:r>
-            <a:r>
-              <a:rPr lang="en-US" sz="2600" b="0" i="0" dirty="0">
-                <a:solidFill>
-                  <a:srgbClr val="374151"/>
-                </a:solidFill>
-                <a:effectLst/>
-                <a:latin typeface="Söhne"/>
-              </a:rPr>
-              <a:t> 14th international symposium on network computing and applications, pages 27–34. IEEE, 2015.</a:t>
-            </a:r>
-          </a:p>
-          <a:p>
-            <a:pPr algn="l">
-              <a:lnSpc>
-                <a:spcPct val="110000"/>
-              </a:lnSpc>
-              <a:spcBef>
-                <a:spcPts val="600"/>
-              </a:spcBef>
-              <a:spcAft>
-                <a:spcPts val="600"/>
-              </a:spcAft>
-              <a:buFont typeface="Arial" panose="020B0604020202020204" pitchFamily="34" charset="0"/>
-              <a:buChar char="•"/>
-            </a:pPr>
-            <a:endParaRPr lang="en-US" b="0" i="0" dirty="0">
-              <a:solidFill>
-                <a:srgbClr val="374151"/>
-              </a:solidFill>
-              <a:effectLst/>
-              <a:latin typeface="Söhne"/>
-            </a:endParaRPr>
-          </a:p>
-          <a:p>
-            <a:endParaRPr lang="en-US" dirty="0"/>
-          </a:p>
-        </p:txBody>
-      </p:sp>
+              </a14:hiddenFill>
+            </a:ext>
+          </a:extLst>
+        </p:spPr>
+      </p:pic>
     </p:spTree>
     <p:extLst>
       <p:ext uri="{BB962C8B-B14F-4D97-AF65-F5344CB8AC3E}">
-        <p14:creationId xmlns:p14="http://schemas.microsoft.com/office/powerpoint/2010/main" val="2475580030"/>
+        <p14:creationId xmlns:p14="http://schemas.microsoft.com/office/powerpoint/2010/main" val="1120341972"/>
+      </p:ext>
+    </p:extLst>
+  </p:cSld>
+  <p:clrMapOvr>
+    <a:masterClrMapping/>
+  </p:clrMapOvr>
+</p:sld>
+</file>
+
+<file path=ppt/slides/slide8.xml><?xml version="1.0" encoding="utf-8"?>
+<p:sld xmlns:a="http://schemas.openxmlformats.org/drawingml/2006/main" xmlns:r="http://schemas.openxmlformats.org/officeDocument/2006/relationships" xmlns:p="http://schemas.openxmlformats.org/presentationml/2006/main">
+  <p:cSld>
+    <p:spTree>
+      <p:nvGrpSpPr>
+        <p:cNvPr id="1" name=""/>
+        <p:cNvGrpSpPr/>
+        <p:nvPr/>
+      </p:nvGrpSpPr>
+      <p:grpSpPr>
+        <a:xfrm>
+          <a:off x="0" y="0"/>
+          <a:ext cx="0" cy="0"/>
+          <a:chOff x="0" y="0"/>
+          <a:chExt cx="0" cy="0"/>
+        </a:xfrm>
+      </p:grpSpPr>
+      <p:sp>
+        <p:nvSpPr>
+          <p:cNvPr id="2" name="Title 1">
+            <a:extLst>
+              <a:ext uri="{FF2B5EF4-FFF2-40B4-BE49-F238E27FC236}">
+                <a16:creationId xmlns:a16="http://schemas.microsoft.com/office/drawing/2014/main" id="{112A9C40-6442-EE0A-CDB9-9527632BE0CD}"/>
+              </a:ext>
+            </a:extLst>
+          </p:cNvPr>
+          <p:cNvSpPr>
+            <a:spLocks noGrp="1"/>
+          </p:cNvSpPr>
+          <p:nvPr>
+            <p:ph type="title"/>
+          </p:nvPr>
+        </p:nvSpPr>
+        <p:spPr>
+          <a:xfrm>
+            <a:off x="452253" y="-112373"/>
+            <a:ext cx="10515600" cy="1325563"/>
+          </a:xfrm>
+        </p:spPr>
+        <p:txBody>
+          <a:bodyPr/>
+          <a:lstStyle/>
+          <a:p>
+            <a:r>
+              <a:rPr lang="en-US" dirty="0"/>
+              <a:t>Project Background – Key Concepts</a:t>
+            </a:r>
+          </a:p>
+        </p:txBody>
+      </p:sp>
+      <p:pic>
+        <p:nvPicPr>
+          <p:cNvPr id="2050" name="Picture 2" descr="Business value of Polyglot programming">
+            <a:extLst>
+              <a:ext uri="{FF2B5EF4-FFF2-40B4-BE49-F238E27FC236}">
+                <a16:creationId xmlns:a16="http://schemas.microsoft.com/office/drawing/2014/main" id="{0BBFB226-5B95-FCE3-C13B-374FAE6DFB1F}"/>
+              </a:ext>
+            </a:extLst>
+          </p:cNvPr>
+          <p:cNvPicPr>
+            <a:picLocks noGrp="1" noChangeAspect="1" noChangeArrowheads="1"/>
+          </p:cNvPicPr>
+          <p:nvPr>
+            <p:ph idx="1"/>
+          </p:nvPr>
+        </p:nvPicPr>
+        <p:blipFill>
+          <a:blip r:embed="rId2">
+            <a:extLst>
+              <a:ext uri="{28A0092B-C50C-407E-A947-70E740481C1C}">
+                <a14:useLocalDpi xmlns:a14="http://schemas.microsoft.com/office/drawing/2010/main" val="0"/>
+              </a:ext>
+            </a:extLst>
+          </a:blip>
+          <a:srcRect/>
+          <a:stretch>
+            <a:fillRect/>
+          </a:stretch>
+        </p:blipFill>
+        <p:spPr bwMode="auto">
+          <a:xfrm>
+            <a:off x="4073236" y="2228231"/>
+            <a:ext cx="3539184" cy="3669661"/>
+          </a:xfrm>
+          <a:prstGeom prst="rect">
+            <a:avLst/>
+          </a:prstGeom>
+          <a:noFill/>
+          <a:extLst>
+            <a:ext uri="{909E8E84-426E-40DD-AFC4-6F175D3DCCD1}">
+              <a14:hiddenFill xmlns:a14="http://schemas.microsoft.com/office/drawing/2010/main">
+                <a:solidFill>
+                  <a:srgbClr val="FFFFFF"/>
+                </a:solidFill>
+              </a14:hiddenFill>
+            </a:ext>
+          </a:extLst>
+        </p:spPr>
+      </p:pic>
+      <p:sp>
+        <p:nvSpPr>
+          <p:cNvPr id="5" name="TextBox 4">
+            <a:extLst>
+              <a:ext uri="{FF2B5EF4-FFF2-40B4-BE49-F238E27FC236}">
+                <a16:creationId xmlns:a16="http://schemas.microsoft.com/office/drawing/2014/main" id="{0B12B48B-96F3-FA8D-0654-DB70A0528367}"/>
+              </a:ext>
+            </a:extLst>
+          </p:cNvPr>
+          <p:cNvSpPr txBox="1"/>
+          <p:nvPr/>
+        </p:nvSpPr>
+        <p:spPr>
+          <a:xfrm>
+            <a:off x="571500" y="1283844"/>
+            <a:ext cx="9564089" cy="341632"/>
+          </a:xfrm>
+          <a:prstGeom prst="rect">
+            <a:avLst/>
+          </a:prstGeom>
+          <a:noFill/>
+        </p:spPr>
+        <p:txBody>
+          <a:bodyPr wrap="square">
+            <a:spAutoFit/>
+          </a:bodyPr>
+          <a:lstStyle/>
+          <a:p>
+            <a:pPr marL="228600" marR="0" lvl="0" indent="-228600" algn="l" defTabSz="914400" rtl="0" eaLnBrk="1" fontAlgn="auto" latinLnBrk="0" hangingPunct="1">
+              <a:lnSpc>
+                <a:spcPct val="90000"/>
+              </a:lnSpc>
+              <a:spcBef>
+                <a:spcPts val="1000"/>
+              </a:spcBef>
+              <a:spcAft>
+                <a:spcPts val="0"/>
+              </a:spcAft>
+              <a:buClrTx/>
+              <a:buSzTx/>
+              <a:buFont typeface="Arial" panose="020B0604020202020204" pitchFamily="34" charset="0"/>
+              <a:buChar char="•"/>
+              <a:tabLst/>
+              <a:defRPr/>
+            </a:pPr>
+            <a:r>
+              <a:rPr kumimoji="0" lang="en-US" sz="1800" b="1" i="0" u="none" strike="noStrike" kern="1200" cap="none" spc="0" normalizeH="0" baseline="0" noProof="0" dirty="0">
+                <a:ln>
+                  <a:noFill/>
+                </a:ln>
+                <a:solidFill>
+                  <a:prstClr val="black"/>
+                </a:solidFill>
+                <a:effectLst/>
+                <a:uLnTx/>
+                <a:uFillTx/>
+                <a:latin typeface="Calibri" panose="020F0502020204030204"/>
+                <a:ea typeface="+mn-ea"/>
+                <a:cs typeface="+mn-cs"/>
+              </a:rPr>
+              <a:t>Polyglot Microservices : </a:t>
+            </a:r>
+            <a:r>
+              <a:rPr kumimoji="0" lang="en-US" sz="1800" i="0" u="none" strike="noStrike" kern="1200" cap="none" spc="0" normalizeH="0" baseline="0" noProof="0" dirty="0">
+                <a:ln>
+                  <a:noFill/>
+                </a:ln>
+                <a:solidFill>
+                  <a:prstClr val="black"/>
+                </a:solidFill>
+                <a:effectLst/>
+                <a:uLnTx/>
+                <a:uFillTx/>
+                <a:latin typeface="Calibri" panose="020F0502020204030204"/>
+                <a:ea typeface="+mn-ea"/>
+                <a:cs typeface="+mn-cs"/>
+              </a:rPr>
+              <a:t>Developed in multiple programming languages</a:t>
+            </a:r>
+          </a:p>
+        </p:txBody>
+      </p:sp>
+    </p:spTree>
+    <p:extLst>
+      <p:ext uri="{BB962C8B-B14F-4D97-AF65-F5344CB8AC3E}">
+        <p14:creationId xmlns:p14="http://schemas.microsoft.com/office/powerpoint/2010/main" val="675637462"/>
+      </p:ext>
+    </p:extLst>
+  </p:cSld>
+  <p:clrMapOvr>
+    <a:masterClrMapping/>
+  </p:clrMapOvr>
+</p:sld>
+</file>
+
+<file path=ppt/slides/slide9.xml><?xml version="1.0" encoding="utf-8"?>
+<p:sld xmlns:a="http://schemas.openxmlformats.org/drawingml/2006/main" xmlns:r="http://schemas.openxmlformats.org/officeDocument/2006/relationships" xmlns:p="http://schemas.openxmlformats.org/presentationml/2006/main">
+  <p:cSld>
+    <p:spTree>
+      <p:nvGrpSpPr>
+        <p:cNvPr id="1" name=""/>
+        <p:cNvGrpSpPr/>
+        <p:nvPr/>
+      </p:nvGrpSpPr>
+      <p:grpSpPr>
+        <a:xfrm>
+          <a:off x="0" y="0"/>
+          <a:ext cx="0" cy="0"/>
+          <a:chOff x="0" y="0"/>
+          <a:chExt cx="0" cy="0"/>
+        </a:xfrm>
+      </p:grpSpPr>
+      <p:sp>
+        <p:nvSpPr>
+          <p:cNvPr id="2" name="Title 1">
+            <a:extLst>
+              <a:ext uri="{FF2B5EF4-FFF2-40B4-BE49-F238E27FC236}">
+                <a16:creationId xmlns:a16="http://schemas.microsoft.com/office/drawing/2014/main" id="{112A9C40-6442-EE0A-CDB9-9527632BE0CD}"/>
+              </a:ext>
+            </a:extLst>
+          </p:cNvPr>
+          <p:cNvSpPr>
+            <a:spLocks noGrp="1"/>
+          </p:cNvSpPr>
+          <p:nvPr>
+            <p:ph type="title"/>
+          </p:nvPr>
+        </p:nvSpPr>
+        <p:spPr>
+          <a:xfrm>
+            <a:off x="452253" y="-112373"/>
+            <a:ext cx="10515600" cy="1325563"/>
+          </a:xfrm>
+        </p:spPr>
+        <p:txBody>
+          <a:bodyPr/>
+          <a:lstStyle/>
+          <a:p>
+            <a:r>
+              <a:rPr lang="en-US" dirty="0"/>
+              <a:t>Project Background – Key Concepts</a:t>
+            </a:r>
+          </a:p>
+        </p:txBody>
+      </p:sp>
+      <p:sp>
+        <p:nvSpPr>
+          <p:cNvPr id="5" name="TextBox 4">
+            <a:extLst>
+              <a:ext uri="{FF2B5EF4-FFF2-40B4-BE49-F238E27FC236}">
+                <a16:creationId xmlns:a16="http://schemas.microsoft.com/office/drawing/2014/main" id="{0B12B48B-96F3-FA8D-0654-DB70A0528367}"/>
+              </a:ext>
+            </a:extLst>
+          </p:cNvPr>
+          <p:cNvSpPr txBox="1"/>
+          <p:nvPr/>
+        </p:nvSpPr>
+        <p:spPr>
+          <a:xfrm>
+            <a:off x="571501" y="1283844"/>
+            <a:ext cx="8317180" cy="719171"/>
+          </a:xfrm>
+          <a:prstGeom prst="rect">
+            <a:avLst/>
+          </a:prstGeom>
+          <a:noFill/>
+        </p:spPr>
+        <p:txBody>
+          <a:bodyPr wrap="square">
+            <a:spAutoFit/>
+          </a:bodyPr>
+          <a:lstStyle/>
+          <a:p>
+            <a:pPr marL="228600" marR="0" lvl="0" indent="-228600" algn="l" defTabSz="914400" rtl="0" eaLnBrk="1" fontAlgn="auto" latinLnBrk="0" hangingPunct="1">
+              <a:lnSpc>
+                <a:spcPct val="90000"/>
+              </a:lnSpc>
+              <a:spcBef>
+                <a:spcPts val="1000"/>
+              </a:spcBef>
+              <a:spcAft>
+                <a:spcPts val="0"/>
+              </a:spcAft>
+              <a:buClrTx/>
+              <a:buSzTx/>
+              <a:buFont typeface="Arial" panose="020B0604020202020204" pitchFamily="34" charset="0"/>
+              <a:buChar char="•"/>
+              <a:tabLst/>
+              <a:defRPr/>
+            </a:pPr>
+            <a:r>
+              <a:rPr kumimoji="0" lang="en-US" sz="1800" b="1" i="0" u="none" strike="noStrike" kern="1200" cap="none" spc="0" normalizeH="0" baseline="0" noProof="0" dirty="0">
+                <a:ln>
+                  <a:noFill/>
+                </a:ln>
+                <a:solidFill>
+                  <a:prstClr val="black"/>
+                </a:solidFill>
+                <a:effectLst/>
+                <a:uLnTx/>
+                <a:uFillTx/>
+                <a:latin typeface="Calibri" panose="020F0502020204030204"/>
+                <a:ea typeface="+mn-ea"/>
+                <a:cs typeface="+mn-cs"/>
+              </a:rPr>
+              <a:t>Container </a:t>
+            </a:r>
+            <a:r>
+              <a:rPr kumimoji="0" lang="en-US" sz="1800" b="0" i="0" u="none" strike="noStrike" kern="1200" cap="none" spc="0" normalizeH="0" baseline="0" noProof="0" dirty="0">
+                <a:ln>
+                  <a:noFill/>
+                </a:ln>
+                <a:solidFill>
+                  <a:prstClr val="black"/>
+                </a:solidFill>
+                <a:effectLst/>
+                <a:uLnTx/>
+                <a:uFillTx/>
+                <a:latin typeface="Calibri" panose="020F0502020204030204"/>
+                <a:ea typeface="+mn-ea"/>
+                <a:cs typeface="+mn-cs"/>
+              </a:rPr>
+              <a:t>: unit of software that packages application and its dependencies</a:t>
+            </a:r>
+          </a:p>
+          <a:p>
+            <a:pPr marL="228600" marR="0" lvl="0" indent="-228600" algn="l" defTabSz="914400" rtl="0" eaLnBrk="1" fontAlgn="auto" latinLnBrk="0" hangingPunct="1">
+              <a:lnSpc>
+                <a:spcPct val="90000"/>
+              </a:lnSpc>
+              <a:spcBef>
+                <a:spcPts val="1000"/>
+              </a:spcBef>
+              <a:spcAft>
+                <a:spcPts val="0"/>
+              </a:spcAft>
+              <a:buClrTx/>
+              <a:buSzTx/>
+              <a:buFont typeface="Arial" panose="020B0604020202020204" pitchFamily="34" charset="0"/>
+              <a:buChar char="•"/>
+              <a:tabLst/>
+              <a:defRPr/>
+            </a:pPr>
+            <a:r>
+              <a:rPr kumimoji="0" lang="en-US" sz="1800" b="0" i="0" u="none" strike="noStrike" kern="1200" cap="none" spc="0" normalizeH="0" baseline="0" noProof="0" dirty="0">
+                <a:ln>
+                  <a:noFill/>
+                </a:ln>
+                <a:solidFill>
+                  <a:prstClr val="black"/>
+                </a:solidFill>
+                <a:effectLst/>
+                <a:uLnTx/>
+                <a:uFillTx/>
+                <a:latin typeface="Calibri" panose="020F0502020204030204"/>
+                <a:ea typeface="+mn-ea"/>
+                <a:cs typeface="+mn-cs"/>
+              </a:rPr>
+              <a:t>Virtual Machine vs Container</a:t>
+            </a:r>
+          </a:p>
+        </p:txBody>
+      </p:sp>
+      <p:pic>
+        <p:nvPicPr>
+          <p:cNvPr id="3078" name="Picture 6" descr="Virtual Machine (VM) vs. Container | by Martin Kaschke | Medium">
+            <a:extLst>
+              <a:ext uri="{FF2B5EF4-FFF2-40B4-BE49-F238E27FC236}">
+                <a16:creationId xmlns:a16="http://schemas.microsoft.com/office/drawing/2014/main" id="{6F7E9C75-9557-92BA-668B-408AF818DE86}"/>
+              </a:ext>
+            </a:extLst>
+          </p:cNvPr>
+          <p:cNvPicPr>
+            <a:picLocks noChangeAspect="1" noChangeArrowheads="1"/>
+          </p:cNvPicPr>
+          <p:nvPr/>
+        </p:nvPicPr>
+        <p:blipFill>
+          <a:blip r:embed="rId2">
+            <a:extLst>
+              <a:ext uri="{28A0092B-C50C-407E-A947-70E740481C1C}">
+                <a14:useLocalDpi xmlns:a14="http://schemas.microsoft.com/office/drawing/2010/main" val="0"/>
+              </a:ext>
+            </a:extLst>
+          </a:blip>
+          <a:srcRect/>
+          <a:stretch>
+            <a:fillRect/>
+          </a:stretch>
+        </p:blipFill>
+        <p:spPr bwMode="auto">
+          <a:xfrm>
+            <a:off x="1536557" y="2211536"/>
+            <a:ext cx="8717788" cy="4180358"/>
+          </a:xfrm>
+          <a:prstGeom prst="rect">
+            <a:avLst/>
+          </a:prstGeom>
+          <a:noFill/>
+          <a:extLst>
+            <a:ext uri="{909E8E84-426E-40DD-AFC4-6F175D3DCCD1}">
+              <a14:hiddenFill xmlns:a14="http://schemas.microsoft.com/office/drawing/2010/main">
+                <a:solidFill>
+                  <a:srgbClr val="FFFFFF"/>
+                </a:solidFill>
+              </a14:hiddenFill>
+            </a:ext>
+          </a:extLst>
+        </p:spPr>
+      </p:pic>
+    </p:spTree>
+    <p:extLst>
+      <p:ext uri="{BB962C8B-B14F-4D97-AF65-F5344CB8AC3E}">
+        <p14:creationId xmlns:p14="http://schemas.microsoft.com/office/powerpoint/2010/main" val="2579779139"/>
       </p:ext>
     </p:extLst>
   </p:cSld>
@@ -6007,4 +9393,299 @@
     </a:ext>
   </a:extLst>
 </a:theme>
+</file>
+
+<file path=ppt/theme/theme2.xml><?xml version="1.0" encoding="utf-8"?>
+<a:theme xmlns:a="http://schemas.openxmlformats.org/drawingml/2006/main" name="Office Theme">
+  <a:themeElements>
+    <a:clrScheme name="Office">
+      <a:dk1>
+        <a:sysClr val="windowText" lastClr="000000"/>
+      </a:dk1>
+      <a:lt1>
+        <a:sysClr val="window" lastClr="FFFFFF"/>
+      </a:lt1>
+      <a:dk2>
+        <a:srgbClr val="44546A"/>
+      </a:dk2>
+      <a:lt2>
+        <a:srgbClr val="E7E6E6"/>
+      </a:lt2>
+      <a:accent1>
+        <a:srgbClr val="4472C4"/>
+      </a:accent1>
+      <a:accent2>
+        <a:srgbClr val="ED7D31"/>
+      </a:accent2>
+      <a:accent3>
+        <a:srgbClr val="A5A5A5"/>
+      </a:accent3>
+      <a:accent4>
+        <a:srgbClr val="FFC000"/>
+      </a:accent4>
+      <a:accent5>
+        <a:srgbClr val="5B9BD5"/>
+      </a:accent5>
+      <a:accent6>
+        <a:srgbClr val="70AD47"/>
+      </a:accent6>
+      <a:hlink>
+        <a:srgbClr val="0563C1"/>
+      </a:hlink>
+      <a:folHlink>
+        <a:srgbClr val="954F72"/>
+      </a:folHlink>
+    </a:clrScheme>
+    <a:fontScheme name="Office">
+      <a:majorFont>
+        <a:latin typeface="Calibri Light" panose="020F0302020204030204"/>
+        <a:ea typeface=""/>
+        <a:cs typeface=""/>
+        <a:font script="Jpan" typeface="游ゴシック Light"/>
+        <a:font script="Hang" typeface="맑은 고딕"/>
+        <a:font script="Hans" typeface="等线 Light"/>
+        <a:font script="Hant" typeface="新細明體"/>
+        <a:font script="Arab" typeface="Times New Roman"/>
+        <a:font script="Hebr" typeface="Times New Roman"/>
+        <a:font script="Thai" typeface="Angsana New"/>
+        <a:font script="Ethi" typeface="Nyala"/>
+        <a:font script="Beng" typeface="Vrinda"/>
+        <a:font script="Gujr" typeface="Shruti"/>
+        <a:font script="Khmr" typeface="MoolBoran"/>
+        <a:font script="Knda" typeface="Tunga"/>
+        <a:font script="Guru" typeface="Raavi"/>
+        <a:font script="Cans" typeface="Euphemia"/>
+        <a:font script="Cher" typeface="Plantagenet Cherokee"/>
+        <a:font script="Yiii" typeface="Microsoft Yi Baiti"/>
+        <a:font script="Tibt" typeface="Microsoft Himalaya"/>
+        <a:font script="Thaa" typeface="MV Boli"/>
+        <a:font script="Deva" typeface="Mangal"/>
+        <a:font script="Telu" typeface="Gautami"/>
+        <a:font script="Taml" typeface="Latha"/>
+        <a:font script="Syrc" typeface="Estrangelo Edessa"/>
+        <a:font script="Orya" typeface="Kalinga"/>
+        <a:font script="Mlym" typeface="Kartika"/>
+        <a:font script="Laoo" typeface="DokChampa"/>
+        <a:font script="Sinh" typeface="Iskoola Pota"/>
+        <a:font script="Mong" typeface="Mongolian Baiti"/>
+        <a:font script="Viet" typeface="Times New Roman"/>
+        <a:font script="Uigh" typeface="Microsoft Uighur"/>
+        <a:font script="Geor" typeface="Sylfaen"/>
+        <a:font script="Armn" typeface="Arial"/>
+        <a:font script="Bugi" typeface="Leelawadee UI"/>
+        <a:font script="Bopo" typeface="Microsoft JhengHei"/>
+        <a:font script="Java" typeface="Javanese Text"/>
+        <a:font script="Lisu" typeface="Segoe UI"/>
+        <a:font script="Mymr" typeface="Myanmar Text"/>
+        <a:font script="Nkoo" typeface="Ebrima"/>
+        <a:font script="Olck" typeface="Nirmala UI"/>
+        <a:font script="Osma" typeface="Ebrima"/>
+        <a:font script="Phag" typeface="Phagspa"/>
+        <a:font script="Syrn" typeface="Estrangelo Edessa"/>
+        <a:font script="Syrj" typeface="Estrangelo Edessa"/>
+        <a:font script="Syre" typeface="Estrangelo Edessa"/>
+        <a:font script="Sora" typeface="Nirmala UI"/>
+        <a:font script="Tale" typeface="Microsoft Tai Le"/>
+        <a:font script="Talu" typeface="Microsoft New Tai Lue"/>
+        <a:font script="Tfng" typeface="Ebrima"/>
+      </a:majorFont>
+      <a:minorFont>
+        <a:latin typeface="Calibri" panose="020F0502020204030204"/>
+        <a:ea typeface=""/>
+        <a:cs typeface=""/>
+        <a:font script="Jpan" typeface="游ゴシック"/>
+        <a:font script="Hang" typeface="맑은 고딕"/>
+        <a:font script="Hans" typeface="等线"/>
+        <a:font script="Hant" typeface="新細明體"/>
+        <a:font script="Arab" typeface="Arial"/>
+        <a:font script="Hebr" typeface="Arial"/>
+        <a:font script="Thai" typeface="Cordia New"/>
+        <a:font script="Ethi" typeface="Nyala"/>
+        <a:font script="Beng" typeface="Vrinda"/>
+        <a:font script="Gujr" typeface="Shruti"/>
+        <a:font script="Khmr" typeface="DaunPenh"/>
+        <a:font script="Knda" typeface="Tunga"/>
+        <a:font script="Guru" typeface="Raavi"/>
+        <a:font script="Cans" typeface="Euphemia"/>
+        <a:font script="Cher" typeface="Plantagenet Cherokee"/>
+        <a:font script="Yiii" typeface="Microsoft Yi Baiti"/>
+        <a:font script="Tibt" typeface="Microsoft Himalaya"/>
+        <a:font script="Thaa" typeface="MV Boli"/>
+        <a:font script="Deva" typeface="Mangal"/>
+        <a:font script="Telu" typeface="Gautami"/>
+        <a:font script="Taml" typeface="Latha"/>
+        <a:font script="Syrc" typeface="Estrangelo Edessa"/>
+        <a:font script="Orya" typeface="Kalinga"/>
+        <a:font script="Mlym" typeface="Kartika"/>
+        <a:font script="Laoo" typeface="DokChampa"/>
+        <a:font script="Sinh" typeface="Iskoola Pota"/>
+        <a:font script="Mong" typeface="Mongolian Baiti"/>
+        <a:font script="Viet" typeface="Arial"/>
+        <a:font script="Uigh" typeface="Microsoft Uighur"/>
+        <a:font script="Geor" typeface="Sylfaen"/>
+        <a:font script="Armn" typeface="Arial"/>
+        <a:font script="Bugi" typeface="Leelawadee UI"/>
+        <a:font script="Bopo" typeface="Microsoft JhengHei"/>
+        <a:font script="Java" typeface="Javanese Text"/>
+        <a:font script="Lisu" typeface="Segoe UI"/>
+        <a:font script="Mymr" typeface="Myanmar Text"/>
+        <a:font script="Nkoo" typeface="Ebrima"/>
+        <a:font script="Olck" typeface="Nirmala UI"/>
+        <a:font script="Osma" typeface="Ebrima"/>
+        <a:font script="Phag" typeface="Phagspa"/>
+        <a:font script="Syrn" typeface="Estrangelo Edessa"/>
+        <a:font script="Syrj" typeface="Estrangelo Edessa"/>
+        <a:font script="Syre" typeface="Estrangelo Edessa"/>
+        <a:font script="Sora" typeface="Nirmala UI"/>
+        <a:font script="Tale" typeface="Microsoft Tai Le"/>
+        <a:font script="Talu" typeface="Microsoft New Tai Lue"/>
+        <a:font script="Tfng" typeface="Ebrima"/>
+      </a:minorFont>
+    </a:fontScheme>
+    <a:fmtScheme name="Office">
+      <a:fillStyleLst>
+        <a:solidFill>
+          <a:schemeClr val="phClr"/>
+        </a:solidFill>
+        <a:gradFill rotWithShape="1">
+          <a:gsLst>
+            <a:gs pos="0">
+              <a:schemeClr val="phClr">
+                <a:lumMod val="110000"/>
+                <a:satMod val="105000"/>
+                <a:tint val="67000"/>
+              </a:schemeClr>
+            </a:gs>
+            <a:gs pos="50000">
+              <a:schemeClr val="phClr">
+                <a:lumMod val="105000"/>
+                <a:satMod val="103000"/>
+                <a:tint val="73000"/>
+              </a:schemeClr>
+            </a:gs>
+            <a:gs pos="100000">
+              <a:schemeClr val="phClr">
+                <a:lumMod val="105000"/>
+                <a:satMod val="109000"/>
+                <a:tint val="81000"/>
+              </a:schemeClr>
+            </a:gs>
+          </a:gsLst>
+          <a:lin ang="5400000" scaled="0"/>
+        </a:gradFill>
+        <a:gradFill rotWithShape="1">
+          <a:gsLst>
+            <a:gs pos="0">
+              <a:schemeClr val="phClr">
+                <a:satMod val="103000"/>
+                <a:lumMod val="102000"/>
+                <a:tint val="94000"/>
+              </a:schemeClr>
+            </a:gs>
+            <a:gs pos="50000">
+              <a:schemeClr val="phClr">
+                <a:satMod val="110000"/>
+                <a:lumMod val="100000"/>
+                <a:shade val="100000"/>
+              </a:schemeClr>
+            </a:gs>
+            <a:gs pos="100000">
+              <a:schemeClr val="phClr">
+                <a:lumMod val="99000"/>
+                <a:satMod val="120000"/>
+                <a:shade val="78000"/>
+              </a:schemeClr>
+            </a:gs>
+          </a:gsLst>
+          <a:lin ang="5400000" scaled="0"/>
+        </a:gradFill>
+      </a:fillStyleLst>
+      <a:lnStyleLst>
+        <a:ln w="6350" cap="flat" cmpd="sng" algn="ctr">
+          <a:solidFill>
+            <a:schemeClr val="phClr"/>
+          </a:solidFill>
+          <a:prstDash val="solid"/>
+          <a:miter lim="800000"/>
+        </a:ln>
+        <a:ln w="12700" cap="flat" cmpd="sng" algn="ctr">
+          <a:solidFill>
+            <a:schemeClr val="phClr"/>
+          </a:solidFill>
+          <a:prstDash val="solid"/>
+          <a:miter lim="800000"/>
+        </a:ln>
+        <a:ln w="19050" cap="flat" cmpd="sng" algn="ctr">
+          <a:solidFill>
+            <a:schemeClr val="phClr"/>
+          </a:solidFill>
+          <a:prstDash val="solid"/>
+          <a:miter lim="800000"/>
+        </a:ln>
+      </a:lnStyleLst>
+      <a:effectStyleLst>
+        <a:effectStyle>
+          <a:effectLst/>
+        </a:effectStyle>
+        <a:effectStyle>
+          <a:effectLst/>
+        </a:effectStyle>
+        <a:effectStyle>
+          <a:effectLst>
+            <a:outerShdw blurRad="57150" dist="19050" dir="5400000" algn="ctr" rotWithShape="0">
+              <a:srgbClr val="000000">
+                <a:alpha val="63000"/>
+              </a:srgbClr>
+            </a:outerShdw>
+          </a:effectLst>
+        </a:effectStyle>
+      </a:effectStyleLst>
+      <a:bgFillStyleLst>
+        <a:solidFill>
+          <a:schemeClr val="phClr"/>
+        </a:solidFill>
+        <a:solidFill>
+          <a:schemeClr val="phClr">
+            <a:tint val="95000"/>
+            <a:satMod val="170000"/>
+          </a:schemeClr>
+        </a:solidFill>
+        <a:gradFill rotWithShape="1">
+          <a:gsLst>
+            <a:gs pos="0">
+              <a:schemeClr val="phClr">
+                <a:tint val="93000"/>
+                <a:satMod val="150000"/>
+                <a:shade val="98000"/>
+                <a:lumMod val="102000"/>
+              </a:schemeClr>
+            </a:gs>
+            <a:gs pos="50000">
+              <a:schemeClr val="phClr">
+                <a:tint val="98000"/>
+                <a:satMod val="130000"/>
+                <a:shade val="90000"/>
+                <a:lumMod val="103000"/>
+              </a:schemeClr>
+            </a:gs>
+            <a:gs pos="100000">
+              <a:schemeClr val="phClr">
+                <a:shade val="63000"/>
+                <a:satMod val="120000"/>
+              </a:schemeClr>
+            </a:gs>
+          </a:gsLst>
+          <a:lin ang="5400000" scaled="0"/>
+        </a:gradFill>
+      </a:bgFillStyleLst>
+    </a:fmtScheme>
+  </a:themeElements>
+  <a:objectDefaults/>
+  <a:extraClrSchemeLst/>
+  <a:extLst>
+    <a:ext uri="{05A4C25C-085E-4340-85A3-A5531E510DB2}">
+      <thm15:themeFamily xmlns:thm15="http://schemas.microsoft.com/office/thememl/2012/main" name="Office Theme" id="{62F939B6-93AF-4DB8-9C6B-D6C7DFDC589F}" vid="{4A3C46E8-61CC-4603-A589-7422A47A8E4A}"/>
+    </a:ext>
+  </a:extLst>
+</a:theme>
 </file>
--- a/Presentations/Presentation.pptx
+++ b/Presentations/Presentation.pptx
@@ -8191,7 +8191,7 @@
         </p:spPr>
         <p:txBody>
           <a:bodyPr>
-            <a:normAutofit fontScale="62500" lnSpcReduction="20000"/>
+            <a:normAutofit/>
           </a:bodyPr>
           <a:lstStyle/>
           <a:p>
@@ -8209,13 +8209,13 @@
               <a:buChar char="•"/>
             </a:pPr>
             <a:r>
-              <a:rPr lang="en-US" sz="2600" b="0" i="0" dirty="0">
+              <a:rPr lang="en-US" sz="1800" b="0" i="0" dirty="0">
                 <a:solidFill>
                   <a:srgbClr val="374151"/>
                 </a:solidFill>
                 <a:effectLst/>
               </a:rPr>
-              <a:t>The importance of adopting a microservice-based architecture to achieve high availability for stateful applications in Kubernetes is being explained in [1].</a:t>
+              <a:t>[1] explains the significance of using a microservices-based architecture to implement high availability for stateful applications in Kubernetes.</a:t>
             </a:r>
           </a:p>
           <a:p>
@@ -8233,13 +8233,13 @@
               <a:buChar char="•"/>
             </a:pPr>
             <a:r>
-              <a:rPr lang="en-US" sz="2600" b="0" i="0" dirty="0">
+              <a:rPr lang="en-US" sz="1800" b="0" i="0" dirty="0">
                 <a:solidFill>
                   <a:srgbClr val="374151"/>
                 </a:solidFill>
                 <a:effectLst/>
               </a:rPr>
-              <a:t>In [2] , presented a case study of a web application that consists of several microservices, each running in a separate container and highlighted the improved portability, scalability, and flexibility..</a:t>
+              <a:t>In [2], emphasized the enhanced portability, scalability, and flexibility of a web application made up of several microservices that each execute in their own container.</a:t>
             </a:r>
           </a:p>
           <a:p>
@@ -8257,13 +8257,13 @@
               <a:buChar char="•"/>
             </a:pPr>
             <a:r>
-              <a:rPr lang="en-US" sz="2600" b="0" i="0" dirty="0">
+              <a:rPr lang="en-US" sz="1800" b="0" i="0" dirty="0">
                 <a:solidFill>
                   <a:srgbClr val="374151"/>
                 </a:solidFill>
                 <a:effectLst/>
               </a:rPr>
-              <a:t>[3] discussed the approaches for achieving consistent distributed transactions across polyglot microservices that use multiple databases addressed the challenges in distributed transactions in a polyglot environment.</a:t>
+              <a:t>The methods for achieving consistent distributed transactions across polyglot microservices that use several databases were covered in [3], that also addressed the challenges of distributed transactions in a polyglot environment.</a:t>
             </a:r>
           </a:p>
           <a:p>
@@ -8281,14 +8281,13 @@
               <a:buChar char="•"/>
             </a:pPr>
             <a:r>
-              <a:rPr lang="en-US" sz="2600" b="0" i="0" dirty="0">
+              <a:rPr lang="en-US" sz="1800" b="0" i="0" dirty="0">
                 <a:solidFill>
                   <a:srgbClr val="374151"/>
                 </a:solidFill>
                 <a:effectLst/>
-                <a:latin typeface="Söhne"/>
               </a:rPr>
-              <a:t>[4] proposes a performance model to analyze the resource management in Kubernetes clusters. The model uses queueing theory and stochastic processes to represent the resource utilization of nodes and pods. The proposed model is validated through experiments that compare its accuracy against the real system performance. The paper highlights the importance of having an accurate performance model to optimize resource allocation and improve the overall efficiency of Kubernetes clusters.</a:t>
+              <a:t>[4] proposes a validated performance model for Kubernetes clusters that utilizes queueing theory and stochastic processes to optimize resource allocation and enhance cluster efficiency.</a:t>
             </a:r>
           </a:p>
           <a:p>
@@ -8306,25 +8305,14 @@
               <a:buChar char="•"/>
             </a:pPr>
             <a:r>
-              <a:rPr lang="en-US" sz="2600" b="0" i="0" dirty="0">
+              <a:rPr lang="en-US" sz="1800" b="0" i="0" dirty="0">
                 <a:solidFill>
                   <a:srgbClr val="374151"/>
                 </a:solidFill>
                 <a:effectLst/>
-                <a:latin typeface="Söhne"/>
               </a:rPr>
-              <a:t>In [5] the evaluation of the performance of microservices architectures using containers, specifically Docker. The authors conduct experiments to compare the performance of a monolithic application with a microservices-based application, both deployed on Docker. The experiments involve measuring the response time and throughput of the applications under various workloads.</a:t>
-            </a:r>
-            <a:endParaRPr lang="en-US" b="0" i="0" dirty="0">
-              <a:solidFill>
-                <a:srgbClr val="374151"/>
-              </a:solidFill>
-              <a:effectLst/>
-              <a:latin typeface="Söhne"/>
-            </a:endParaRPr>
-          </a:p>
-          <a:p>
-            <a:endParaRPr lang="en-US" dirty="0"/>
+              <a:t>[5] compares monolithic and microservices-based applications' performance using Docker containers. The experiments measure response time and throughput under different workloads.</a:t>
+            </a:r>
           </a:p>
         </p:txBody>
       </p:sp>

--- a/Presentations/Presentation.pptx
+++ b/Presentations/Presentation.pptx
@@ -209,7 +209,7 @@
           <a:p>
             <a:fld id="{785A57EC-95D8-4454-8319-E4783E35E39E}" type="datetimeFigureOut">
               <a:rPr lang="en-US" smtClean="0"/>
-              <a:t>2/27/2023</a:t>
+              <a:t>2/28/2023</a:t>
             </a:fld>
             <a:endParaRPr lang="en-US"/>
           </a:p>
@@ -707,7 +707,7 @@
           <a:p>
             <a:fld id="{20483390-C10D-495D-AD08-B75BDE32C1DD}" type="datetimeFigureOut">
               <a:rPr lang="en-US" smtClean="0"/>
-              <a:t>2/27/2023</a:t>
+              <a:t>2/28/2023</a:t>
             </a:fld>
             <a:endParaRPr lang="en-US"/>
           </a:p>
@@ -905,7 +905,7 @@
           <a:p>
             <a:fld id="{20483390-C10D-495D-AD08-B75BDE32C1DD}" type="datetimeFigureOut">
               <a:rPr lang="en-US" smtClean="0"/>
-              <a:t>2/27/2023</a:t>
+              <a:t>2/28/2023</a:t>
             </a:fld>
             <a:endParaRPr lang="en-US"/>
           </a:p>
@@ -1113,7 +1113,7 @@
           <a:p>
             <a:fld id="{20483390-C10D-495D-AD08-B75BDE32C1DD}" type="datetimeFigureOut">
               <a:rPr lang="en-US" smtClean="0"/>
-              <a:t>2/27/2023</a:t>
+              <a:t>2/28/2023</a:t>
             </a:fld>
             <a:endParaRPr lang="en-US"/>
           </a:p>
@@ -1311,7 +1311,7 @@
           <a:p>
             <a:fld id="{20483390-C10D-495D-AD08-B75BDE32C1DD}" type="datetimeFigureOut">
               <a:rPr lang="en-US" smtClean="0"/>
-              <a:t>2/27/2023</a:t>
+              <a:t>2/28/2023</a:t>
             </a:fld>
             <a:endParaRPr lang="en-US"/>
           </a:p>
@@ -1586,7 +1586,7 @@
           <a:p>
             <a:fld id="{20483390-C10D-495D-AD08-B75BDE32C1DD}" type="datetimeFigureOut">
               <a:rPr lang="en-US" smtClean="0"/>
-              <a:t>2/27/2023</a:t>
+              <a:t>2/28/2023</a:t>
             </a:fld>
             <a:endParaRPr lang="en-US"/>
           </a:p>
@@ -1851,7 +1851,7 @@
           <a:p>
             <a:fld id="{20483390-C10D-495D-AD08-B75BDE32C1DD}" type="datetimeFigureOut">
               <a:rPr lang="en-US" smtClean="0"/>
-              <a:t>2/27/2023</a:t>
+              <a:t>2/28/2023</a:t>
             </a:fld>
             <a:endParaRPr lang="en-US"/>
           </a:p>
@@ -2263,7 +2263,7 @@
           <a:p>
             <a:fld id="{20483390-C10D-495D-AD08-B75BDE32C1DD}" type="datetimeFigureOut">
               <a:rPr lang="en-US" smtClean="0"/>
-              <a:t>2/27/2023</a:t>
+              <a:t>2/28/2023</a:t>
             </a:fld>
             <a:endParaRPr lang="en-US"/>
           </a:p>
@@ -2404,7 +2404,7 @@
           <a:p>
             <a:fld id="{20483390-C10D-495D-AD08-B75BDE32C1DD}" type="datetimeFigureOut">
               <a:rPr lang="en-US" smtClean="0"/>
-              <a:t>2/27/2023</a:t>
+              <a:t>2/28/2023</a:t>
             </a:fld>
             <a:endParaRPr lang="en-US"/>
           </a:p>
@@ -2517,7 +2517,7 @@
           <a:p>
             <a:fld id="{20483390-C10D-495D-AD08-B75BDE32C1DD}" type="datetimeFigureOut">
               <a:rPr lang="en-US" smtClean="0"/>
-              <a:t>2/27/2023</a:t>
+              <a:t>2/28/2023</a:t>
             </a:fld>
             <a:endParaRPr lang="en-US"/>
           </a:p>
@@ -2828,7 +2828,7 @@
           <a:p>
             <a:fld id="{20483390-C10D-495D-AD08-B75BDE32C1DD}" type="datetimeFigureOut">
               <a:rPr lang="en-US" smtClean="0"/>
-              <a:t>2/27/2023</a:t>
+              <a:t>2/28/2023</a:t>
             </a:fld>
             <a:endParaRPr lang="en-US"/>
           </a:p>
@@ -3116,7 +3116,7 @@
           <a:p>
             <a:fld id="{20483390-C10D-495D-AD08-B75BDE32C1DD}" type="datetimeFigureOut">
               <a:rPr lang="en-US" smtClean="0"/>
-              <a:t>2/27/2023</a:t>
+              <a:t>2/28/2023</a:t>
             </a:fld>
             <a:endParaRPr lang="en-US"/>
           </a:p>
@@ -3357,7 +3357,7 @@
           <a:p>
             <a:fld id="{20483390-C10D-495D-AD08-B75BDE32C1DD}" type="datetimeFigureOut">
               <a:rPr lang="en-US" smtClean="0"/>
-              <a:t>2/27/2023</a:t>
+              <a:t>2/28/2023</a:t>
             </a:fld>
             <a:endParaRPr lang="en-US"/>
           </a:p>
@@ -6596,6 +6596,82 @@
           </a:xfrm>
         </p:spPr>
       </p:pic>
+      <p:sp>
+        <p:nvSpPr>
+          <p:cNvPr id="4" name="TextBox 3">
+            <a:extLst>
+              <a:ext uri="{FF2B5EF4-FFF2-40B4-BE49-F238E27FC236}">
+                <a16:creationId xmlns:a16="http://schemas.microsoft.com/office/drawing/2014/main" id="{8CE7C513-082D-3B81-29FF-D6421D7EF2B8}"/>
+              </a:ext>
+            </a:extLst>
+          </p:cNvPr>
+          <p:cNvSpPr txBox="1"/>
+          <p:nvPr/>
+        </p:nvSpPr>
+        <p:spPr>
+          <a:xfrm>
+            <a:off x="838200" y="5789659"/>
+            <a:ext cx="10057410" cy="369332"/>
+          </a:xfrm>
+          <a:prstGeom prst="rect">
+            <a:avLst/>
+          </a:prstGeom>
+          <a:noFill/>
+        </p:spPr>
+        <p:txBody>
+          <a:bodyPr wrap="square">
+            <a:spAutoFit/>
+          </a:bodyPr>
+          <a:lstStyle/>
+          <a:p>
+            <a:r>
+              <a:rPr lang="en-US" dirty="0">
+                <a:hlinkClick r:id="rId3"/>
+              </a:rPr>
+              <a:t>Container Runtimes</a:t>
+            </a:r>
+            <a:endParaRPr lang="en-US" dirty="0"/>
+          </a:p>
+        </p:txBody>
+      </p:sp>
+      <p:sp>
+        <p:nvSpPr>
+          <p:cNvPr id="9" name="TextBox 8">
+            <a:extLst>
+              <a:ext uri="{FF2B5EF4-FFF2-40B4-BE49-F238E27FC236}">
+                <a16:creationId xmlns:a16="http://schemas.microsoft.com/office/drawing/2014/main" id="{C64161D4-BBB1-203D-FAB2-8026651D41B3}"/>
+              </a:ext>
+            </a:extLst>
+          </p:cNvPr>
+          <p:cNvSpPr txBox="1"/>
+          <p:nvPr/>
+        </p:nvSpPr>
+        <p:spPr>
+          <a:xfrm>
+            <a:off x="838200" y="6158991"/>
+            <a:ext cx="6095010" cy="369332"/>
+          </a:xfrm>
+          <a:prstGeom prst="rect">
+            <a:avLst/>
+          </a:prstGeom>
+          <a:noFill/>
+        </p:spPr>
+        <p:txBody>
+          <a:bodyPr wrap="square">
+            <a:spAutoFit/>
+          </a:bodyPr>
+          <a:lstStyle/>
+          <a:p>
+            <a:r>
+              <a:rPr lang="en-US" dirty="0" err="1">
+                <a:hlinkClick r:id="rId4"/>
+              </a:rPr>
+              <a:t>Containerd</a:t>
+            </a:r>
+            <a:endParaRPr lang="en-US" dirty="0"/>
+          </a:p>
+        </p:txBody>
+      </p:sp>
     </p:spTree>
     <p:extLst>
       <p:ext uri="{BB962C8B-B14F-4D97-AF65-F5344CB8AC3E}">

--- a/Presentations/Presentation.pptx
+++ b/Presentations/Presentation.pptx
@@ -209,7 +209,7 @@
           <a:p>
             <a:fld id="{785A57EC-95D8-4454-8319-E4783E35E39E}" type="datetimeFigureOut">
               <a:rPr lang="en-US" smtClean="0"/>
-              <a:t>2/28/2023</a:t>
+              <a:t>3/3/2023</a:t>
             </a:fld>
             <a:endParaRPr lang="en-US"/>
           </a:p>
@@ -707,7 +707,7 @@
           <a:p>
             <a:fld id="{20483390-C10D-495D-AD08-B75BDE32C1DD}" type="datetimeFigureOut">
               <a:rPr lang="en-US" smtClean="0"/>
-              <a:t>2/28/2023</a:t>
+              <a:t>3/3/2023</a:t>
             </a:fld>
             <a:endParaRPr lang="en-US"/>
           </a:p>
@@ -905,7 +905,7 @@
           <a:p>
             <a:fld id="{20483390-C10D-495D-AD08-B75BDE32C1DD}" type="datetimeFigureOut">
               <a:rPr lang="en-US" smtClean="0"/>
-              <a:t>2/28/2023</a:t>
+              <a:t>3/3/2023</a:t>
             </a:fld>
             <a:endParaRPr lang="en-US"/>
           </a:p>
@@ -1113,7 +1113,7 @@
           <a:p>
             <a:fld id="{20483390-C10D-495D-AD08-B75BDE32C1DD}" type="datetimeFigureOut">
               <a:rPr lang="en-US" smtClean="0"/>
-              <a:t>2/28/2023</a:t>
+              <a:t>3/3/2023</a:t>
             </a:fld>
             <a:endParaRPr lang="en-US"/>
           </a:p>
@@ -1311,7 +1311,7 @@
           <a:p>
             <a:fld id="{20483390-C10D-495D-AD08-B75BDE32C1DD}" type="datetimeFigureOut">
               <a:rPr lang="en-US" smtClean="0"/>
-              <a:t>2/28/2023</a:t>
+              <a:t>3/3/2023</a:t>
             </a:fld>
             <a:endParaRPr lang="en-US"/>
           </a:p>
@@ -1586,7 +1586,7 @@
           <a:p>
             <a:fld id="{20483390-C10D-495D-AD08-B75BDE32C1DD}" type="datetimeFigureOut">
               <a:rPr lang="en-US" smtClean="0"/>
-              <a:t>2/28/2023</a:t>
+              <a:t>3/3/2023</a:t>
             </a:fld>
             <a:endParaRPr lang="en-US"/>
           </a:p>
@@ -1851,7 +1851,7 @@
           <a:p>
             <a:fld id="{20483390-C10D-495D-AD08-B75BDE32C1DD}" type="datetimeFigureOut">
               <a:rPr lang="en-US" smtClean="0"/>
-              <a:t>2/28/2023</a:t>
+              <a:t>3/3/2023</a:t>
             </a:fld>
             <a:endParaRPr lang="en-US"/>
           </a:p>
@@ -2263,7 +2263,7 @@
           <a:p>
             <a:fld id="{20483390-C10D-495D-AD08-B75BDE32C1DD}" type="datetimeFigureOut">
               <a:rPr lang="en-US" smtClean="0"/>
-              <a:t>2/28/2023</a:t>
+              <a:t>3/3/2023</a:t>
             </a:fld>
             <a:endParaRPr lang="en-US"/>
           </a:p>
@@ -2404,7 +2404,7 @@
           <a:p>
             <a:fld id="{20483390-C10D-495D-AD08-B75BDE32C1DD}" type="datetimeFigureOut">
               <a:rPr lang="en-US" smtClean="0"/>
-              <a:t>2/28/2023</a:t>
+              <a:t>3/3/2023</a:t>
             </a:fld>
             <a:endParaRPr lang="en-US"/>
           </a:p>
@@ -2517,7 +2517,7 @@
           <a:p>
             <a:fld id="{20483390-C10D-495D-AD08-B75BDE32C1DD}" type="datetimeFigureOut">
               <a:rPr lang="en-US" smtClean="0"/>
-              <a:t>2/28/2023</a:t>
+              <a:t>3/3/2023</a:t>
             </a:fld>
             <a:endParaRPr lang="en-US"/>
           </a:p>
@@ -2828,7 +2828,7 @@
           <a:p>
             <a:fld id="{20483390-C10D-495D-AD08-B75BDE32C1DD}" type="datetimeFigureOut">
               <a:rPr lang="en-US" smtClean="0"/>
-              <a:t>2/28/2023</a:t>
+              <a:t>3/3/2023</a:t>
             </a:fld>
             <a:endParaRPr lang="en-US"/>
           </a:p>
@@ -3116,7 +3116,7 @@
           <a:p>
             <a:fld id="{20483390-C10D-495D-AD08-B75BDE32C1DD}" type="datetimeFigureOut">
               <a:rPr lang="en-US" smtClean="0"/>
-              <a:t>2/28/2023</a:t>
+              <a:t>3/3/2023</a:t>
             </a:fld>
             <a:endParaRPr lang="en-US"/>
           </a:p>
@@ -3357,7 +3357,7 @@
           <a:p>
             <a:fld id="{20483390-C10D-495D-AD08-B75BDE32C1DD}" type="datetimeFigureOut">
               <a:rPr lang="en-US" smtClean="0"/>
-              <a:t>2/28/2023</a:t>
+              <a:t>3/3/2023</a:t>
             </a:fld>
             <a:endParaRPr lang="en-US"/>
           </a:p>
@@ -8666,7 +8666,7 @@
         <p:spPr>
           <a:xfrm>
             <a:off x="689758" y="1303110"/>
-            <a:ext cx="10515600" cy="4237611"/>
+            <a:ext cx="10515600" cy="4745998"/>
           </a:xfrm>
         </p:spPr>
         <p:txBody>
@@ -8684,15 +8684,15 @@
       </p:sp>
       <p:pic>
         <p:nvPicPr>
-          <p:cNvPr id="1026" name="Picture 2" descr="Monoliths versus microservices - Octopus Deploy">
-            <a:extLst>
-              <a:ext uri="{FF2B5EF4-FFF2-40B4-BE49-F238E27FC236}">
-                <a16:creationId xmlns:a16="http://schemas.microsoft.com/office/drawing/2014/main" id="{9D9D73B0-45B8-7472-6D44-16D50376861A}"/>
+          <p:cNvPr id="5" name="Picture 4">
+            <a:extLst>
+              <a:ext uri="{FF2B5EF4-FFF2-40B4-BE49-F238E27FC236}">
+                <a16:creationId xmlns:a16="http://schemas.microsoft.com/office/drawing/2014/main" id="{7BA27DEA-4BFC-B342-4288-45BB43D8B744}"/>
               </a:ext>
             </a:extLst>
           </p:cNvPr>
           <p:cNvPicPr>
-            <a:picLocks noChangeAspect="1" noChangeArrowheads="1"/>
+            <a:picLocks noChangeAspect="1"/>
           </p:cNvPicPr>
           <p:nvPr/>
         </p:nvPicPr>
@@ -8704,29 +8704,18 @@
               </a:ext>
             </a:extLst>
           </a:blip>
-          <a:srcRect/>
           <a:stretch>
             <a:fillRect/>
           </a:stretch>
         </p:blipFill>
-        <p:spPr bwMode="auto">
+        <p:spPr>
           <a:xfrm>
-            <a:off x="2268186" y="2090024"/>
-            <a:ext cx="7074993" cy="4150458"/>
+            <a:off x="2203693" y="1946074"/>
+            <a:ext cx="7256830" cy="4257340"/>
           </a:xfrm>
           <a:prstGeom prst="rect">
             <a:avLst/>
           </a:prstGeom>
-          <a:noFill/>
-          <a:extLst>
-            <a:ext uri="{909E8E84-426E-40DD-AFC4-6F175D3DCCD1}">
-              <a14:hiddenFill xmlns:a14="http://schemas.microsoft.com/office/drawing/2010/main">
-                <a:solidFill>
-                  <a:srgbClr val="FFFFFF"/>
-                </a:solidFill>
-              </a14:hiddenFill>
-            </a:ext>
-          </a:extLst>
         </p:spPr>
       </p:pic>
     </p:spTree>

--- a/Presentations/Presentation.pptx
+++ b/Presentations/Presentation.pptx
@@ -5,7 +5,7 @@
     <p:sldMasterId id="2147483648" r:id="rId1"/>
   </p:sldMasterIdLst>
   <p:notesMasterIdLst>
-    <p:notesMasterId r:id="rId15"/>
+    <p:notesMasterId r:id="rId18"/>
   </p:notesMasterIdLst>
   <p:sldIdLst>
     <p:sldId id="256" r:id="rId2"/>
@@ -19,8 +19,11 @@
     <p:sldId id="266" r:id="rId10"/>
     <p:sldId id="267" r:id="rId11"/>
     <p:sldId id="268" r:id="rId12"/>
-    <p:sldId id="263" r:id="rId13"/>
-    <p:sldId id="269" r:id="rId14"/>
+    <p:sldId id="271" r:id="rId13"/>
+    <p:sldId id="274" r:id="rId14"/>
+    <p:sldId id="275" r:id="rId15"/>
+    <p:sldId id="263" r:id="rId16"/>
+    <p:sldId id="269" r:id="rId17"/>
   </p:sldIdLst>
   <p:sldSz cx="12192000" cy="6858000"/>
   <p:notesSz cx="6858000" cy="9144000"/>
@@ -209,7 +212,7 @@
           <a:p>
             <a:fld id="{785A57EC-95D8-4454-8319-E4783E35E39E}" type="datetimeFigureOut">
               <a:rPr lang="en-US" smtClean="0"/>
-              <a:t>3/3/2023</a:t>
+              <a:t>3/10/2023</a:t>
             </a:fld>
             <a:endParaRPr lang="en-US"/>
           </a:p>
@@ -707,7 +710,7 @@
           <a:p>
             <a:fld id="{20483390-C10D-495D-AD08-B75BDE32C1DD}" type="datetimeFigureOut">
               <a:rPr lang="en-US" smtClean="0"/>
-              <a:t>3/3/2023</a:t>
+              <a:t>3/10/2023</a:t>
             </a:fld>
             <a:endParaRPr lang="en-US"/>
           </a:p>
@@ -905,7 +908,7 @@
           <a:p>
             <a:fld id="{20483390-C10D-495D-AD08-B75BDE32C1DD}" type="datetimeFigureOut">
               <a:rPr lang="en-US" smtClean="0"/>
-              <a:t>3/3/2023</a:t>
+              <a:t>3/10/2023</a:t>
             </a:fld>
             <a:endParaRPr lang="en-US"/>
           </a:p>
@@ -1113,7 +1116,7 @@
           <a:p>
             <a:fld id="{20483390-C10D-495D-AD08-B75BDE32C1DD}" type="datetimeFigureOut">
               <a:rPr lang="en-US" smtClean="0"/>
-              <a:t>3/3/2023</a:t>
+              <a:t>3/10/2023</a:t>
             </a:fld>
             <a:endParaRPr lang="en-US"/>
           </a:p>
@@ -1311,7 +1314,7 @@
           <a:p>
             <a:fld id="{20483390-C10D-495D-AD08-B75BDE32C1DD}" type="datetimeFigureOut">
               <a:rPr lang="en-US" smtClean="0"/>
-              <a:t>3/3/2023</a:t>
+              <a:t>3/10/2023</a:t>
             </a:fld>
             <a:endParaRPr lang="en-US"/>
           </a:p>
@@ -1586,7 +1589,7 @@
           <a:p>
             <a:fld id="{20483390-C10D-495D-AD08-B75BDE32C1DD}" type="datetimeFigureOut">
               <a:rPr lang="en-US" smtClean="0"/>
-              <a:t>3/3/2023</a:t>
+              <a:t>3/10/2023</a:t>
             </a:fld>
             <a:endParaRPr lang="en-US"/>
           </a:p>
@@ -1851,7 +1854,7 @@
           <a:p>
             <a:fld id="{20483390-C10D-495D-AD08-B75BDE32C1DD}" type="datetimeFigureOut">
               <a:rPr lang="en-US" smtClean="0"/>
-              <a:t>3/3/2023</a:t>
+              <a:t>3/10/2023</a:t>
             </a:fld>
             <a:endParaRPr lang="en-US"/>
           </a:p>
@@ -2263,7 +2266,7 @@
           <a:p>
             <a:fld id="{20483390-C10D-495D-AD08-B75BDE32C1DD}" type="datetimeFigureOut">
               <a:rPr lang="en-US" smtClean="0"/>
-              <a:t>3/3/2023</a:t>
+              <a:t>3/10/2023</a:t>
             </a:fld>
             <a:endParaRPr lang="en-US"/>
           </a:p>
@@ -2404,7 +2407,7 @@
           <a:p>
             <a:fld id="{20483390-C10D-495D-AD08-B75BDE32C1DD}" type="datetimeFigureOut">
               <a:rPr lang="en-US" smtClean="0"/>
-              <a:t>3/3/2023</a:t>
+              <a:t>3/10/2023</a:t>
             </a:fld>
             <a:endParaRPr lang="en-US"/>
           </a:p>
@@ -2517,7 +2520,7 @@
           <a:p>
             <a:fld id="{20483390-C10D-495D-AD08-B75BDE32C1DD}" type="datetimeFigureOut">
               <a:rPr lang="en-US" smtClean="0"/>
-              <a:t>3/3/2023</a:t>
+              <a:t>3/10/2023</a:t>
             </a:fld>
             <a:endParaRPr lang="en-US"/>
           </a:p>
@@ -2828,7 +2831,7 @@
           <a:p>
             <a:fld id="{20483390-C10D-495D-AD08-B75BDE32C1DD}" type="datetimeFigureOut">
               <a:rPr lang="en-US" smtClean="0"/>
-              <a:t>3/3/2023</a:t>
+              <a:t>3/10/2023</a:t>
             </a:fld>
             <a:endParaRPr lang="en-US"/>
           </a:p>
@@ -3116,7 +3119,7 @@
           <a:p>
             <a:fld id="{20483390-C10D-495D-AD08-B75BDE32C1DD}" type="datetimeFigureOut">
               <a:rPr lang="en-US" smtClean="0"/>
-              <a:t>3/3/2023</a:t>
+              <a:t>3/10/2023</a:t>
             </a:fld>
             <a:endParaRPr lang="en-US"/>
           </a:p>
@@ -3357,7 +3360,7 @@
           <a:p>
             <a:fld id="{20483390-C10D-495D-AD08-B75BDE32C1DD}" type="datetimeFigureOut">
               <a:rPr lang="en-US" smtClean="0"/>
-              <a:t>3/3/2023</a:t>
+              <a:t>3/10/2023</a:t>
             </a:fld>
             <a:endParaRPr lang="en-US"/>
           </a:p>
@@ -5772,9 +5775,6 @@
             </a:pPr>
             <a:r>
               <a:rPr lang="en-US" sz="2100" b="1" i="0" dirty="0">
-                <a:solidFill>
-                  <a:srgbClr val="374151"/>
-                </a:solidFill>
                 <a:effectLst/>
               </a:rPr>
               <a:t>Infrastructure required</a:t>
@@ -5783,9 +5783,6 @@
           <a:p>
             <a:r>
               <a:rPr lang="en-US" sz="2100" b="0" i="0" dirty="0">
-                <a:solidFill>
-                  <a:srgbClr val="374151"/>
-                </a:solidFill>
                 <a:effectLst/>
               </a:rPr>
               <a:t> physical or virtual machines</a:t>
@@ -5793,18 +5790,11 @@
           </a:p>
           <a:p>
             <a:r>
-              <a:rPr lang="en-US" sz="2100" dirty="0">
-                <a:solidFill>
-                  <a:srgbClr val="374151"/>
-                </a:solidFill>
-              </a:rPr>
+              <a:rPr lang="en-US" sz="2100" dirty="0"/>
               <a:t> </a:t>
             </a:r>
             <a:r>
               <a:rPr lang="en-US" sz="2100" b="0" i="0" dirty="0">
-                <a:solidFill>
-                  <a:srgbClr val="374151"/>
-                </a:solidFill>
                 <a:effectLst/>
               </a:rPr>
               <a:t>storage systems</a:t>
@@ -5813,9 +5803,6 @@
           <a:p>
             <a:r>
               <a:rPr lang="en-US" sz="2100" b="0" i="0" dirty="0">
-                <a:solidFill>
-                  <a:srgbClr val="374151"/>
-                </a:solidFill>
                 <a:effectLst/>
               </a:rPr>
               <a:t> networking components</a:t>
@@ -5860,39 +5847,15 @@
           <a:p>
             <a:r>
               <a:rPr lang="en-US" sz="2100" b="0" i="1" dirty="0">
-                <a:solidFill>
-                  <a:srgbClr val="202124"/>
-                </a:solidFill>
                 <a:effectLst/>
               </a:rPr>
               <a:t>VPC networks </a:t>
             </a:r>
             <a:r>
               <a:rPr lang="en-US" sz="2100" b="0" i="0" dirty="0">
-                <a:solidFill>
-                  <a:srgbClr val="202124"/>
-                </a:solidFill>
                 <a:effectLst/>
               </a:rPr>
-              <a:t>– </a:t>
-            </a:r>
-            <a:r>
-              <a:rPr lang="en-US" sz="2100" b="0" i="0" dirty="0" err="1">
-                <a:solidFill>
-                  <a:srgbClr val="202124"/>
-                </a:solidFill>
-                <a:effectLst/>
-              </a:rPr>
-              <a:t>Virutal</a:t>
-            </a:r>
-            <a:r>
-              <a:rPr lang="en-US" sz="2100" b="0" i="0" dirty="0">
-                <a:solidFill>
-                  <a:srgbClr val="202124"/>
-                </a:solidFill>
-                <a:effectLst/>
-              </a:rPr>
-              <a:t> Private Cloud Network</a:t>
+              <a:t>– Virtual Private Cloud Network</a:t>
             </a:r>
           </a:p>
           <a:p>
@@ -5951,6 +5914,548 @@
           <p:cNvPr id="2" name="Title 1">
             <a:extLst>
               <a:ext uri="{FF2B5EF4-FFF2-40B4-BE49-F238E27FC236}">
+                <a16:creationId xmlns:a16="http://schemas.microsoft.com/office/drawing/2014/main" id="{F7228938-C625-582D-77CE-6CAD31A51099}"/>
+              </a:ext>
+            </a:extLst>
+          </p:cNvPr>
+          <p:cNvSpPr>
+            <a:spLocks noGrp="1"/>
+          </p:cNvSpPr>
+          <p:nvPr>
+            <p:ph type="title"/>
+          </p:nvPr>
+        </p:nvSpPr>
+        <p:spPr>
+          <a:xfrm>
+            <a:off x="256309" y="0"/>
+            <a:ext cx="10515600" cy="1325563"/>
+          </a:xfrm>
+        </p:spPr>
+        <p:txBody>
+          <a:bodyPr/>
+          <a:lstStyle/>
+          <a:p>
+            <a:r>
+              <a:rPr lang="en-US" dirty="0"/>
+              <a:t>System Architecture</a:t>
+            </a:r>
+          </a:p>
+        </p:txBody>
+      </p:sp>
+      <p:pic>
+        <p:nvPicPr>
+          <p:cNvPr id="5" name="Content Placeholder 4">
+            <a:extLst>
+              <a:ext uri="{FF2B5EF4-FFF2-40B4-BE49-F238E27FC236}">
+                <a16:creationId xmlns:a16="http://schemas.microsoft.com/office/drawing/2014/main" id="{BB3B72B4-FC6F-098A-879F-68DFA6DE151C}"/>
+              </a:ext>
+            </a:extLst>
+          </p:cNvPr>
+          <p:cNvPicPr>
+            <a:picLocks noGrp="1" noChangeAspect="1"/>
+          </p:cNvPicPr>
+          <p:nvPr>
+            <p:ph idx="1"/>
+          </p:nvPr>
+        </p:nvPicPr>
+        <p:blipFill>
+          <a:blip r:embed="rId2">
+            <a:extLst>
+              <a:ext uri="{28A0092B-C50C-407E-A947-70E740481C1C}">
+                <a14:useLocalDpi xmlns:a14="http://schemas.microsoft.com/office/drawing/2010/main" val="0"/>
+              </a:ext>
+            </a:extLst>
+          </a:blip>
+          <a:stretch>
+            <a:fillRect/>
+          </a:stretch>
+        </p:blipFill>
+        <p:spPr>
+          <a:xfrm>
+            <a:off x="2413226" y="2058823"/>
+            <a:ext cx="6581775" cy="3676650"/>
+          </a:xfrm>
+        </p:spPr>
+      </p:pic>
+      <p:sp>
+        <p:nvSpPr>
+          <p:cNvPr id="6" name="Title 1">
+            <a:extLst>
+              <a:ext uri="{FF2B5EF4-FFF2-40B4-BE49-F238E27FC236}">
+                <a16:creationId xmlns:a16="http://schemas.microsoft.com/office/drawing/2014/main" id="{7ABD82CD-B8BA-12BC-0168-D382916EB200}"/>
+              </a:ext>
+            </a:extLst>
+          </p:cNvPr>
+          <p:cNvSpPr txBox="1">
+            <a:spLocks/>
+          </p:cNvSpPr>
+          <p:nvPr/>
+        </p:nvSpPr>
+        <p:spPr>
+          <a:xfrm>
+            <a:off x="612568" y="1325563"/>
+            <a:ext cx="5556663" cy="446098"/>
+          </a:xfrm>
+          <a:prstGeom prst="rect">
+            <a:avLst/>
+          </a:prstGeom>
+        </p:spPr>
+        <p:txBody>
+          <a:bodyPr vert="horz" lIns="91440" tIns="45720" rIns="91440" bIns="45720" rtlCol="0" anchor="ctr">
+            <a:noAutofit/>
+          </a:bodyPr>
+          <a:lstStyle>
+            <a:lvl1pPr algn="l" defTabSz="914400" rtl="0" eaLnBrk="1" latinLnBrk="0" hangingPunct="1">
+              <a:lnSpc>
+                <a:spcPct val="90000"/>
+              </a:lnSpc>
+              <a:spcBef>
+                <a:spcPct val="0"/>
+              </a:spcBef>
+              <a:buNone/>
+              <a:defRPr sz="4400" kern="1200">
+                <a:solidFill>
+                  <a:schemeClr val="tx1"/>
+                </a:solidFill>
+                <a:latin typeface="+mj-lt"/>
+                <a:ea typeface="+mj-ea"/>
+                <a:cs typeface="+mj-cs"/>
+              </a:defRPr>
+            </a:lvl1pPr>
+          </a:lstStyle>
+          <a:p>
+            <a:pPr marL="285750" indent="-285750">
+              <a:buFont typeface="Arial" panose="020B0604020202020204" pitchFamily="34" charset="0"/>
+              <a:buChar char="•"/>
+            </a:pPr>
+            <a:r>
+              <a:rPr lang="en-US" sz="1800" dirty="0">
+                <a:latin typeface="+mn-lt"/>
+              </a:rPr>
+              <a:t>Book Store Application – Microservice architecture</a:t>
+            </a:r>
+          </a:p>
+        </p:txBody>
+      </p:sp>
+    </p:spTree>
+    <p:extLst>
+      <p:ext uri="{BB962C8B-B14F-4D97-AF65-F5344CB8AC3E}">
+        <p14:creationId xmlns:p14="http://schemas.microsoft.com/office/powerpoint/2010/main" val="734181530"/>
+      </p:ext>
+    </p:extLst>
+  </p:cSld>
+  <p:clrMapOvr>
+    <a:masterClrMapping/>
+  </p:clrMapOvr>
+</p:sld>
+</file>
+
+<file path=ppt/slides/slide13.xml><?xml version="1.0" encoding="utf-8"?>
+<p:sld xmlns:a="http://schemas.openxmlformats.org/drawingml/2006/main" xmlns:r="http://schemas.openxmlformats.org/officeDocument/2006/relationships" xmlns:p="http://schemas.openxmlformats.org/presentationml/2006/main">
+  <p:cSld>
+    <p:spTree>
+      <p:nvGrpSpPr>
+        <p:cNvPr id="1" name=""/>
+        <p:cNvGrpSpPr/>
+        <p:nvPr/>
+      </p:nvGrpSpPr>
+      <p:grpSpPr>
+        <a:xfrm>
+          <a:off x="0" y="0"/>
+          <a:ext cx="0" cy="0"/>
+          <a:chOff x="0" y="0"/>
+          <a:chExt cx="0" cy="0"/>
+        </a:xfrm>
+      </p:grpSpPr>
+      <p:pic>
+        <p:nvPicPr>
+          <p:cNvPr id="3074" name="Picture 2">
+            <a:extLst>
+              <a:ext uri="{FF2B5EF4-FFF2-40B4-BE49-F238E27FC236}">
+                <a16:creationId xmlns:a16="http://schemas.microsoft.com/office/drawing/2014/main" id="{A606096A-346D-B102-8123-2F3ECF2EC8C5}"/>
+              </a:ext>
+            </a:extLst>
+          </p:cNvPr>
+          <p:cNvPicPr>
+            <a:picLocks noGrp="1" noChangeAspect="1" noChangeArrowheads="1"/>
+          </p:cNvPicPr>
+          <p:nvPr>
+            <p:ph idx="1"/>
+          </p:nvPr>
+        </p:nvPicPr>
+        <p:blipFill>
+          <a:blip r:embed="rId2">
+            <a:extLst>
+              <a:ext uri="{28A0092B-C50C-407E-A947-70E740481C1C}">
+                <a14:useLocalDpi xmlns:a14="http://schemas.microsoft.com/office/drawing/2010/main" val="0"/>
+              </a:ext>
+            </a:extLst>
+          </a:blip>
+          <a:srcRect/>
+          <a:stretch>
+            <a:fillRect/>
+          </a:stretch>
+        </p:blipFill>
+        <p:spPr bwMode="auto">
+          <a:xfrm>
+            <a:off x="1971305" y="1782417"/>
+            <a:ext cx="8004860" cy="4537051"/>
+          </a:xfrm>
+          <a:prstGeom prst="rect">
+            <a:avLst/>
+          </a:prstGeom>
+          <a:noFill/>
+          <a:extLst>
+            <a:ext uri="{909E8E84-426E-40DD-AFC4-6F175D3DCCD1}">
+              <a14:hiddenFill xmlns:a14="http://schemas.microsoft.com/office/drawing/2010/main">
+                <a:solidFill>
+                  <a:srgbClr val="FFFFFF"/>
+                </a:solidFill>
+              </a14:hiddenFill>
+            </a:ext>
+          </a:extLst>
+        </p:spPr>
+      </p:pic>
+      <p:sp>
+        <p:nvSpPr>
+          <p:cNvPr id="6" name="Title 1">
+            <a:extLst>
+              <a:ext uri="{FF2B5EF4-FFF2-40B4-BE49-F238E27FC236}">
+                <a16:creationId xmlns:a16="http://schemas.microsoft.com/office/drawing/2014/main" id="{F2406C7A-2018-DC50-4A5A-9A9FE4242A0A}"/>
+              </a:ext>
+            </a:extLst>
+          </p:cNvPr>
+          <p:cNvSpPr txBox="1">
+            <a:spLocks/>
+          </p:cNvSpPr>
+          <p:nvPr/>
+        </p:nvSpPr>
+        <p:spPr>
+          <a:xfrm>
+            <a:off x="260267" y="-136125"/>
+            <a:ext cx="10515600" cy="1325563"/>
+          </a:xfrm>
+          <a:prstGeom prst="rect">
+            <a:avLst/>
+          </a:prstGeom>
+        </p:spPr>
+        <p:txBody>
+          <a:bodyPr vert="horz" lIns="91440" tIns="45720" rIns="91440" bIns="45720" rtlCol="0" anchor="ctr">
+            <a:normAutofit/>
+          </a:bodyPr>
+          <a:lstStyle>
+            <a:lvl1pPr algn="l" defTabSz="914400" rtl="0" eaLnBrk="1" latinLnBrk="0" hangingPunct="1">
+              <a:lnSpc>
+                <a:spcPct val="90000"/>
+              </a:lnSpc>
+              <a:spcBef>
+                <a:spcPct val="0"/>
+              </a:spcBef>
+              <a:buNone/>
+              <a:defRPr sz="4400" kern="1200">
+                <a:solidFill>
+                  <a:schemeClr val="tx1"/>
+                </a:solidFill>
+                <a:latin typeface="+mj-lt"/>
+                <a:ea typeface="+mj-ea"/>
+                <a:cs typeface="+mj-cs"/>
+              </a:defRPr>
+            </a:lvl1pPr>
+          </a:lstStyle>
+          <a:p>
+            <a:r>
+              <a:rPr lang="en-US" dirty="0"/>
+              <a:t>System Architecture</a:t>
+            </a:r>
+          </a:p>
+        </p:txBody>
+      </p:sp>
+      <p:sp>
+        <p:nvSpPr>
+          <p:cNvPr id="7" name="Title 1">
+            <a:extLst>
+              <a:ext uri="{FF2B5EF4-FFF2-40B4-BE49-F238E27FC236}">
+                <a16:creationId xmlns:a16="http://schemas.microsoft.com/office/drawing/2014/main" id="{04F4373E-F18E-9561-9600-F4708EB4A391}"/>
+              </a:ext>
+            </a:extLst>
+          </p:cNvPr>
+          <p:cNvSpPr txBox="1">
+            <a:spLocks/>
+          </p:cNvSpPr>
+          <p:nvPr/>
+        </p:nvSpPr>
+        <p:spPr>
+          <a:xfrm>
+            <a:off x="636319" y="1111807"/>
+            <a:ext cx="7088580" cy="446098"/>
+          </a:xfrm>
+          <a:prstGeom prst="rect">
+            <a:avLst/>
+          </a:prstGeom>
+        </p:spPr>
+        <p:txBody>
+          <a:bodyPr vert="horz" lIns="91440" tIns="45720" rIns="91440" bIns="45720" rtlCol="0" anchor="ctr">
+            <a:noAutofit/>
+          </a:bodyPr>
+          <a:lstStyle>
+            <a:lvl1pPr algn="l" defTabSz="914400" rtl="0" eaLnBrk="1" latinLnBrk="0" hangingPunct="1">
+              <a:lnSpc>
+                <a:spcPct val="90000"/>
+              </a:lnSpc>
+              <a:spcBef>
+                <a:spcPct val="0"/>
+              </a:spcBef>
+              <a:buNone/>
+              <a:defRPr sz="4400" kern="1200">
+                <a:solidFill>
+                  <a:schemeClr val="tx1"/>
+                </a:solidFill>
+                <a:latin typeface="+mj-lt"/>
+                <a:ea typeface="+mj-ea"/>
+                <a:cs typeface="+mj-cs"/>
+              </a:defRPr>
+            </a:lvl1pPr>
+          </a:lstStyle>
+          <a:p>
+            <a:pPr marL="285750" indent="-285750">
+              <a:buFont typeface="Arial" panose="020B0604020202020204" pitchFamily="34" charset="0"/>
+              <a:buChar char="•"/>
+            </a:pPr>
+            <a:r>
+              <a:rPr lang="en-US" sz="1800" dirty="0">
+                <a:latin typeface="+mn-lt"/>
+              </a:rPr>
+              <a:t>Book Store Application – Docker architecture (on single host)</a:t>
+            </a:r>
+          </a:p>
+        </p:txBody>
+      </p:sp>
+    </p:spTree>
+    <p:extLst>
+      <p:ext uri="{BB962C8B-B14F-4D97-AF65-F5344CB8AC3E}">
+        <p14:creationId xmlns:p14="http://schemas.microsoft.com/office/powerpoint/2010/main" val="2130588017"/>
+      </p:ext>
+    </p:extLst>
+  </p:cSld>
+  <p:clrMapOvr>
+    <a:masterClrMapping/>
+  </p:clrMapOvr>
+</p:sld>
+</file>
+
+<file path=ppt/slides/slide14.xml><?xml version="1.0" encoding="utf-8"?>
+<p:sld xmlns:a="http://schemas.openxmlformats.org/drawingml/2006/main" xmlns:r="http://schemas.openxmlformats.org/officeDocument/2006/relationships" xmlns:p="http://schemas.openxmlformats.org/presentationml/2006/main">
+  <p:cSld>
+    <p:spTree>
+      <p:nvGrpSpPr>
+        <p:cNvPr id="1" name=""/>
+        <p:cNvGrpSpPr/>
+        <p:nvPr/>
+      </p:nvGrpSpPr>
+      <p:grpSpPr>
+        <a:xfrm>
+          <a:off x="0" y="0"/>
+          <a:ext cx="0" cy="0"/>
+          <a:chOff x="0" y="0"/>
+          <a:chExt cx="0" cy="0"/>
+        </a:xfrm>
+      </p:grpSpPr>
+      <p:pic>
+        <p:nvPicPr>
+          <p:cNvPr id="6148" name="Picture 4">
+            <a:extLst>
+              <a:ext uri="{FF2B5EF4-FFF2-40B4-BE49-F238E27FC236}">
+                <a16:creationId xmlns:a16="http://schemas.microsoft.com/office/drawing/2014/main" id="{4E7C5564-CCF4-4226-01BE-64550F7B2A92}"/>
+              </a:ext>
+            </a:extLst>
+          </p:cNvPr>
+          <p:cNvPicPr>
+            <a:picLocks noChangeAspect="1" noChangeArrowheads="1"/>
+          </p:cNvPicPr>
+          <p:nvPr/>
+        </p:nvPicPr>
+        <p:blipFill>
+          <a:blip r:embed="rId2">
+            <a:extLst>
+              <a:ext uri="{28A0092B-C50C-407E-A947-70E740481C1C}">
+                <a14:useLocalDpi xmlns:a14="http://schemas.microsoft.com/office/drawing/2010/main" val="0"/>
+              </a:ext>
+            </a:extLst>
+          </a:blip>
+          <a:srcRect/>
+          <a:stretch>
+            <a:fillRect/>
+          </a:stretch>
+        </p:blipFill>
+        <p:spPr bwMode="auto">
+          <a:xfrm>
+            <a:off x="975385" y="876377"/>
+            <a:ext cx="9700533" cy="6028320"/>
+          </a:xfrm>
+          <a:prstGeom prst="rect">
+            <a:avLst/>
+          </a:prstGeom>
+          <a:noFill/>
+          <a:extLst>
+            <a:ext uri="{909E8E84-426E-40DD-AFC4-6F175D3DCCD1}">
+              <a14:hiddenFill xmlns:a14="http://schemas.microsoft.com/office/drawing/2010/main">
+                <a:solidFill>
+                  <a:srgbClr val="FFFFFF"/>
+                </a:solidFill>
+              </a14:hiddenFill>
+            </a:ext>
+          </a:extLst>
+        </p:spPr>
+      </p:pic>
+      <p:sp>
+        <p:nvSpPr>
+          <p:cNvPr id="4" name="Title 1">
+            <a:extLst>
+              <a:ext uri="{FF2B5EF4-FFF2-40B4-BE49-F238E27FC236}">
+                <a16:creationId xmlns:a16="http://schemas.microsoft.com/office/drawing/2014/main" id="{F46ABFF4-FC0E-BEF1-79D8-02ABBE44A626}"/>
+              </a:ext>
+            </a:extLst>
+          </p:cNvPr>
+          <p:cNvSpPr txBox="1">
+            <a:spLocks/>
+          </p:cNvSpPr>
+          <p:nvPr/>
+        </p:nvSpPr>
+        <p:spPr>
+          <a:xfrm>
+            <a:off x="260267" y="-136125"/>
+            <a:ext cx="10515600" cy="1325563"/>
+          </a:xfrm>
+          <a:prstGeom prst="rect">
+            <a:avLst/>
+          </a:prstGeom>
+        </p:spPr>
+        <p:txBody>
+          <a:bodyPr vert="horz" lIns="91440" tIns="45720" rIns="91440" bIns="45720" rtlCol="0" anchor="ctr">
+            <a:normAutofit/>
+          </a:bodyPr>
+          <a:lstStyle>
+            <a:lvl1pPr algn="l" defTabSz="914400" rtl="0" eaLnBrk="1" latinLnBrk="0" hangingPunct="1">
+              <a:lnSpc>
+                <a:spcPct val="90000"/>
+              </a:lnSpc>
+              <a:spcBef>
+                <a:spcPct val="0"/>
+              </a:spcBef>
+              <a:buNone/>
+              <a:defRPr sz="4400" kern="1200">
+                <a:solidFill>
+                  <a:schemeClr val="tx1"/>
+                </a:solidFill>
+                <a:latin typeface="+mj-lt"/>
+                <a:ea typeface="+mj-ea"/>
+                <a:cs typeface="+mj-cs"/>
+              </a:defRPr>
+            </a:lvl1pPr>
+          </a:lstStyle>
+          <a:p>
+            <a:r>
+              <a:rPr lang="en-US" dirty="0"/>
+              <a:t>System Architecture</a:t>
+            </a:r>
+          </a:p>
+        </p:txBody>
+      </p:sp>
+      <p:sp>
+        <p:nvSpPr>
+          <p:cNvPr id="5" name="Title 1">
+            <a:extLst>
+              <a:ext uri="{FF2B5EF4-FFF2-40B4-BE49-F238E27FC236}">
+                <a16:creationId xmlns:a16="http://schemas.microsoft.com/office/drawing/2014/main" id="{E3E1F04C-FCCA-85EB-3809-1C8A6C033B62}"/>
+              </a:ext>
+            </a:extLst>
+          </p:cNvPr>
+          <p:cNvSpPr txBox="1">
+            <a:spLocks/>
+          </p:cNvSpPr>
+          <p:nvPr/>
+        </p:nvSpPr>
+        <p:spPr>
+          <a:xfrm>
+            <a:off x="677882" y="966389"/>
+            <a:ext cx="7088580" cy="446098"/>
+          </a:xfrm>
+          <a:prstGeom prst="rect">
+            <a:avLst/>
+          </a:prstGeom>
+        </p:spPr>
+        <p:txBody>
+          <a:bodyPr vert="horz" lIns="91440" tIns="45720" rIns="91440" bIns="45720" rtlCol="0" anchor="ctr">
+            <a:noAutofit/>
+          </a:bodyPr>
+          <a:lstStyle>
+            <a:lvl1pPr algn="l" defTabSz="914400" rtl="0" eaLnBrk="1" latinLnBrk="0" hangingPunct="1">
+              <a:lnSpc>
+                <a:spcPct val="90000"/>
+              </a:lnSpc>
+              <a:spcBef>
+                <a:spcPct val="0"/>
+              </a:spcBef>
+              <a:buNone/>
+              <a:defRPr sz="4400" kern="1200">
+                <a:solidFill>
+                  <a:schemeClr val="tx1"/>
+                </a:solidFill>
+                <a:latin typeface="+mj-lt"/>
+                <a:ea typeface="+mj-ea"/>
+                <a:cs typeface="+mj-cs"/>
+              </a:defRPr>
+            </a:lvl1pPr>
+          </a:lstStyle>
+          <a:p>
+            <a:pPr marL="285750" indent="-285750">
+              <a:buFont typeface="Arial" panose="020B0604020202020204" pitchFamily="34" charset="0"/>
+              <a:buChar char="•"/>
+            </a:pPr>
+            <a:r>
+              <a:rPr lang="en-US" sz="1800" dirty="0">
+                <a:latin typeface="+mn-lt"/>
+              </a:rPr>
+              <a:t>Book Store Application – Kubernetes architecture</a:t>
+            </a:r>
+          </a:p>
+        </p:txBody>
+      </p:sp>
+    </p:spTree>
+    <p:extLst>
+      <p:ext uri="{BB962C8B-B14F-4D97-AF65-F5344CB8AC3E}">
+        <p14:creationId xmlns:p14="http://schemas.microsoft.com/office/powerpoint/2010/main" val="3947143893"/>
+      </p:ext>
+    </p:extLst>
+  </p:cSld>
+  <p:clrMapOvr>
+    <a:masterClrMapping/>
+  </p:clrMapOvr>
+</p:sld>
+</file>
+
+<file path=ppt/slides/slide15.xml><?xml version="1.0" encoding="utf-8"?>
+<p:sld xmlns:a="http://schemas.openxmlformats.org/drawingml/2006/main" xmlns:r="http://schemas.openxmlformats.org/officeDocument/2006/relationships" xmlns:p="http://schemas.openxmlformats.org/presentationml/2006/main">
+  <p:cSld>
+    <p:spTree>
+      <p:nvGrpSpPr>
+        <p:cNvPr id="1" name=""/>
+        <p:cNvGrpSpPr/>
+        <p:nvPr/>
+      </p:nvGrpSpPr>
+      <p:grpSpPr>
+        <a:xfrm>
+          <a:off x="0" y="0"/>
+          <a:ext cx="0" cy="0"/>
+          <a:chOff x="0" y="0"/>
+          <a:chExt cx="0" cy="0"/>
+        </a:xfrm>
+      </p:grpSpPr>
+      <p:sp>
+        <p:nvSpPr>
+          <p:cNvPr id="2" name="Title 1">
+            <a:extLst>
+              <a:ext uri="{FF2B5EF4-FFF2-40B4-BE49-F238E27FC236}">
                 <a16:creationId xmlns:a16="http://schemas.microsoft.com/office/drawing/2014/main" id="{EA414ED9-A54E-6825-8CB9-D7FD6CABD4F5}"/>
               </a:ext>
             </a:extLst>
@@ -6522,7 +7027,7 @@
 </p:sld>
 </file>
 
-<file path=ppt/slides/slide13.xml><?xml version="1.0" encoding="utf-8"?>
+<file path=ppt/slides/slide16.xml><?xml version="1.0" encoding="utf-8"?>
 <p:sld xmlns:a="http://schemas.openxmlformats.org/drawingml/2006/main" xmlns:r="http://schemas.openxmlformats.org/officeDocument/2006/relationships" xmlns:p="http://schemas.openxmlformats.org/presentationml/2006/main">
   <p:cSld>
     <p:spTree>

--- a/Presentations/Presentation.pptx
+++ b/Presentations/Presentation.pptx
@@ -5,7 +5,7 @@
     <p:sldMasterId id="2147483648" r:id="rId1"/>
   </p:sldMasterIdLst>
   <p:notesMasterIdLst>
-    <p:notesMasterId r:id="rId18"/>
+    <p:notesMasterId r:id="rId19"/>
   </p:notesMasterIdLst>
   <p:sldIdLst>
     <p:sldId id="256" r:id="rId2"/>
@@ -22,8 +22,9 @@
     <p:sldId id="271" r:id="rId13"/>
     <p:sldId id="274" r:id="rId14"/>
     <p:sldId id="275" r:id="rId15"/>
-    <p:sldId id="263" r:id="rId16"/>
-    <p:sldId id="269" r:id="rId17"/>
+    <p:sldId id="276" r:id="rId16"/>
+    <p:sldId id="263" r:id="rId17"/>
+    <p:sldId id="269" r:id="rId18"/>
   </p:sldIdLst>
   <p:sldSz cx="12192000" cy="6858000"/>
   <p:notesSz cx="6858000" cy="9144000"/>
@@ -212,7 +213,7 @@
           <a:p>
             <a:fld id="{785A57EC-95D8-4454-8319-E4783E35E39E}" type="datetimeFigureOut">
               <a:rPr lang="en-US" smtClean="0"/>
-              <a:t>3/10/2023</a:t>
+              <a:t>3/14/2023</a:t>
             </a:fld>
             <a:endParaRPr lang="en-US"/>
           </a:p>
@@ -710,7 +711,7 @@
           <a:p>
             <a:fld id="{20483390-C10D-495D-AD08-B75BDE32C1DD}" type="datetimeFigureOut">
               <a:rPr lang="en-US" smtClean="0"/>
-              <a:t>3/10/2023</a:t>
+              <a:t>3/14/2023</a:t>
             </a:fld>
             <a:endParaRPr lang="en-US"/>
           </a:p>
@@ -908,7 +909,7 @@
           <a:p>
             <a:fld id="{20483390-C10D-495D-AD08-B75BDE32C1DD}" type="datetimeFigureOut">
               <a:rPr lang="en-US" smtClean="0"/>
-              <a:t>3/10/2023</a:t>
+              <a:t>3/14/2023</a:t>
             </a:fld>
             <a:endParaRPr lang="en-US"/>
           </a:p>
@@ -1116,7 +1117,7 @@
           <a:p>
             <a:fld id="{20483390-C10D-495D-AD08-B75BDE32C1DD}" type="datetimeFigureOut">
               <a:rPr lang="en-US" smtClean="0"/>
-              <a:t>3/10/2023</a:t>
+              <a:t>3/14/2023</a:t>
             </a:fld>
             <a:endParaRPr lang="en-US"/>
           </a:p>
@@ -1314,7 +1315,7 @@
           <a:p>
             <a:fld id="{20483390-C10D-495D-AD08-B75BDE32C1DD}" type="datetimeFigureOut">
               <a:rPr lang="en-US" smtClean="0"/>
-              <a:t>3/10/2023</a:t>
+              <a:t>3/14/2023</a:t>
             </a:fld>
             <a:endParaRPr lang="en-US"/>
           </a:p>
@@ -1589,7 +1590,7 @@
           <a:p>
             <a:fld id="{20483390-C10D-495D-AD08-B75BDE32C1DD}" type="datetimeFigureOut">
               <a:rPr lang="en-US" smtClean="0"/>
-              <a:t>3/10/2023</a:t>
+              <a:t>3/14/2023</a:t>
             </a:fld>
             <a:endParaRPr lang="en-US"/>
           </a:p>
@@ -1854,7 +1855,7 @@
           <a:p>
             <a:fld id="{20483390-C10D-495D-AD08-B75BDE32C1DD}" type="datetimeFigureOut">
               <a:rPr lang="en-US" smtClean="0"/>
-              <a:t>3/10/2023</a:t>
+              <a:t>3/14/2023</a:t>
             </a:fld>
             <a:endParaRPr lang="en-US"/>
           </a:p>
@@ -2266,7 +2267,7 @@
           <a:p>
             <a:fld id="{20483390-C10D-495D-AD08-B75BDE32C1DD}" type="datetimeFigureOut">
               <a:rPr lang="en-US" smtClean="0"/>
-              <a:t>3/10/2023</a:t>
+              <a:t>3/14/2023</a:t>
             </a:fld>
             <a:endParaRPr lang="en-US"/>
           </a:p>
@@ -2407,7 +2408,7 @@
           <a:p>
             <a:fld id="{20483390-C10D-495D-AD08-B75BDE32C1DD}" type="datetimeFigureOut">
               <a:rPr lang="en-US" smtClean="0"/>
-              <a:t>3/10/2023</a:t>
+              <a:t>3/14/2023</a:t>
             </a:fld>
             <a:endParaRPr lang="en-US"/>
           </a:p>
@@ -2520,7 +2521,7 @@
           <a:p>
             <a:fld id="{20483390-C10D-495D-AD08-B75BDE32C1DD}" type="datetimeFigureOut">
               <a:rPr lang="en-US" smtClean="0"/>
-              <a:t>3/10/2023</a:t>
+              <a:t>3/14/2023</a:t>
             </a:fld>
             <a:endParaRPr lang="en-US"/>
           </a:p>
@@ -2831,7 +2832,7 @@
           <a:p>
             <a:fld id="{20483390-C10D-495D-AD08-B75BDE32C1DD}" type="datetimeFigureOut">
               <a:rPr lang="en-US" smtClean="0"/>
-              <a:t>3/10/2023</a:t>
+              <a:t>3/14/2023</a:t>
             </a:fld>
             <a:endParaRPr lang="en-US"/>
           </a:p>
@@ -3119,7 +3120,7 @@
           <a:p>
             <a:fld id="{20483390-C10D-495D-AD08-B75BDE32C1DD}" type="datetimeFigureOut">
               <a:rPr lang="en-US" smtClean="0"/>
-              <a:t>3/10/2023</a:t>
+              <a:t>3/14/2023</a:t>
             </a:fld>
             <a:endParaRPr lang="en-US"/>
           </a:p>
@@ -3360,7 +3361,7 @@
           <a:p>
             <a:fld id="{20483390-C10D-495D-AD08-B75BDE32C1DD}" type="datetimeFigureOut">
               <a:rPr lang="en-US" smtClean="0"/>
-              <a:t>3/10/2023</a:t>
+              <a:t>3/14/2023</a:t>
             </a:fld>
             <a:endParaRPr lang="en-US"/>
           </a:p>
@@ -6456,6 +6457,178 @@
           <p:cNvPr id="2" name="Title 1">
             <a:extLst>
               <a:ext uri="{FF2B5EF4-FFF2-40B4-BE49-F238E27FC236}">
+                <a16:creationId xmlns:a16="http://schemas.microsoft.com/office/drawing/2014/main" id="{14E9E01B-61EB-D55D-D0C9-A985B914AB04}"/>
+              </a:ext>
+            </a:extLst>
+          </p:cNvPr>
+          <p:cNvSpPr>
+            <a:spLocks noGrp="1"/>
+          </p:cNvSpPr>
+          <p:nvPr>
+            <p:ph type="title"/>
+          </p:nvPr>
+        </p:nvSpPr>
+        <p:spPr>
+          <a:xfrm>
+            <a:off x="618507" y="0"/>
+            <a:ext cx="10515600" cy="1325563"/>
+          </a:xfrm>
+        </p:spPr>
+        <p:txBody>
+          <a:bodyPr/>
+          <a:lstStyle/>
+          <a:p>
+            <a:r>
+              <a:rPr lang="en-US" dirty="0"/>
+              <a:t>Milestones</a:t>
+            </a:r>
+          </a:p>
+        </p:txBody>
+      </p:sp>
+      <p:sp>
+        <p:nvSpPr>
+          <p:cNvPr id="7" name="TextBox 6">
+            <a:extLst>
+              <a:ext uri="{FF2B5EF4-FFF2-40B4-BE49-F238E27FC236}">
+                <a16:creationId xmlns:a16="http://schemas.microsoft.com/office/drawing/2014/main" id="{9AABA35B-E65D-33B8-AC4F-7F60CBF8C1CF}"/>
+              </a:ext>
+            </a:extLst>
+          </p:cNvPr>
+          <p:cNvSpPr txBox="1"/>
+          <p:nvPr/>
+        </p:nvSpPr>
+        <p:spPr>
+          <a:xfrm>
+            <a:off x="666502" y="1325563"/>
+            <a:ext cx="10579430" cy="1785104"/>
+          </a:xfrm>
+          <a:prstGeom prst="rect">
+            <a:avLst/>
+          </a:prstGeom>
+          <a:noFill/>
+        </p:spPr>
+        <p:txBody>
+          <a:bodyPr wrap="square">
+            <a:spAutoFit/>
+          </a:bodyPr>
+          <a:lstStyle/>
+          <a:p>
+            <a:pPr marL="285750" indent="-285750">
+              <a:spcBef>
+                <a:spcPts val="600"/>
+              </a:spcBef>
+              <a:spcAft>
+                <a:spcPts val="600"/>
+              </a:spcAft>
+              <a:buFont typeface="Arial" panose="020B0604020202020204" pitchFamily="34" charset="0"/>
+              <a:buChar char="•"/>
+            </a:pPr>
+            <a:r>
+              <a:rPr lang="en-US" sz="2000" b="1" dirty="0"/>
+              <a:t>Milestone 1</a:t>
+            </a:r>
+            <a:r>
+              <a:rPr lang="en-US" sz="2000" dirty="0"/>
+              <a:t> : Development of polyglot microservices and containerizing then with Docker</a:t>
+            </a:r>
+          </a:p>
+          <a:p>
+            <a:pPr marL="285750" indent="-285750">
+              <a:spcBef>
+                <a:spcPts val="600"/>
+              </a:spcBef>
+              <a:spcAft>
+                <a:spcPts val="600"/>
+              </a:spcAft>
+              <a:buFont typeface="Arial" panose="020B0604020202020204" pitchFamily="34" charset="0"/>
+              <a:buChar char="•"/>
+            </a:pPr>
+            <a:r>
+              <a:rPr lang="en-US" sz="2000" b="1" dirty="0"/>
+              <a:t>Milestone 2</a:t>
+            </a:r>
+            <a:r>
+              <a:rPr lang="en-US" sz="2000" dirty="0"/>
+              <a:t> : Setting up Kubernetes on cloud</a:t>
+            </a:r>
+          </a:p>
+          <a:p>
+            <a:pPr marL="285750" indent="-285750">
+              <a:spcBef>
+                <a:spcPts val="600"/>
+              </a:spcBef>
+              <a:spcAft>
+                <a:spcPts val="600"/>
+              </a:spcAft>
+              <a:buFont typeface="Arial" panose="020B0604020202020204" pitchFamily="34" charset="0"/>
+              <a:buChar char="•"/>
+            </a:pPr>
+            <a:r>
+              <a:rPr lang="en-US" sz="2000" b="1" dirty="0"/>
+              <a:t>Milestone 3 </a:t>
+            </a:r>
+            <a:r>
+              <a:rPr lang="en-US" sz="2000" dirty="0"/>
+              <a:t>: Deployment, autoscaling and load balancing of microservices on K8s</a:t>
+            </a:r>
+          </a:p>
+          <a:p>
+            <a:pPr marL="285750" indent="-285750">
+              <a:spcBef>
+                <a:spcPts val="600"/>
+              </a:spcBef>
+              <a:spcAft>
+                <a:spcPts val="600"/>
+              </a:spcAft>
+              <a:buFont typeface="Arial" panose="020B0604020202020204" pitchFamily="34" charset="0"/>
+              <a:buChar char="•"/>
+            </a:pPr>
+            <a:r>
+              <a:rPr lang="en-US" sz="2000" b="1" dirty="0"/>
+              <a:t>Milestone 4 </a:t>
+            </a:r>
+            <a:r>
+              <a:rPr lang="en-US" sz="2000" dirty="0"/>
+              <a:t>: Performance comparison of application on VM and containers</a:t>
+            </a:r>
+          </a:p>
+        </p:txBody>
+      </p:sp>
+    </p:spTree>
+    <p:extLst>
+      <p:ext uri="{BB962C8B-B14F-4D97-AF65-F5344CB8AC3E}">
+        <p14:creationId xmlns:p14="http://schemas.microsoft.com/office/powerpoint/2010/main" val="3853700405"/>
+      </p:ext>
+    </p:extLst>
+  </p:cSld>
+  <p:clrMapOvr>
+    <a:masterClrMapping/>
+  </p:clrMapOvr>
+</p:sld>
+</file>
+
+<file path=ppt/slides/slide16.xml><?xml version="1.0" encoding="utf-8"?>
+<p:sld xmlns:a="http://schemas.openxmlformats.org/drawingml/2006/main" xmlns:r="http://schemas.openxmlformats.org/officeDocument/2006/relationships" xmlns:p="http://schemas.openxmlformats.org/presentationml/2006/main">
+  <p:cSld>
+    <p:spTree>
+      <p:nvGrpSpPr>
+        <p:cNvPr id="1" name=""/>
+        <p:cNvGrpSpPr/>
+        <p:nvPr/>
+      </p:nvGrpSpPr>
+      <p:grpSpPr>
+        <a:xfrm>
+          <a:off x="0" y="0"/>
+          <a:ext cx="0" cy="0"/>
+          <a:chOff x="0" y="0"/>
+          <a:chExt cx="0" cy="0"/>
+        </a:xfrm>
+      </p:grpSpPr>
+      <p:sp>
+        <p:nvSpPr>
+          <p:cNvPr id="2" name="Title 1">
+            <a:extLst>
+              <a:ext uri="{FF2B5EF4-FFF2-40B4-BE49-F238E27FC236}">
                 <a16:creationId xmlns:a16="http://schemas.microsoft.com/office/drawing/2014/main" id="{EA414ED9-A54E-6825-8CB9-D7FD6CABD4F5}"/>
               </a:ext>
             </a:extLst>
@@ -7027,7 +7200,7 @@
 </p:sld>
 </file>
 
-<file path=ppt/slides/slide16.xml><?xml version="1.0" encoding="utf-8"?>
+<file path=ppt/slides/slide17.xml><?xml version="1.0" encoding="utf-8"?>
 <p:sld xmlns:a="http://schemas.openxmlformats.org/drawingml/2006/main" xmlns:r="http://schemas.openxmlformats.org/officeDocument/2006/relationships" xmlns:p="http://schemas.openxmlformats.org/presentationml/2006/main">
   <p:cSld>
     <p:spTree>
@@ -8975,7 +9148,7 @@
         <p:spPr>
           <a:xfrm>
             <a:off x="666502" y="1325563"/>
-            <a:ext cx="10579430" cy="2246769"/>
+            <a:ext cx="10579430" cy="1785104"/>
           </a:xfrm>
           <a:prstGeom prst="rect">
             <a:avLst/>
@@ -9004,7 +9177,7 @@
             </a:r>
             <a:r>
               <a:rPr lang="en-US" sz="2000" dirty="0"/>
-              <a:t> : Development of polyglot microservices </a:t>
+              <a:t> : Development of polyglot microservices and containerizing then with Docker</a:t>
             </a:r>
           </a:p>
           <a:p>
@@ -9024,7 +9197,7 @@
             </a:r>
             <a:r>
               <a:rPr lang="en-US" sz="2000" dirty="0"/>
-              <a:t> : Containerizing microservices with Docker</a:t>
+              <a:t> : Setting up Kubernetes on cloud</a:t>
             </a:r>
           </a:p>
           <a:p>
@@ -9040,11 +9213,11 @@
             </a:pPr>
             <a:r>
               <a:rPr lang="en-US" sz="2000" b="1" dirty="0"/>
-              <a:t>Milestone 3</a:t>
+              <a:t>Milestone 3 </a:t>
             </a:r>
             <a:r>
               <a:rPr lang="en-US" sz="2000" dirty="0"/>
-              <a:t> : Setting up Kubernetes on cloud</a:t>
+              <a:t>: Deployment, autoscaling and load balancing of microservices on K8s</a:t>
             </a:r>
           </a:p>
           <a:p>
@@ -9061,26 +9234,6 @@
             <a:r>
               <a:rPr lang="en-US" sz="2000" b="1" dirty="0"/>
               <a:t>Milestone 4 </a:t>
-            </a:r>
-            <a:r>
-              <a:rPr lang="en-US" sz="2000" dirty="0"/>
-              <a:t>: Deployment, autoscaling and load balancing of microservices on K8s</a:t>
-            </a:r>
-          </a:p>
-          <a:p>
-            <a:pPr marL="285750" indent="-285750">
-              <a:spcBef>
-                <a:spcPts val="600"/>
-              </a:spcBef>
-              <a:spcAft>
-                <a:spcPts val="600"/>
-              </a:spcAft>
-              <a:buFont typeface="Arial" panose="020B0604020202020204" pitchFamily="34" charset="0"/>
-              <a:buChar char="•"/>
-            </a:pPr>
-            <a:r>
-              <a:rPr lang="en-US" sz="2000" b="1" dirty="0"/>
-              <a:t>Milestone 5 </a:t>
             </a:r>
             <a:r>
               <a:rPr lang="en-US" sz="2000" dirty="0"/>

--- a/Presentations/Presentation.pptx
+++ b/Presentations/Presentation.pptx
@@ -5,7 +5,7 @@
     <p:sldMasterId id="2147483648" r:id="rId1"/>
   </p:sldMasterIdLst>
   <p:notesMasterIdLst>
-    <p:notesMasterId r:id="rId19"/>
+    <p:notesMasterId r:id="rId24"/>
   </p:notesMasterIdLst>
   <p:sldIdLst>
     <p:sldId id="256" r:id="rId2"/>
@@ -24,7 +24,12 @@
     <p:sldId id="275" r:id="rId15"/>
     <p:sldId id="276" r:id="rId16"/>
     <p:sldId id="263" r:id="rId17"/>
-    <p:sldId id="269" r:id="rId18"/>
+    <p:sldId id="277" r:id="rId18"/>
+    <p:sldId id="278" r:id="rId19"/>
+    <p:sldId id="279" r:id="rId20"/>
+    <p:sldId id="280" r:id="rId21"/>
+    <p:sldId id="269" r:id="rId22"/>
+    <p:sldId id="281" r:id="rId23"/>
   </p:sldIdLst>
   <p:sldSz cx="12192000" cy="6858000"/>
   <p:notesSz cx="6858000" cy="9144000"/>
@@ -213,7 +218,7 @@
           <a:p>
             <a:fld id="{785A57EC-95D8-4454-8319-E4783E35E39E}" type="datetimeFigureOut">
               <a:rPr lang="en-US" smtClean="0"/>
-              <a:t>3/14/2023</a:t>
+              <a:t>4/4/2023</a:t>
             </a:fld>
             <a:endParaRPr lang="en-US"/>
           </a:p>
@@ -711,7 +716,7 @@
           <a:p>
             <a:fld id="{20483390-C10D-495D-AD08-B75BDE32C1DD}" type="datetimeFigureOut">
               <a:rPr lang="en-US" smtClean="0"/>
-              <a:t>3/14/2023</a:t>
+              <a:t>4/4/2023</a:t>
             </a:fld>
             <a:endParaRPr lang="en-US"/>
           </a:p>
@@ -909,7 +914,7 @@
           <a:p>
             <a:fld id="{20483390-C10D-495D-AD08-B75BDE32C1DD}" type="datetimeFigureOut">
               <a:rPr lang="en-US" smtClean="0"/>
-              <a:t>3/14/2023</a:t>
+              <a:t>4/4/2023</a:t>
             </a:fld>
             <a:endParaRPr lang="en-US"/>
           </a:p>
@@ -1117,7 +1122,7 @@
           <a:p>
             <a:fld id="{20483390-C10D-495D-AD08-B75BDE32C1DD}" type="datetimeFigureOut">
               <a:rPr lang="en-US" smtClean="0"/>
-              <a:t>3/14/2023</a:t>
+              <a:t>4/4/2023</a:t>
             </a:fld>
             <a:endParaRPr lang="en-US"/>
           </a:p>
@@ -1315,7 +1320,7 @@
           <a:p>
             <a:fld id="{20483390-C10D-495D-AD08-B75BDE32C1DD}" type="datetimeFigureOut">
               <a:rPr lang="en-US" smtClean="0"/>
-              <a:t>3/14/2023</a:t>
+              <a:t>4/4/2023</a:t>
             </a:fld>
             <a:endParaRPr lang="en-US"/>
           </a:p>
@@ -1590,7 +1595,7 @@
           <a:p>
             <a:fld id="{20483390-C10D-495D-AD08-B75BDE32C1DD}" type="datetimeFigureOut">
               <a:rPr lang="en-US" smtClean="0"/>
-              <a:t>3/14/2023</a:t>
+              <a:t>4/4/2023</a:t>
             </a:fld>
             <a:endParaRPr lang="en-US"/>
           </a:p>
@@ -1855,7 +1860,7 @@
           <a:p>
             <a:fld id="{20483390-C10D-495D-AD08-B75BDE32C1DD}" type="datetimeFigureOut">
               <a:rPr lang="en-US" smtClean="0"/>
-              <a:t>3/14/2023</a:t>
+              <a:t>4/4/2023</a:t>
             </a:fld>
             <a:endParaRPr lang="en-US"/>
           </a:p>
@@ -2267,7 +2272,7 @@
           <a:p>
             <a:fld id="{20483390-C10D-495D-AD08-B75BDE32C1DD}" type="datetimeFigureOut">
               <a:rPr lang="en-US" smtClean="0"/>
-              <a:t>3/14/2023</a:t>
+              <a:t>4/4/2023</a:t>
             </a:fld>
             <a:endParaRPr lang="en-US"/>
           </a:p>
@@ -2408,7 +2413,7 @@
           <a:p>
             <a:fld id="{20483390-C10D-495D-AD08-B75BDE32C1DD}" type="datetimeFigureOut">
               <a:rPr lang="en-US" smtClean="0"/>
-              <a:t>3/14/2023</a:t>
+              <a:t>4/4/2023</a:t>
             </a:fld>
             <a:endParaRPr lang="en-US"/>
           </a:p>
@@ -2521,7 +2526,7 @@
           <a:p>
             <a:fld id="{20483390-C10D-495D-AD08-B75BDE32C1DD}" type="datetimeFigureOut">
               <a:rPr lang="en-US" smtClean="0"/>
-              <a:t>3/14/2023</a:t>
+              <a:t>4/4/2023</a:t>
             </a:fld>
             <a:endParaRPr lang="en-US"/>
           </a:p>
@@ -2832,7 +2837,7 @@
           <a:p>
             <a:fld id="{20483390-C10D-495D-AD08-B75BDE32C1DD}" type="datetimeFigureOut">
               <a:rPr lang="en-US" smtClean="0"/>
-              <a:t>3/14/2023</a:t>
+              <a:t>4/4/2023</a:t>
             </a:fld>
             <a:endParaRPr lang="en-US"/>
           </a:p>
@@ -3120,7 +3125,7 @@
           <a:p>
             <a:fld id="{20483390-C10D-495D-AD08-B75BDE32C1DD}" type="datetimeFigureOut">
               <a:rPr lang="en-US" smtClean="0"/>
-              <a:t>3/14/2023</a:t>
+              <a:t>4/4/2023</a:t>
             </a:fld>
             <a:endParaRPr lang="en-US"/>
           </a:p>
@@ -3361,7 +3366,7 @@
           <a:p>
             <a:fld id="{20483390-C10D-495D-AD08-B75BDE32C1DD}" type="datetimeFigureOut">
               <a:rPr lang="en-US" smtClean="0"/>
-              <a:t>3/14/2023</a:t>
+              <a:t>4/4/2023</a:t>
             </a:fld>
             <a:endParaRPr lang="en-US"/>
           </a:p>
@@ -7222,7 +7227,203 @@
           <p:cNvPr id="2" name="Title 1">
             <a:extLst>
               <a:ext uri="{FF2B5EF4-FFF2-40B4-BE49-F238E27FC236}">
-                <a16:creationId xmlns:a16="http://schemas.microsoft.com/office/drawing/2014/main" id="{A9E7CA81-4F63-D68C-EE6A-47EE263AEE1C}"/>
+                <a16:creationId xmlns:a16="http://schemas.microsoft.com/office/drawing/2014/main" id="{45A8CBDC-CCEF-EBBC-2445-F05CE41A0030}"/>
+              </a:ext>
+            </a:extLst>
+          </p:cNvPr>
+          <p:cNvSpPr>
+            <a:spLocks noGrp="1"/>
+          </p:cNvSpPr>
+          <p:nvPr>
+            <p:ph type="ctrTitle"/>
+          </p:nvPr>
+        </p:nvSpPr>
+        <p:spPr/>
+        <p:txBody>
+          <a:bodyPr/>
+          <a:lstStyle/>
+          <a:p>
+            <a:r>
+              <a:rPr lang="en-US" dirty="0"/>
+              <a:t>Demo Part</a:t>
+            </a:r>
+          </a:p>
+        </p:txBody>
+      </p:sp>
+    </p:spTree>
+    <p:extLst>
+      <p:ext uri="{BB962C8B-B14F-4D97-AF65-F5344CB8AC3E}">
+        <p14:creationId xmlns:p14="http://schemas.microsoft.com/office/powerpoint/2010/main" val="978261767"/>
+      </p:ext>
+    </p:extLst>
+  </p:cSld>
+  <p:clrMapOvr>
+    <a:masterClrMapping/>
+  </p:clrMapOvr>
+</p:sld>
+</file>
+
+<file path=ppt/slides/slide18.xml><?xml version="1.0" encoding="utf-8"?>
+<p:sld xmlns:a="http://schemas.openxmlformats.org/drawingml/2006/main" xmlns:r="http://schemas.openxmlformats.org/officeDocument/2006/relationships" xmlns:p="http://schemas.openxmlformats.org/presentationml/2006/main">
+  <p:cSld>
+    <p:spTree>
+      <p:nvGrpSpPr>
+        <p:cNvPr id="1" name=""/>
+        <p:cNvGrpSpPr/>
+        <p:nvPr/>
+      </p:nvGrpSpPr>
+      <p:grpSpPr>
+        <a:xfrm>
+          <a:off x="0" y="0"/>
+          <a:ext cx="0" cy="0"/>
+          <a:chOff x="0" y="0"/>
+          <a:chExt cx="0" cy="0"/>
+        </a:xfrm>
+      </p:grpSpPr>
+      <p:sp>
+        <p:nvSpPr>
+          <p:cNvPr id="2" name="Title 1">
+            <a:extLst>
+              <a:ext uri="{FF2B5EF4-FFF2-40B4-BE49-F238E27FC236}">
+                <a16:creationId xmlns:a16="http://schemas.microsoft.com/office/drawing/2014/main" id="{7D28E437-8BEE-8F1F-36C8-C3D26FA5DE3B}"/>
+              </a:ext>
+            </a:extLst>
+          </p:cNvPr>
+          <p:cNvSpPr>
+            <a:spLocks noGrp="1"/>
+          </p:cNvSpPr>
+          <p:nvPr>
+            <p:ph type="ctrTitle"/>
+          </p:nvPr>
+        </p:nvSpPr>
+        <p:spPr/>
+        <p:txBody>
+          <a:bodyPr>
+            <a:normAutofit fontScale="90000"/>
+          </a:bodyPr>
+          <a:lstStyle/>
+          <a:p>
+            <a:r>
+              <a:rPr lang="en-US" dirty="0"/>
+              <a:t>Containerization of a polyglot microservice application using Docker and Kubernetes </a:t>
+            </a:r>
+          </a:p>
+        </p:txBody>
+      </p:sp>
+      <p:sp>
+        <p:nvSpPr>
+          <p:cNvPr id="4" name="TextBox 3">
+            <a:extLst>
+              <a:ext uri="{FF2B5EF4-FFF2-40B4-BE49-F238E27FC236}">
+                <a16:creationId xmlns:a16="http://schemas.microsoft.com/office/drawing/2014/main" id="{982B0CB6-AE87-4E11-C4DE-176348C861C4}"/>
+              </a:ext>
+            </a:extLst>
+          </p:cNvPr>
+          <p:cNvSpPr txBox="1"/>
+          <p:nvPr/>
+        </p:nvSpPr>
+        <p:spPr>
+          <a:xfrm>
+            <a:off x="6792686" y="4519136"/>
+            <a:ext cx="4025145" cy="1815882"/>
+          </a:xfrm>
+          <a:prstGeom prst="rect">
+            <a:avLst/>
+          </a:prstGeom>
+          <a:noFill/>
+        </p:spPr>
+        <p:txBody>
+          <a:bodyPr wrap="square">
+            <a:spAutoFit/>
+          </a:bodyPr>
+          <a:lstStyle/>
+          <a:p>
+            <a:r>
+              <a:rPr lang="en-US" sz="2000" b="1" dirty="0"/>
+              <a:t>Submitted By – Team #5</a:t>
+            </a:r>
+          </a:p>
+          <a:p>
+            <a:endParaRPr lang="en-US" b="1" dirty="0"/>
+          </a:p>
+          <a:p>
+            <a:r>
+              <a:rPr lang="en-US" dirty="0"/>
+              <a:t>Vamsi Krishna Yepuri </a:t>
+            </a:r>
+          </a:p>
+          <a:p>
+            <a:r>
+              <a:rPr lang="en-US" dirty="0"/>
+              <a:t>Venkata Kalyan </a:t>
+            </a:r>
+            <a:r>
+              <a:rPr lang="en-US" dirty="0" err="1"/>
+              <a:t>Polamarasetty</a:t>
+            </a:r>
+            <a:r>
+              <a:rPr lang="en-US" dirty="0"/>
+              <a:t> </a:t>
+            </a:r>
+          </a:p>
+          <a:p>
+            <a:r>
+              <a:rPr lang="en-US" dirty="0"/>
+              <a:t>Shivani </a:t>
+            </a:r>
+            <a:r>
+              <a:rPr lang="en-US" dirty="0" err="1"/>
+              <a:t>Donthi</a:t>
+            </a:r>
+            <a:r>
+              <a:rPr lang="en-US" dirty="0"/>
+              <a:t> </a:t>
+            </a:r>
+          </a:p>
+          <a:p>
+            <a:r>
+              <a:rPr lang="en-US" dirty="0"/>
+              <a:t>Ajay Kumar Reddy Gondi</a:t>
+            </a:r>
+          </a:p>
+        </p:txBody>
+      </p:sp>
+    </p:spTree>
+    <p:extLst>
+      <p:ext uri="{BB962C8B-B14F-4D97-AF65-F5344CB8AC3E}">
+        <p14:creationId xmlns:p14="http://schemas.microsoft.com/office/powerpoint/2010/main" val="2242620246"/>
+      </p:ext>
+    </p:extLst>
+  </p:cSld>
+  <p:clrMapOvr>
+    <a:masterClrMapping/>
+  </p:clrMapOvr>
+</p:sld>
+</file>
+
+<file path=ppt/slides/slide19.xml><?xml version="1.0" encoding="utf-8"?>
+<p:sld xmlns:a="http://schemas.openxmlformats.org/drawingml/2006/main" xmlns:r="http://schemas.openxmlformats.org/officeDocument/2006/relationships" xmlns:p="http://schemas.openxmlformats.org/presentationml/2006/main">
+  <p:cSld>
+    <p:spTree>
+      <p:nvGrpSpPr>
+        <p:cNvPr id="1" name=""/>
+        <p:cNvGrpSpPr/>
+        <p:nvPr/>
+      </p:nvGrpSpPr>
+      <p:grpSpPr>
+        <a:xfrm>
+          <a:off x="0" y="0"/>
+          <a:ext cx="0" cy="0"/>
+          <a:chOff x="0" y="0"/>
+          <a:chExt cx="0" cy="0"/>
+        </a:xfrm>
+      </p:grpSpPr>
+      <p:sp>
+        <p:nvSpPr>
+          <p:cNvPr id="2" name="Title 1">
+            <a:extLst>
+              <a:ext uri="{FF2B5EF4-FFF2-40B4-BE49-F238E27FC236}">
+                <a16:creationId xmlns:a16="http://schemas.microsoft.com/office/drawing/2014/main" id="{14E9E01B-61EB-D55D-D0C9-A985B914AB04}"/>
               </a:ext>
             </a:extLst>
           </p:cNvPr>
@@ -7233,63 +7434,39 @@
             <p:ph type="title"/>
           </p:nvPr>
         </p:nvSpPr>
-        <p:spPr/>
+        <p:spPr>
+          <a:xfrm>
+            <a:off x="618507" y="0"/>
+            <a:ext cx="10515600" cy="1325563"/>
+          </a:xfrm>
+        </p:spPr>
         <p:txBody>
           <a:bodyPr/>
           <a:lstStyle/>
           <a:p>
             <a:r>
               <a:rPr lang="en-US" dirty="0"/>
-              <a:t>Appendix</a:t>
-            </a:r>
-          </a:p>
-        </p:txBody>
-      </p:sp>
-      <p:pic>
-        <p:nvPicPr>
-          <p:cNvPr id="5" name="Content Placeholder 4">
-            <a:extLst>
-              <a:ext uri="{FF2B5EF4-FFF2-40B4-BE49-F238E27FC236}">
-                <a16:creationId xmlns:a16="http://schemas.microsoft.com/office/drawing/2014/main" id="{F18FA186-08BC-1009-2938-203EAD7B412E}"/>
-              </a:ext>
-            </a:extLst>
-          </p:cNvPr>
-          <p:cNvPicPr>
-            <a:picLocks noGrp="1" noChangeAspect="1"/>
-          </p:cNvPicPr>
-          <p:nvPr>
-            <p:ph idx="1"/>
-          </p:nvPr>
-        </p:nvPicPr>
-        <p:blipFill>
-          <a:blip r:embed="rId2"/>
-          <a:stretch>
-            <a:fillRect/>
-          </a:stretch>
-        </p:blipFill>
+              <a:t>Milestones</a:t>
+            </a:r>
+          </a:p>
+        </p:txBody>
+      </p:sp>
+      <p:sp>
+        <p:nvSpPr>
+          <p:cNvPr id="7" name="TextBox 6">
+            <a:extLst>
+              <a:ext uri="{FF2B5EF4-FFF2-40B4-BE49-F238E27FC236}">
+                <a16:creationId xmlns:a16="http://schemas.microsoft.com/office/drawing/2014/main" id="{9AABA35B-E65D-33B8-AC4F-7F60CBF8C1CF}"/>
+              </a:ext>
+            </a:extLst>
+          </p:cNvPr>
+          <p:cNvSpPr txBox="1"/>
+          <p:nvPr/>
+        </p:nvSpPr>
         <p:spPr>
           <a:xfrm>
-            <a:off x="2228675" y="1800150"/>
-            <a:ext cx="7435179" cy="3543745"/>
-          </a:xfrm>
-        </p:spPr>
-      </p:pic>
-      <p:sp>
-        <p:nvSpPr>
-          <p:cNvPr id="4" name="TextBox 3">
-            <a:extLst>
-              <a:ext uri="{FF2B5EF4-FFF2-40B4-BE49-F238E27FC236}">
-                <a16:creationId xmlns:a16="http://schemas.microsoft.com/office/drawing/2014/main" id="{8CE7C513-082D-3B81-29FF-D6421D7EF2B8}"/>
-              </a:ext>
-            </a:extLst>
-          </p:cNvPr>
-          <p:cNvSpPr txBox="1"/>
-          <p:nvPr/>
-        </p:nvSpPr>
-        <p:spPr>
-          <a:xfrm>
-            <a:off x="838200" y="5789659"/>
-            <a:ext cx="10057410" cy="369332"/>
+            <a:off x="666502" y="1325563"/>
+            <a:ext cx="10579430" cy="1785104"/>
           </a:xfrm>
           <a:prstGeom prst="rect">
             <a:avLst/>
@@ -7302,58 +7479,91 @@
           </a:bodyPr>
           <a:lstStyle/>
           <a:p>
-            <a:r>
-              <a:rPr lang="en-US" dirty="0">
-                <a:hlinkClick r:id="rId3"/>
-              </a:rPr>
-              <a:t>Container Runtimes</a:t>
-            </a:r>
-            <a:endParaRPr lang="en-US" dirty="0"/>
-          </a:p>
-        </p:txBody>
-      </p:sp>
-      <p:sp>
-        <p:nvSpPr>
-          <p:cNvPr id="9" name="TextBox 8">
-            <a:extLst>
-              <a:ext uri="{FF2B5EF4-FFF2-40B4-BE49-F238E27FC236}">
-                <a16:creationId xmlns:a16="http://schemas.microsoft.com/office/drawing/2014/main" id="{C64161D4-BBB1-203D-FAB2-8026651D41B3}"/>
-              </a:ext>
-            </a:extLst>
-          </p:cNvPr>
-          <p:cNvSpPr txBox="1"/>
-          <p:nvPr/>
-        </p:nvSpPr>
-        <p:spPr>
-          <a:xfrm>
-            <a:off x="838200" y="6158991"/>
-            <a:ext cx="6095010" cy="369332"/>
-          </a:xfrm>
-          <a:prstGeom prst="rect">
-            <a:avLst/>
-          </a:prstGeom>
-          <a:noFill/>
-        </p:spPr>
-        <p:txBody>
-          <a:bodyPr wrap="square">
-            <a:spAutoFit/>
-          </a:bodyPr>
-          <a:lstStyle/>
-          <a:p>
-            <a:r>
-              <a:rPr lang="en-US" dirty="0" err="1">
-                <a:hlinkClick r:id="rId4"/>
-              </a:rPr>
-              <a:t>Containerd</a:t>
-            </a:r>
-            <a:endParaRPr lang="en-US" dirty="0"/>
+            <a:pPr marL="285750" indent="-285750">
+              <a:spcBef>
+                <a:spcPts val="600"/>
+              </a:spcBef>
+              <a:spcAft>
+                <a:spcPts val="600"/>
+              </a:spcAft>
+              <a:buFont typeface="Arial" panose="020B0604020202020204" pitchFamily="34" charset="0"/>
+              <a:buChar char="•"/>
+            </a:pPr>
+            <a:r>
+              <a:rPr lang="en-US" sz="2000" b="1" dirty="0"/>
+              <a:t>Milestone 1</a:t>
+            </a:r>
+            <a:r>
+              <a:rPr lang="en-US" sz="2000" dirty="0"/>
+              <a:t> : Development of polyglot microservices and containerizing then with Docker</a:t>
+            </a:r>
+          </a:p>
+          <a:p>
+            <a:pPr marL="285750" indent="-285750">
+              <a:spcBef>
+                <a:spcPts val="600"/>
+              </a:spcBef>
+              <a:spcAft>
+                <a:spcPts val="600"/>
+              </a:spcAft>
+              <a:buFont typeface="Arial" panose="020B0604020202020204" pitchFamily="34" charset="0"/>
+              <a:buChar char="•"/>
+            </a:pPr>
+            <a:r>
+              <a:rPr lang="en-US" sz="2000" b="1" dirty="0"/>
+              <a:t>Milestone 2</a:t>
+            </a:r>
+            <a:r>
+              <a:rPr lang="en-US" sz="2000" dirty="0"/>
+              <a:t> : Setting up Kubernetes on cloud</a:t>
+            </a:r>
+          </a:p>
+          <a:p>
+            <a:pPr marL="285750" indent="-285750">
+              <a:spcBef>
+                <a:spcPts val="600"/>
+              </a:spcBef>
+              <a:spcAft>
+                <a:spcPts val="600"/>
+              </a:spcAft>
+              <a:buFont typeface="Arial" panose="020B0604020202020204" pitchFamily="34" charset="0"/>
+              <a:buChar char="•"/>
+            </a:pPr>
+            <a:r>
+              <a:rPr lang="en-US" sz="2000" b="1" dirty="0"/>
+              <a:t>Milestone 3 </a:t>
+            </a:r>
+            <a:r>
+              <a:rPr lang="en-US" sz="2000" dirty="0"/>
+              <a:t>: Deployment, autoscaling and load balancing of microservices on K8s</a:t>
+            </a:r>
+          </a:p>
+          <a:p>
+            <a:pPr marL="285750" indent="-285750">
+              <a:spcBef>
+                <a:spcPts val="600"/>
+              </a:spcBef>
+              <a:spcAft>
+                <a:spcPts val="600"/>
+              </a:spcAft>
+              <a:buFont typeface="Arial" panose="020B0604020202020204" pitchFamily="34" charset="0"/>
+              <a:buChar char="•"/>
+            </a:pPr>
+            <a:r>
+              <a:rPr lang="en-US" sz="2000" b="1" dirty="0"/>
+              <a:t>Milestone 4 </a:t>
+            </a:r>
+            <a:r>
+              <a:rPr lang="en-US" sz="2000" dirty="0"/>
+              <a:t>: Performance comparison of application on VM and containers</a:t>
+            </a:r>
           </a:p>
         </p:txBody>
       </p:sp>
     </p:spTree>
     <p:extLst>
       <p:ext uri="{BB962C8B-B14F-4D97-AF65-F5344CB8AC3E}">
-        <p14:creationId xmlns:p14="http://schemas.microsoft.com/office/powerpoint/2010/main" val="202665588"/>
+        <p14:creationId xmlns:p14="http://schemas.microsoft.com/office/powerpoint/2010/main" val="3159091435"/>
       </p:ext>
     </p:extLst>
   </p:cSld>
@@ -7662,6 +7872,423 @@
     <p:extLst>
       <p:ext uri="{BB962C8B-B14F-4D97-AF65-F5344CB8AC3E}">
         <p14:creationId xmlns:p14="http://schemas.microsoft.com/office/powerpoint/2010/main" val="3365756526"/>
+      </p:ext>
+    </p:extLst>
+  </p:cSld>
+  <p:clrMapOvr>
+    <a:masterClrMapping/>
+  </p:clrMapOvr>
+</p:sld>
+</file>
+
+<file path=ppt/slides/slide20.xml><?xml version="1.0" encoding="utf-8"?>
+<p:sld xmlns:a="http://schemas.openxmlformats.org/drawingml/2006/main" xmlns:r="http://schemas.openxmlformats.org/officeDocument/2006/relationships" xmlns:p="http://schemas.openxmlformats.org/presentationml/2006/main">
+  <p:cSld>
+    <p:spTree>
+      <p:nvGrpSpPr>
+        <p:cNvPr id="1" name=""/>
+        <p:cNvGrpSpPr/>
+        <p:nvPr/>
+      </p:nvGrpSpPr>
+      <p:grpSpPr>
+        <a:xfrm>
+          <a:off x="0" y="0"/>
+          <a:ext cx="0" cy="0"/>
+          <a:chOff x="0" y="0"/>
+          <a:chExt cx="0" cy="0"/>
+        </a:xfrm>
+      </p:grpSpPr>
+      <p:pic>
+        <p:nvPicPr>
+          <p:cNvPr id="6148" name="Picture 4">
+            <a:extLst>
+              <a:ext uri="{FF2B5EF4-FFF2-40B4-BE49-F238E27FC236}">
+                <a16:creationId xmlns:a16="http://schemas.microsoft.com/office/drawing/2014/main" id="{4E7C5564-CCF4-4226-01BE-64550F7B2A92}"/>
+              </a:ext>
+            </a:extLst>
+          </p:cNvPr>
+          <p:cNvPicPr>
+            <a:picLocks noChangeAspect="1" noChangeArrowheads="1"/>
+          </p:cNvPicPr>
+          <p:nvPr/>
+        </p:nvPicPr>
+        <p:blipFill>
+          <a:blip r:embed="rId2">
+            <a:extLst>
+              <a:ext uri="{28A0092B-C50C-407E-A947-70E740481C1C}">
+                <a14:useLocalDpi xmlns:a14="http://schemas.microsoft.com/office/drawing/2010/main" val="0"/>
+              </a:ext>
+            </a:extLst>
+          </a:blip>
+          <a:srcRect/>
+          <a:stretch>
+            <a:fillRect/>
+          </a:stretch>
+        </p:blipFill>
+        <p:spPr bwMode="auto">
+          <a:xfrm>
+            <a:off x="975385" y="876377"/>
+            <a:ext cx="9700533" cy="6028320"/>
+          </a:xfrm>
+          <a:prstGeom prst="rect">
+            <a:avLst/>
+          </a:prstGeom>
+          <a:noFill/>
+          <a:extLst>
+            <a:ext uri="{909E8E84-426E-40DD-AFC4-6F175D3DCCD1}">
+              <a14:hiddenFill xmlns:a14="http://schemas.microsoft.com/office/drawing/2010/main">
+                <a:solidFill>
+                  <a:srgbClr val="FFFFFF"/>
+                </a:solidFill>
+              </a14:hiddenFill>
+            </a:ext>
+          </a:extLst>
+        </p:spPr>
+      </p:pic>
+      <p:sp>
+        <p:nvSpPr>
+          <p:cNvPr id="4" name="Title 1">
+            <a:extLst>
+              <a:ext uri="{FF2B5EF4-FFF2-40B4-BE49-F238E27FC236}">
+                <a16:creationId xmlns:a16="http://schemas.microsoft.com/office/drawing/2014/main" id="{F46ABFF4-FC0E-BEF1-79D8-02ABBE44A626}"/>
+              </a:ext>
+            </a:extLst>
+          </p:cNvPr>
+          <p:cNvSpPr txBox="1">
+            <a:spLocks/>
+          </p:cNvSpPr>
+          <p:nvPr/>
+        </p:nvSpPr>
+        <p:spPr>
+          <a:xfrm>
+            <a:off x="260267" y="-136125"/>
+            <a:ext cx="10515600" cy="1325563"/>
+          </a:xfrm>
+          <a:prstGeom prst="rect">
+            <a:avLst/>
+          </a:prstGeom>
+        </p:spPr>
+        <p:txBody>
+          <a:bodyPr vert="horz" lIns="91440" tIns="45720" rIns="91440" bIns="45720" rtlCol="0" anchor="ctr">
+            <a:normAutofit/>
+          </a:bodyPr>
+          <a:lstStyle>
+            <a:lvl1pPr algn="l" defTabSz="914400" rtl="0" eaLnBrk="1" latinLnBrk="0" hangingPunct="1">
+              <a:lnSpc>
+                <a:spcPct val="90000"/>
+              </a:lnSpc>
+              <a:spcBef>
+                <a:spcPct val="0"/>
+              </a:spcBef>
+              <a:buNone/>
+              <a:defRPr sz="4400" kern="1200">
+                <a:solidFill>
+                  <a:schemeClr val="tx1"/>
+                </a:solidFill>
+                <a:latin typeface="+mj-lt"/>
+                <a:ea typeface="+mj-ea"/>
+                <a:cs typeface="+mj-cs"/>
+              </a:defRPr>
+            </a:lvl1pPr>
+          </a:lstStyle>
+          <a:p>
+            <a:r>
+              <a:rPr lang="en-US" dirty="0"/>
+              <a:t>System Architecture</a:t>
+            </a:r>
+          </a:p>
+        </p:txBody>
+      </p:sp>
+      <p:sp>
+        <p:nvSpPr>
+          <p:cNvPr id="5" name="Title 1">
+            <a:extLst>
+              <a:ext uri="{FF2B5EF4-FFF2-40B4-BE49-F238E27FC236}">
+                <a16:creationId xmlns:a16="http://schemas.microsoft.com/office/drawing/2014/main" id="{E3E1F04C-FCCA-85EB-3809-1C8A6C033B62}"/>
+              </a:ext>
+            </a:extLst>
+          </p:cNvPr>
+          <p:cNvSpPr txBox="1">
+            <a:spLocks/>
+          </p:cNvSpPr>
+          <p:nvPr/>
+        </p:nvSpPr>
+        <p:spPr>
+          <a:xfrm>
+            <a:off x="677882" y="966389"/>
+            <a:ext cx="7088580" cy="446098"/>
+          </a:xfrm>
+          <a:prstGeom prst="rect">
+            <a:avLst/>
+          </a:prstGeom>
+        </p:spPr>
+        <p:txBody>
+          <a:bodyPr vert="horz" lIns="91440" tIns="45720" rIns="91440" bIns="45720" rtlCol="0" anchor="ctr">
+            <a:noAutofit/>
+          </a:bodyPr>
+          <a:lstStyle>
+            <a:lvl1pPr algn="l" defTabSz="914400" rtl="0" eaLnBrk="1" latinLnBrk="0" hangingPunct="1">
+              <a:lnSpc>
+                <a:spcPct val="90000"/>
+              </a:lnSpc>
+              <a:spcBef>
+                <a:spcPct val="0"/>
+              </a:spcBef>
+              <a:buNone/>
+              <a:defRPr sz="4400" kern="1200">
+                <a:solidFill>
+                  <a:schemeClr val="tx1"/>
+                </a:solidFill>
+                <a:latin typeface="+mj-lt"/>
+                <a:ea typeface="+mj-ea"/>
+                <a:cs typeface="+mj-cs"/>
+              </a:defRPr>
+            </a:lvl1pPr>
+          </a:lstStyle>
+          <a:p>
+            <a:pPr marL="285750" indent="-285750">
+              <a:buFont typeface="Arial" panose="020B0604020202020204" pitchFamily="34" charset="0"/>
+              <a:buChar char="•"/>
+            </a:pPr>
+            <a:r>
+              <a:rPr lang="en-US" sz="1800" dirty="0">
+                <a:latin typeface="+mn-lt"/>
+              </a:rPr>
+              <a:t>Book Store Application – Kubernetes architecture</a:t>
+            </a:r>
+          </a:p>
+        </p:txBody>
+      </p:sp>
+    </p:spTree>
+    <p:extLst>
+      <p:ext uri="{BB962C8B-B14F-4D97-AF65-F5344CB8AC3E}">
+        <p14:creationId xmlns:p14="http://schemas.microsoft.com/office/powerpoint/2010/main" val="2387287752"/>
+      </p:ext>
+    </p:extLst>
+  </p:cSld>
+  <p:clrMapOvr>
+    <a:masterClrMapping/>
+  </p:clrMapOvr>
+</p:sld>
+</file>
+
+<file path=ppt/slides/slide21.xml><?xml version="1.0" encoding="utf-8"?>
+<p:sld xmlns:a="http://schemas.openxmlformats.org/drawingml/2006/main" xmlns:r="http://schemas.openxmlformats.org/officeDocument/2006/relationships" xmlns:p="http://schemas.openxmlformats.org/presentationml/2006/main">
+  <p:cSld>
+    <p:spTree>
+      <p:nvGrpSpPr>
+        <p:cNvPr id="1" name=""/>
+        <p:cNvGrpSpPr/>
+        <p:nvPr/>
+      </p:nvGrpSpPr>
+      <p:grpSpPr>
+        <a:xfrm>
+          <a:off x="0" y="0"/>
+          <a:ext cx="0" cy="0"/>
+          <a:chOff x="0" y="0"/>
+          <a:chExt cx="0" cy="0"/>
+        </a:xfrm>
+      </p:grpSpPr>
+      <p:sp>
+        <p:nvSpPr>
+          <p:cNvPr id="2" name="Title 1">
+            <a:extLst>
+              <a:ext uri="{FF2B5EF4-FFF2-40B4-BE49-F238E27FC236}">
+                <a16:creationId xmlns:a16="http://schemas.microsoft.com/office/drawing/2014/main" id="{A9E7CA81-4F63-D68C-EE6A-47EE263AEE1C}"/>
+              </a:ext>
+            </a:extLst>
+          </p:cNvPr>
+          <p:cNvSpPr>
+            <a:spLocks noGrp="1"/>
+          </p:cNvSpPr>
+          <p:nvPr>
+            <p:ph type="title"/>
+          </p:nvPr>
+        </p:nvSpPr>
+        <p:spPr/>
+        <p:txBody>
+          <a:bodyPr/>
+          <a:lstStyle/>
+          <a:p>
+            <a:r>
+              <a:rPr lang="en-US" dirty="0"/>
+              <a:t>Container - Runtime</a:t>
+            </a:r>
+          </a:p>
+        </p:txBody>
+      </p:sp>
+      <p:pic>
+        <p:nvPicPr>
+          <p:cNvPr id="5" name="Content Placeholder 4">
+            <a:extLst>
+              <a:ext uri="{FF2B5EF4-FFF2-40B4-BE49-F238E27FC236}">
+                <a16:creationId xmlns:a16="http://schemas.microsoft.com/office/drawing/2014/main" id="{F18FA186-08BC-1009-2938-203EAD7B412E}"/>
+              </a:ext>
+            </a:extLst>
+          </p:cNvPr>
+          <p:cNvPicPr>
+            <a:picLocks noGrp="1" noChangeAspect="1"/>
+          </p:cNvPicPr>
+          <p:nvPr>
+            <p:ph idx="1"/>
+          </p:nvPr>
+        </p:nvPicPr>
+        <p:blipFill>
+          <a:blip r:embed="rId2"/>
+          <a:stretch>
+            <a:fillRect/>
+          </a:stretch>
+        </p:blipFill>
+        <p:spPr>
+          <a:xfrm>
+            <a:off x="2228675" y="1800150"/>
+            <a:ext cx="7435179" cy="3543745"/>
+          </a:xfrm>
+        </p:spPr>
+      </p:pic>
+      <p:sp>
+        <p:nvSpPr>
+          <p:cNvPr id="4" name="TextBox 3">
+            <a:extLst>
+              <a:ext uri="{FF2B5EF4-FFF2-40B4-BE49-F238E27FC236}">
+                <a16:creationId xmlns:a16="http://schemas.microsoft.com/office/drawing/2014/main" id="{8CE7C513-082D-3B81-29FF-D6421D7EF2B8}"/>
+              </a:ext>
+            </a:extLst>
+          </p:cNvPr>
+          <p:cNvSpPr txBox="1"/>
+          <p:nvPr/>
+        </p:nvSpPr>
+        <p:spPr>
+          <a:xfrm>
+            <a:off x="838200" y="5789659"/>
+            <a:ext cx="10057410" cy="369332"/>
+          </a:xfrm>
+          <a:prstGeom prst="rect">
+            <a:avLst/>
+          </a:prstGeom>
+          <a:noFill/>
+        </p:spPr>
+        <p:txBody>
+          <a:bodyPr wrap="square">
+            <a:spAutoFit/>
+          </a:bodyPr>
+          <a:lstStyle/>
+          <a:p>
+            <a:r>
+              <a:rPr lang="en-US" dirty="0">
+                <a:hlinkClick r:id="rId3"/>
+              </a:rPr>
+              <a:t>Container Runtimes</a:t>
+            </a:r>
+            <a:endParaRPr lang="en-US" dirty="0"/>
+          </a:p>
+        </p:txBody>
+      </p:sp>
+      <p:sp>
+        <p:nvSpPr>
+          <p:cNvPr id="9" name="TextBox 8">
+            <a:extLst>
+              <a:ext uri="{FF2B5EF4-FFF2-40B4-BE49-F238E27FC236}">
+                <a16:creationId xmlns:a16="http://schemas.microsoft.com/office/drawing/2014/main" id="{C64161D4-BBB1-203D-FAB2-8026651D41B3}"/>
+              </a:ext>
+            </a:extLst>
+          </p:cNvPr>
+          <p:cNvSpPr txBox="1"/>
+          <p:nvPr/>
+        </p:nvSpPr>
+        <p:spPr>
+          <a:xfrm>
+            <a:off x="838200" y="6158991"/>
+            <a:ext cx="6095010" cy="369332"/>
+          </a:xfrm>
+          <a:prstGeom prst="rect">
+            <a:avLst/>
+          </a:prstGeom>
+          <a:noFill/>
+        </p:spPr>
+        <p:txBody>
+          <a:bodyPr wrap="square">
+            <a:spAutoFit/>
+          </a:bodyPr>
+          <a:lstStyle/>
+          <a:p>
+            <a:r>
+              <a:rPr lang="en-US" dirty="0" err="1">
+                <a:hlinkClick r:id="rId4"/>
+              </a:rPr>
+              <a:t>Containerd</a:t>
+            </a:r>
+            <a:endParaRPr lang="en-US" dirty="0"/>
+          </a:p>
+        </p:txBody>
+      </p:sp>
+    </p:spTree>
+    <p:extLst>
+      <p:ext uri="{BB962C8B-B14F-4D97-AF65-F5344CB8AC3E}">
+        <p14:creationId xmlns:p14="http://schemas.microsoft.com/office/powerpoint/2010/main" val="202665588"/>
+      </p:ext>
+    </p:extLst>
+  </p:cSld>
+  <p:clrMapOvr>
+    <a:masterClrMapping/>
+  </p:clrMapOvr>
+</p:sld>
+</file>
+
+<file path=ppt/slides/slide22.xml><?xml version="1.0" encoding="utf-8"?>
+<p:sld xmlns:a="http://schemas.openxmlformats.org/drawingml/2006/main" xmlns:r="http://schemas.openxmlformats.org/officeDocument/2006/relationships" xmlns:p="http://schemas.openxmlformats.org/presentationml/2006/main">
+  <p:cSld>
+    <p:spTree>
+      <p:nvGrpSpPr>
+        <p:cNvPr id="1" name=""/>
+        <p:cNvGrpSpPr/>
+        <p:nvPr/>
+      </p:nvGrpSpPr>
+      <p:grpSpPr>
+        <a:xfrm>
+          <a:off x="0" y="0"/>
+          <a:ext cx="0" cy="0"/>
+          <a:chOff x="0" y="0"/>
+          <a:chExt cx="0" cy="0"/>
+        </a:xfrm>
+      </p:grpSpPr>
+      <p:sp>
+        <p:nvSpPr>
+          <p:cNvPr id="4" name="Title 3">
+            <a:extLst>
+              <a:ext uri="{FF2B5EF4-FFF2-40B4-BE49-F238E27FC236}">
+                <a16:creationId xmlns:a16="http://schemas.microsoft.com/office/drawing/2014/main" id="{B9D6493E-FB7E-2D2B-06BD-6FE3324FD8BE}"/>
+              </a:ext>
+            </a:extLst>
+          </p:cNvPr>
+          <p:cNvSpPr>
+            <a:spLocks noGrp="1"/>
+          </p:cNvSpPr>
+          <p:nvPr>
+            <p:ph type="ctrTitle"/>
+          </p:nvPr>
+        </p:nvSpPr>
+        <p:spPr>
+          <a:xfrm>
+            <a:off x="1452748" y="1585501"/>
+            <a:ext cx="9144000" cy="2387600"/>
+          </a:xfrm>
+        </p:spPr>
+        <p:txBody>
+          <a:bodyPr/>
+          <a:lstStyle/>
+          <a:p>
+            <a:r>
+              <a:rPr lang="en-US" dirty="0"/>
+              <a:t>Thank You</a:t>
+            </a:r>
+          </a:p>
+        </p:txBody>
+      </p:sp>
+    </p:spTree>
+    <p:extLst>
+      <p:ext uri="{BB962C8B-B14F-4D97-AF65-F5344CB8AC3E}">
+        <p14:creationId xmlns:p14="http://schemas.microsoft.com/office/powerpoint/2010/main" val="1150718347"/>
       </p:ext>
     </p:extLst>
   </p:cSld>

--- a/Presentations/Presentation.pptx
+++ b/Presentations/Presentation.pptx
@@ -5,7 +5,7 @@
     <p:sldMasterId id="2147483648" r:id="rId1"/>
   </p:sldMasterIdLst>
   <p:notesMasterIdLst>
-    <p:notesMasterId r:id="rId24"/>
+    <p:notesMasterId r:id="rId30"/>
   </p:notesMasterIdLst>
   <p:sldIdLst>
     <p:sldId id="256" r:id="rId2"/>
@@ -29,7 +29,13 @@
     <p:sldId id="279" r:id="rId20"/>
     <p:sldId id="280" r:id="rId21"/>
     <p:sldId id="269" r:id="rId22"/>
-    <p:sldId id="281" r:id="rId23"/>
+    <p:sldId id="282" r:id="rId23"/>
+    <p:sldId id="283" r:id="rId24"/>
+    <p:sldId id="284" r:id="rId25"/>
+    <p:sldId id="286" r:id="rId26"/>
+    <p:sldId id="285" r:id="rId27"/>
+    <p:sldId id="287" r:id="rId28"/>
+    <p:sldId id="281" r:id="rId29"/>
   </p:sldIdLst>
   <p:sldSz cx="12192000" cy="6858000"/>
   <p:notesSz cx="6858000" cy="9144000"/>
@@ -218,7 +224,7 @@
           <a:p>
             <a:fld id="{785A57EC-95D8-4454-8319-E4783E35E39E}" type="datetimeFigureOut">
               <a:rPr lang="en-US" smtClean="0"/>
-              <a:t>4/4/2023</a:t>
+              <a:t>4/16/2023</a:t>
             </a:fld>
             <a:endParaRPr lang="en-US"/>
           </a:p>
@@ -716,7 +722,7 @@
           <a:p>
             <a:fld id="{20483390-C10D-495D-AD08-B75BDE32C1DD}" type="datetimeFigureOut">
               <a:rPr lang="en-US" smtClean="0"/>
-              <a:t>4/4/2023</a:t>
+              <a:t>4/16/2023</a:t>
             </a:fld>
             <a:endParaRPr lang="en-US"/>
           </a:p>
@@ -914,7 +920,7 @@
           <a:p>
             <a:fld id="{20483390-C10D-495D-AD08-B75BDE32C1DD}" type="datetimeFigureOut">
               <a:rPr lang="en-US" smtClean="0"/>
-              <a:t>4/4/2023</a:t>
+              <a:t>4/16/2023</a:t>
             </a:fld>
             <a:endParaRPr lang="en-US"/>
           </a:p>
@@ -1122,7 +1128,7 @@
           <a:p>
             <a:fld id="{20483390-C10D-495D-AD08-B75BDE32C1DD}" type="datetimeFigureOut">
               <a:rPr lang="en-US" smtClean="0"/>
-              <a:t>4/4/2023</a:t>
+              <a:t>4/16/2023</a:t>
             </a:fld>
             <a:endParaRPr lang="en-US"/>
           </a:p>
@@ -1320,7 +1326,7 @@
           <a:p>
             <a:fld id="{20483390-C10D-495D-AD08-B75BDE32C1DD}" type="datetimeFigureOut">
               <a:rPr lang="en-US" smtClean="0"/>
-              <a:t>4/4/2023</a:t>
+              <a:t>4/16/2023</a:t>
             </a:fld>
             <a:endParaRPr lang="en-US"/>
           </a:p>
@@ -1595,7 +1601,7 @@
           <a:p>
             <a:fld id="{20483390-C10D-495D-AD08-B75BDE32C1DD}" type="datetimeFigureOut">
               <a:rPr lang="en-US" smtClean="0"/>
-              <a:t>4/4/2023</a:t>
+              <a:t>4/16/2023</a:t>
             </a:fld>
             <a:endParaRPr lang="en-US"/>
           </a:p>
@@ -1860,7 +1866,7 @@
           <a:p>
             <a:fld id="{20483390-C10D-495D-AD08-B75BDE32C1DD}" type="datetimeFigureOut">
               <a:rPr lang="en-US" smtClean="0"/>
-              <a:t>4/4/2023</a:t>
+              <a:t>4/16/2023</a:t>
             </a:fld>
             <a:endParaRPr lang="en-US"/>
           </a:p>
@@ -2272,7 +2278,7 @@
           <a:p>
             <a:fld id="{20483390-C10D-495D-AD08-B75BDE32C1DD}" type="datetimeFigureOut">
               <a:rPr lang="en-US" smtClean="0"/>
-              <a:t>4/4/2023</a:t>
+              <a:t>4/16/2023</a:t>
             </a:fld>
             <a:endParaRPr lang="en-US"/>
           </a:p>
@@ -2413,7 +2419,7 @@
           <a:p>
             <a:fld id="{20483390-C10D-495D-AD08-B75BDE32C1DD}" type="datetimeFigureOut">
               <a:rPr lang="en-US" smtClean="0"/>
-              <a:t>4/4/2023</a:t>
+              <a:t>4/16/2023</a:t>
             </a:fld>
             <a:endParaRPr lang="en-US"/>
           </a:p>
@@ -2526,7 +2532,7 @@
           <a:p>
             <a:fld id="{20483390-C10D-495D-AD08-B75BDE32C1DD}" type="datetimeFigureOut">
               <a:rPr lang="en-US" smtClean="0"/>
-              <a:t>4/4/2023</a:t>
+              <a:t>4/16/2023</a:t>
             </a:fld>
             <a:endParaRPr lang="en-US"/>
           </a:p>
@@ -2837,7 +2843,7 @@
           <a:p>
             <a:fld id="{20483390-C10D-495D-AD08-B75BDE32C1DD}" type="datetimeFigureOut">
               <a:rPr lang="en-US" smtClean="0"/>
-              <a:t>4/4/2023</a:t>
+              <a:t>4/16/2023</a:t>
             </a:fld>
             <a:endParaRPr lang="en-US"/>
           </a:p>
@@ -3125,7 +3131,7 @@
           <a:p>
             <a:fld id="{20483390-C10D-495D-AD08-B75BDE32C1DD}" type="datetimeFigureOut">
               <a:rPr lang="en-US" smtClean="0"/>
-              <a:t>4/4/2023</a:t>
+              <a:t>4/16/2023</a:t>
             </a:fld>
             <a:endParaRPr lang="en-US"/>
           </a:p>
@@ -3366,7 +3372,7 @@
           <a:p>
             <a:fld id="{20483390-C10D-495D-AD08-B75BDE32C1DD}" type="datetimeFigureOut">
               <a:rPr lang="en-US" smtClean="0"/>
-              <a:t>4/4/2023</a:t>
+              <a:t>4/16/2023</a:t>
             </a:fld>
             <a:endParaRPr lang="en-US"/>
           </a:p>
@@ -7245,7 +7251,7 @@
           <a:p>
             <a:r>
               <a:rPr lang="en-US" dirty="0"/>
-              <a:t>Demo Part</a:t>
+              <a:t>Demo – Milestone 2</a:t>
             </a:r>
           </a:p>
         </p:txBody>
@@ -8236,6 +8242,1132 @@
 </file>
 
 <file path=ppt/slides/slide22.xml><?xml version="1.0" encoding="utf-8"?>
+<p:sld xmlns:a="http://schemas.openxmlformats.org/drawingml/2006/main" xmlns:r="http://schemas.openxmlformats.org/officeDocument/2006/relationships" xmlns:p="http://schemas.openxmlformats.org/presentationml/2006/main">
+  <p:cSld>
+    <p:spTree>
+      <p:nvGrpSpPr>
+        <p:cNvPr id="1" name=""/>
+        <p:cNvGrpSpPr/>
+        <p:nvPr/>
+      </p:nvGrpSpPr>
+      <p:grpSpPr>
+        <a:xfrm>
+          <a:off x="0" y="0"/>
+          <a:ext cx="0" cy="0"/>
+          <a:chOff x="0" y="0"/>
+          <a:chExt cx="0" cy="0"/>
+        </a:xfrm>
+      </p:grpSpPr>
+      <p:sp>
+        <p:nvSpPr>
+          <p:cNvPr id="2" name="Title 1">
+            <a:extLst>
+              <a:ext uri="{FF2B5EF4-FFF2-40B4-BE49-F238E27FC236}">
+                <a16:creationId xmlns:a16="http://schemas.microsoft.com/office/drawing/2014/main" id="{45A8CBDC-CCEF-EBBC-2445-F05CE41A0030}"/>
+              </a:ext>
+            </a:extLst>
+          </p:cNvPr>
+          <p:cNvSpPr>
+            <a:spLocks noGrp="1"/>
+          </p:cNvSpPr>
+          <p:nvPr>
+            <p:ph type="ctrTitle"/>
+          </p:nvPr>
+        </p:nvSpPr>
+        <p:spPr/>
+        <p:txBody>
+          <a:bodyPr/>
+          <a:lstStyle/>
+          <a:p>
+            <a:r>
+              <a:rPr lang="en-US" dirty="0"/>
+              <a:t>Demo – Milestone 3</a:t>
+            </a:r>
+          </a:p>
+        </p:txBody>
+      </p:sp>
+    </p:spTree>
+    <p:extLst>
+      <p:ext uri="{BB962C8B-B14F-4D97-AF65-F5344CB8AC3E}">
+        <p14:creationId xmlns:p14="http://schemas.microsoft.com/office/powerpoint/2010/main" val="2625497972"/>
+      </p:ext>
+    </p:extLst>
+  </p:cSld>
+  <p:clrMapOvr>
+    <a:masterClrMapping/>
+  </p:clrMapOvr>
+</p:sld>
+</file>
+
+<file path=ppt/slides/slide23.xml><?xml version="1.0" encoding="utf-8"?>
+<p:sld xmlns:a="http://schemas.openxmlformats.org/drawingml/2006/main" xmlns:r="http://schemas.openxmlformats.org/officeDocument/2006/relationships" xmlns:p="http://schemas.openxmlformats.org/presentationml/2006/main">
+  <p:cSld>
+    <p:spTree>
+      <p:nvGrpSpPr>
+        <p:cNvPr id="1" name=""/>
+        <p:cNvGrpSpPr/>
+        <p:nvPr/>
+      </p:nvGrpSpPr>
+      <p:grpSpPr>
+        <a:xfrm>
+          <a:off x="0" y="0"/>
+          <a:ext cx="0" cy="0"/>
+          <a:chOff x="0" y="0"/>
+          <a:chExt cx="0" cy="0"/>
+        </a:xfrm>
+      </p:grpSpPr>
+      <p:sp>
+        <p:nvSpPr>
+          <p:cNvPr id="2" name="Title 1">
+            <a:extLst>
+              <a:ext uri="{FF2B5EF4-FFF2-40B4-BE49-F238E27FC236}">
+                <a16:creationId xmlns:a16="http://schemas.microsoft.com/office/drawing/2014/main" id="{7D28E437-8BEE-8F1F-36C8-C3D26FA5DE3B}"/>
+              </a:ext>
+            </a:extLst>
+          </p:cNvPr>
+          <p:cNvSpPr>
+            <a:spLocks noGrp="1"/>
+          </p:cNvSpPr>
+          <p:nvPr>
+            <p:ph type="ctrTitle"/>
+          </p:nvPr>
+        </p:nvSpPr>
+        <p:spPr/>
+        <p:txBody>
+          <a:bodyPr>
+            <a:normAutofit fontScale="90000"/>
+          </a:bodyPr>
+          <a:lstStyle/>
+          <a:p>
+            <a:r>
+              <a:rPr lang="en-US" dirty="0"/>
+              <a:t>Containerization of a polyglot microservice application using Docker and Kubernetes </a:t>
+            </a:r>
+          </a:p>
+        </p:txBody>
+      </p:sp>
+      <p:sp>
+        <p:nvSpPr>
+          <p:cNvPr id="4" name="TextBox 3">
+            <a:extLst>
+              <a:ext uri="{FF2B5EF4-FFF2-40B4-BE49-F238E27FC236}">
+                <a16:creationId xmlns:a16="http://schemas.microsoft.com/office/drawing/2014/main" id="{982B0CB6-AE87-4E11-C4DE-176348C861C4}"/>
+              </a:ext>
+            </a:extLst>
+          </p:cNvPr>
+          <p:cNvSpPr txBox="1"/>
+          <p:nvPr/>
+        </p:nvSpPr>
+        <p:spPr>
+          <a:xfrm>
+            <a:off x="6792686" y="4519136"/>
+            <a:ext cx="4025145" cy="1815882"/>
+          </a:xfrm>
+          <a:prstGeom prst="rect">
+            <a:avLst/>
+          </a:prstGeom>
+          <a:noFill/>
+        </p:spPr>
+        <p:txBody>
+          <a:bodyPr wrap="square">
+            <a:spAutoFit/>
+          </a:bodyPr>
+          <a:lstStyle/>
+          <a:p>
+            <a:r>
+              <a:rPr lang="en-US" sz="2000" b="1" dirty="0"/>
+              <a:t>Submitted By – Team #5</a:t>
+            </a:r>
+          </a:p>
+          <a:p>
+            <a:endParaRPr lang="en-US" b="1" dirty="0"/>
+          </a:p>
+          <a:p>
+            <a:r>
+              <a:rPr lang="en-US" dirty="0"/>
+              <a:t>Vamsi Krishna Yepuri </a:t>
+            </a:r>
+          </a:p>
+          <a:p>
+            <a:r>
+              <a:rPr lang="en-US" dirty="0"/>
+              <a:t>Venkata Kalyan </a:t>
+            </a:r>
+            <a:r>
+              <a:rPr lang="en-US" dirty="0" err="1"/>
+              <a:t>Polamarasetty</a:t>
+            </a:r>
+            <a:r>
+              <a:rPr lang="en-US" dirty="0"/>
+              <a:t> </a:t>
+            </a:r>
+          </a:p>
+          <a:p>
+            <a:r>
+              <a:rPr lang="en-US" dirty="0"/>
+              <a:t>Shivani </a:t>
+            </a:r>
+            <a:r>
+              <a:rPr lang="en-US" dirty="0" err="1"/>
+              <a:t>Donthi</a:t>
+            </a:r>
+            <a:r>
+              <a:rPr lang="en-US" dirty="0"/>
+              <a:t> </a:t>
+            </a:r>
+          </a:p>
+          <a:p>
+            <a:r>
+              <a:rPr lang="en-US" dirty="0"/>
+              <a:t>Ajay Kumar Reddy Gondi</a:t>
+            </a:r>
+          </a:p>
+        </p:txBody>
+      </p:sp>
+    </p:spTree>
+    <p:extLst>
+      <p:ext uri="{BB962C8B-B14F-4D97-AF65-F5344CB8AC3E}">
+        <p14:creationId xmlns:p14="http://schemas.microsoft.com/office/powerpoint/2010/main" val="1124340096"/>
+      </p:ext>
+    </p:extLst>
+  </p:cSld>
+  <p:clrMapOvr>
+    <a:masterClrMapping/>
+  </p:clrMapOvr>
+</p:sld>
+</file>
+
+<file path=ppt/slides/slide24.xml><?xml version="1.0" encoding="utf-8"?>
+<p:sld xmlns:a="http://schemas.openxmlformats.org/drawingml/2006/main" xmlns:r="http://schemas.openxmlformats.org/officeDocument/2006/relationships" xmlns:p="http://schemas.openxmlformats.org/presentationml/2006/main">
+  <p:cSld>
+    <p:spTree>
+      <p:nvGrpSpPr>
+        <p:cNvPr id="1" name=""/>
+        <p:cNvGrpSpPr/>
+        <p:nvPr/>
+      </p:nvGrpSpPr>
+      <p:grpSpPr>
+        <a:xfrm>
+          <a:off x="0" y="0"/>
+          <a:ext cx="0" cy="0"/>
+          <a:chOff x="0" y="0"/>
+          <a:chExt cx="0" cy="0"/>
+        </a:xfrm>
+      </p:grpSpPr>
+      <p:sp>
+        <p:nvSpPr>
+          <p:cNvPr id="2" name="Title 1">
+            <a:extLst>
+              <a:ext uri="{FF2B5EF4-FFF2-40B4-BE49-F238E27FC236}">
+                <a16:creationId xmlns:a16="http://schemas.microsoft.com/office/drawing/2014/main" id="{14E9E01B-61EB-D55D-D0C9-A985B914AB04}"/>
+              </a:ext>
+            </a:extLst>
+          </p:cNvPr>
+          <p:cNvSpPr>
+            <a:spLocks noGrp="1"/>
+          </p:cNvSpPr>
+          <p:nvPr>
+            <p:ph type="title"/>
+          </p:nvPr>
+        </p:nvSpPr>
+        <p:spPr>
+          <a:xfrm>
+            <a:off x="618507" y="0"/>
+            <a:ext cx="10515600" cy="1325563"/>
+          </a:xfrm>
+        </p:spPr>
+        <p:txBody>
+          <a:bodyPr/>
+          <a:lstStyle/>
+          <a:p>
+            <a:r>
+              <a:rPr lang="en-US" dirty="0"/>
+              <a:t>Milestones</a:t>
+            </a:r>
+          </a:p>
+        </p:txBody>
+      </p:sp>
+      <p:sp>
+        <p:nvSpPr>
+          <p:cNvPr id="7" name="TextBox 6">
+            <a:extLst>
+              <a:ext uri="{FF2B5EF4-FFF2-40B4-BE49-F238E27FC236}">
+                <a16:creationId xmlns:a16="http://schemas.microsoft.com/office/drawing/2014/main" id="{9AABA35B-E65D-33B8-AC4F-7F60CBF8C1CF}"/>
+              </a:ext>
+            </a:extLst>
+          </p:cNvPr>
+          <p:cNvSpPr txBox="1"/>
+          <p:nvPr/>
+        </p:nvSpPr>
+        <p:spPr>
+          <a:xfrm>
+            <a:off x="666502" y="1325563"/>
+            <a:ext cx="10579430" cy="1785104"/>
+          </a:xfrm>
+          <a:prstGeom prst="rect">
+            <a:avLst/>
+          </a:prstGeom>
+          <a:noFill/>
+        </p:spPr>
+        <p:txBody>
+          <a:bodyPr wrap="square">
+            <a:spAutoFit/>
+          </a:bodyPr>
+          <a:lstStyle/>
+          <a:p>
+            <a:pPr marL="285750" indent="-285750">
+              <a:spcBef>
+                <a:spcPts val="600"/>
+              </a:spcBef>
+              <a:spcAft>
+                <a:spcPts val="600"/>
+              </a:spcAft>
+              <a:buFont typeface="Arial" panose="020B0604020202020204" pitchFamily="34" charset="0"/>
+              <a:buChar char="•"/>
+            </a:pPr>
+            <a:r>
+              <a:rPr lang="en-US" sz="2000" b="1" dirty="0"/>
+              <a:t>Milestone 1</a:t>
+            </a:r>
+            <a:r>
+              <a:rPr lang="en-US" sz="2000" dirty="0"/>
+              <a:t> : Development of polyglot microservices and containerizing then with Docker</a:t>
+            </a:r>
+          </a:p>
+          <a:p>
+            <a:pPr marL="285750" indent="-285750">
+              <a:spcBef>
+                <a:spcPts val="600"/>
+              </a:spcBef>
+              <a:spcAft>
+                <a:spcPts val="600"/>
+              </a:spcAft>
+              <a:buFont typeface="Arial" panose="020B0604020202020204" pitchFamily="34" charset="0"/>
+              <a:buChar char="•"/>
+            </a:pPr>
+            <a:r>
+              <a:rPr lang="en-US" sz="2000" b="1" dirty="0"/>
+              <a:t>Milestone 2</a:t>
+            </a:r>
+            <a:r>
+              <a:rPr lang="en-US" sz="2000" dirty="0"/>
+              <a:t> : Setting up Kubernetes on cloud</a:t>
+            </a:r>
+          </a:p>
+          <a:p>
+            <a:pPr marL="285750" indent="-285750">
+              <a:spcBef>
+                <a:spcPts val="600"/>
+              </a:spcBef>
+              <a:spcAft>
+                <a:spcPts val="600"/>
+              </a:spcAft>
+              <a:buFont typeface="Arial" panose="020B0604020202020204" pitchFamily="34" charset="0"/>
+              <a:buChar char="•"/>
+            </a:pPr>
+            <a:r>
+              <a:rPr lang="en-US" sz="2000" b="1" dirty="0"/>
+              <a:t>Milestone 3 </a:t>
+            </a:r>
+            <a:r>
+              <a:rPr lang="en-US" sz="2000" dirty="0"/>
+              <a:t>: Deployment, scaling and load balancing of microservices on K8s</a:t>
+            </a:r>
+          </a:p>
+          <a:p>
+            <a:pPr marL="285750" indent="-285750">
+              <a:spcBef>
+                <a:spcPts val="600"/>
+              </a:spcBef>
+              <a:spcAft>
+                <a:spcPts val="600"/>
+              </a:spcAft>
+              <a:buFont typeface="Arial" panose="020B0604020202020204" pitchFamily="34" charset="0"/>
+              <a:buChar char="•"/>
+            </a:pPr>
+            <a:r>
+              <a:rPr lang="en-US" sz="2000" b="1" dirty="0"/>
+              <a:t>Milestone 4 </a:t>
+            </a:r>
+            <a:r>
+              <a:rPr lang="en-US" sz="2000" dirty="0"/>
+              <a:t>: Performance comparison of application on VM and containers</a:t>
+            </a:r>
+          </a:p>
+        </p:txBody>
+      </p:sp>
+    </p:spTree>
+    <p:extLst>
+      <p:ext uri="{BB962C8B-B14F-4D97-AF65-F5344CB8AC3E}">
+        <p14:creationId xmlns:p14="http://schemas.microsoft.com/office/powerpoint/2010/main" val="1947755303"/>
+      </p:ext>
+    </p:extLst>
+  </p:cSld>
+  <p:clrMapOvr>
+    <a:masterClrMapping/>
+  </p:clrMapOvr>
+</p:sld>
+</file>
+
+<file path=ppt/slides/slide25.xml><?xml version="1.0" encoding="utf-8"?>
+<p:sld xmlns:a="http://schemas.openxmlformats.org/drawingml/2006/main" xmlns:r="http://schemas.openxmlformats.org/officeDocument/2006/relationships" xmlns:p="http://schemas.openxmlformats.org/presentationml/2006/main">
+  <p:cSld>
+    <p:spTree>
+      <p:nvGrpSpPr>
+        <p:cNvPr id="1" name=""/>
+        <p:cNvGrpSpPr/>
+        <p:nvPr/>
+      </p:nvGrpSpPr>
+      <p:grpSpPr>
+        <a:xfrm>
+          <a:off x="0" y="0"/>
+          <a:ext cx="0" cy="0"/>
+          <a:chOff x="0" y="0"/>
+          <a:chExt cx="0" cy="0"/>
+        </a:xfrm>
+      </p:grpSpPr>
+      <p:sp>
+        <p:nvSpPr>
+          <p:cNvPr id="2" name="Title 1">
+            <a:extLst>
+              <a:ext uri="{FF2B5EF4-FFF2-40B4-BE49-F238E27FC236}">
+                <a16:creationId xmlns:a16="http://schemas.microsoft.com/office/drawing/2014/main" id="{F7228938-C625-582D-77CE-6CAD31A51099}"/>
+              </a:ext>
+            </a:extLst>
+          </p:cNvPr>
+          <p:cNvSpPr>
+            <a:spLocks noGrp="1"/>
+          </p:cNvSpPr>
+          <p:nvPr>
+            <p:ph type="title"/>
+          </p:nvPr>
+        </p:nvSpPr>
+        <p:spPr>
+          <a:xfrm>
+            <a:off x="256309" y="0"/>
+            <a:ext cx="10515600" cy="1325563"/>
+          </a:xfrm>
+        </p:spPr>
+        <p:txBody>
+          <a:bodyPr/>
+          <a:lstStyle/>
+          <a:p>
+            <a:r>
+              <a:rPr lang="en-US" dirty="0"/>
+              <a:t>System Architecture</a:t>
+            </a:r>
+          </a:p>
+        </p:txBody>
+      </p:sp>
+      <p:pic>
+        <p:nvPicPr>
+          <p:cNvPr id="5" name="Content Placeholder 4">
+            <a:extLst>
+              <a:ext uri="{FF2B5EF4-FFF2-40B4-BE49-F238E27FC236}">
+                <a16:creationId xmlns:a16="http://schemas.microsoft.com/office/drawing/2014/main" id="{BB3B72B4-FC6F-098A-879F-68DFA6DE151C}"/>
+              </a:ext>
+            </a:extLst>
+          </p:cNvPr>
+          <p:cNvPicPr>
+            <a:picLocks noGrp="1" noChangeAspect="1"/>
+          </p:cNvPicPr>
+          <p:nvPr>
+            <p:ph idx="1"/>
+          </p:nvPr>
+        </p:nvPicPr>
+        <p:blipFill>
+          <a:blip r:embed="rId2">
+            <a:extLst>
+              <a:ext uri="{28A0092B-C50C-407E-A947-70E740481C1C}">
+                <a14:useLocalDpi xmlns:a14="http://schemas.microsoft.com/office/drawing/2010/main" val="0"/>
+              </a:ext>
+            </a:extLst>
+          </a:blip>
+          <a:stretch>
+            <a:fillRect/>
+          </a:stretch>
+        </p:blipFill>
+        <p:spPr>
+          <a:xfrm>
+            <a:off x="2413226" y="2058823"/>
+            <a:ext cx="6581775" cy="3676650"/>
+          </a:xfrm>
+        </p:spPr>
+      </p:pic>
+      <p:sp>
+        <p:nvSpPr>
+          <p:cNvPr id="6" name="Title 1">
+            <a:extLst>
+              <a:ext uri="{FF2B5EF4-FFF2-40B4-BE49-F238E27FC236}">
+                <a16:creationId xmlns:a16="http://schemas.microsoft.com/office/drawing/2014/main" id="{7ABD82CD-B8BA-12BC-0168-D382916EB200}"/>
+              </a:ext>
+            </a:extLst>
+          </p:cNvPr>
+          <p:cNvSpPr txBox="1">
+            <a:spLocks/>
+          </p:cNvSpPr>
+          <p:nvPr/>
+        </p:nvSpPr>
+        <p:spPr>
+          <a:xfrm>
+            <a:off x="612568" y="1325563"/>
+            <a:ext cx="5556663" cy="446098"/>
+          </a:xfrm>
+          <a:prstGeom prst="rect">
+            <a:avLst/>
+          </a:prstGeom>
+        </p:spPr>
+        <p:txBody>
+          <a:bodyPr vert="horz" lIns="91440" tIns="45720" rIns="91440" bIns="45720" rtlCol="0" anchor="ctr">
+            <a:noAutofit/>
+          </a:bodyPr>
+          <a:lstStyle>
+            <a:lvl1pPr algn="l" defTabSz="914400" rtl="0" eaLnBrk="1" latinLnBrk="0" hangingPunct="1">
+              <a:lnSpc>
+                <a:spcPct val="90000"/>
+              </a:lnSpc>
+              <a:spcBef>
+                <a:spcPct val="0"/>
+              </a:spcBef>
+              <a:buNone/>
+              <a:defRPr sz="4400" kern="1200">
+                <a:solidFill>
+                  <a:schemeClr val="tx1"/>
+                </a:solidFill>
+                <a:latin typeface="+mj-lt"/>
+                <a:ea typeface="+mj-ea"/>
+                <a:cs typeface="+mj-cs"/>
+              </a:defRPr>
+            </a:lvl1pPr>
+          </a:lstStyle>
+          <a:p>
+            <a:pPr marL="285750" indent="-285750">
+              <a:buFont typeface="Arial" panose="020B0604020202020204" pitchFamily="34" charset="0"/>
+              <a:buChar char="•"/>
+            </a:pPr>
+            <a:r>
+              <a:rPr lang="en-US" sz="1800" dirty="0">
+                <a:latin typeface="+mn-lt"/>
+              </a:rPr>
+              <a:t>Book Store Application – Microservice architecture</a:t>
+            </a:r>
+          </a:p>
+        </p:txBody>
+      </p:sp>
+    </p:spTree>
+    <p:extLst>
+      <p:ext uri="{BB962C8B-B14F-4D97-AF65-F5344CB8AC3E}">
+        <p14:creationId xmlns:p14="http://schemas.microsoft.com/office/powerpoint/2010/main" val="922097556"/>
+      </p:ext>
+    </p:extLst>
+  </p:cSld>
+  <p:clrMapOvr>
+    <a:masterClrMapping/>
+  </p:clrMapOvr>
+</p:sld>
+</file>
+
+<file path=ppt/slides/slide26.xml><?xml version="1.0" encoding="utf-8"?>
+<p:sld xmlns:a="http://schemas.openxmlformats.org/drawingml/2006/main" xmlns:r="http://schemas.openxmlformats.org/officeDocument/2006/relationships" xmlns:p="http://schemas.openxmlformats.org/presentationml/2006/main">
+  <p:cSld>
+    <p:spTree>
+      <p:nvGrpSpPr>
+        <p:cNvPr id="1" name=""/>
+        <p:cNvGrpSpPr/>
+        <p:nvPr/>
+      </p:nvGrpSpPr>
+      <p:grpSpPr>
+        <a:xfrm>
+          <a:off x="0" y="0"/>
+          <a:ext cx="0" cy="0"/>
+          <a:chOff x="0" y="0"/>
+          <a:chExt cx="0" cy="0"/>
+        </a:xfrm>
+      </p:grpSpPr>
+      <p:pic>
+        <p:nvPicPr>
+          <p:cNvPr id="6148" name="Picture 4">
+            <a:extLst>
+              <a:ext uri="{FF2B5EF4-FFF2-40B4-BE49-F238E27FC236}">
+                <a16:creationId xmlns:a16="http://schemas.microsoft.com/office/drawing/2014/main" id="{4E7C5564-CCF4-4226-01BE-64550F7B2A92}"/>
+              </a:ext>
+            </a:extLst>
+          </p:cNvPr>
+          <p:cNvPicPr>
+            <a:picLocks noChangeAspect="1" noChangeArrowheads="1"/>
+          </p:cNvPicPr>
+          <p:nvPr/>
+        </p:nvPicPr>
+        <p:blipFill>
+          <a:blip r:embed="rId2">
+            <a:extLst>
+              <a:ext uri="{28A0092B-C50C-407E-A947-70E740481C1C}">
+                <a14:useLocalDpi xmlns:a14="http://schemas.microsoft.com/office/drawing/2010/main" val="0"/>
+              </a:ext>
+            </a:extLst>
+          </a:blip>
+          <a:srcRect/>
+          <a:stretch>
+            <a:fillRect/>
+          </a:stretch>
+        </p:blipFill>
+        <p:spPr bwMode="auto">
+          <a:xfrm>
+            <a:off x="975385" y="876377"/>
+            <a:ext cx="9700533" cy="6028320"/>
+          </a:xfrm>
+          <a:prstGeom prst="rect">
+            <a:avLst/>
+          </a:prstGeom>
+          <a:noFill/>
+          <a:extLst>
+            <a:ext uri="{909E8E84-426E-40DD-AFC4-6F175D3DCCD1}">
+              <a14:hiddenFill xmlns:a14="http://schemas.microsoft.com/office/drawing/2010/main">
+                <a:solidFill>
+                  <a:srgbClr val="FFFFFF"/>
+                </a:solidFill>
+              </a14:hiddenFill>
+            </a:ext>
+          </a:extLst>
+        </p:spPr>
+      </p:pic>
+      <p:sp>
+        <p:nvSpPr>
+          <p:cNvPr id="4" name="Title 1">
+            <a:extLst>
+              <a:ext uri="{FF2B5EF4-FFF2-40B4-BE49-F238E27FC236}">
+                <a16:creationId xmlns:a16="http://schemas.microsoft.com/office/drawing/2014/main" id="{F46ABFF4-FC0E-BEF1-79D8-02ABBE44A626}"/>
+              </a:ext>
+            </a:extLst>
+          </p:cNvPr>
+          <p:cNvSpPr txBox="1">
+            <a:spLocks/>
+          </p:cNvSpPr>
+          <p:nvPr/>
+        </p:nvSpPr>
+        <p:spPr>
+          <a:xfrm>
+            <a:off x="260267" y="-136125"/>
+            <a:ext cx="10515600" cy="1325563"/>
+          </a:xfrm>
+          <a:prstGeom prst="rect">
+            <a:avLst/>
+          </a:prstGeom>
+        </p:spPr>
+        <p:txBody>
+          <a:bodyPr vert="horz" lIns="91440" tIns="45720" rIns="91440" bIns="45720" rtlCol="0" anchor="ctr">
+            <a:normAutofit/>
+          </a:bodyPr>
+          <a:lstStyle>
+            <a:lvl1pPr algn="l" defTabSz="914400" rtl="0" eaLnBrk="1" latinLnBrk="0" hangingPunct="1">
+              <a:lnSpc>
+                <a:spcPct val="90000"/>
+              </a:lnSpc>
+              <a:spcBef>
+                <a:spcPct val="0"/>
+              </a:spcBef>
+              <a:buNone/>
+              <a:defRPr sz="4400" kern="1200">
+                <a:solidFill>
+                  <a:schemeClr val="tx1"/>
+                </a:solidFill>
+                <a:latin typeface="+mj-lt"/>
+                <a:ea typeface="+mj-ea"/>
+                <a:cs typeface="+mj-cs"/>
+              </a:defRPr>
+            </a:lvl1pPr>
+          </a:lstStyle>
+          <a:p>
+            <a:r>
+              <a:rPr lang="en-US" dirty="0"/>
+              <a:t>System Architecture</a:t>
+            </a:r>
+          </a:p>
+        </p:txBody>
+      </p:sp>
+      <p:sp>
+        <p:nvSpPr>
+          <p:cNvPr id="5" name="Title 1">
+            <a:extLst>
+              <a:ext uri="{FF2B5EF4-FFF2-40B4-BE49-F238E27FC236}">
+                <a16:creationId xmlns:a16="http://schemas.microsoft.com/office/drawing/2014/main" id="{E3E1F04C-FCCA-85EB-3809-1C8A6C033B62}"/>
+              </a:ext>
+            </a:extLst>
+          </p:cNvPr>
+          <p:cNvSpPr txBox="1">
+            <a:spLocks/>
+          </p:cNvSpPr>
+          <p:nvPr/>
+        </p:nvSpPr>
+        <p:spPr>
+          <a:xfrm>
+            <a:off x="677882" y="966389"/>
+            <a:ext cx="7088580" cy="446098"/>
+          </a:xfrm>
+          <a:prstGeom prst="rect">
+            <a:avLst/>
+          </a:prstGeom>
+        </p:spPr>
+        <p:txBody>
+          <a:bodyPr vert="horz" lIns="91440" tIns="45720" rIns="91440" bIns="45720" rtlCol="0" anchor="ctr">
+            <a:noAutofit/>
+          </a:bodyPr>
+          <a:lstStyle>
+            <a:lvl1pPr algn="l" defTabSz="914400" rtl="0" eaLnBrk="1" latinLnBrk="0" hangingPunct="1">
+              <a:lnSpc>
+                <a:spcPct val="90000"/>
+              </a:lnSpc>
+              <a:spcBef>
+                <a:spcPct val="0"/>
+              </a:spcBef>
+              <a:buNone/>
+              <a:defRPr sz="4400" kern="1200">
+                <a:solidFill>
+                  <a:schemeClr val="tx1"/>
+                </a:solidFill>
+                <a:latin typeface="+mj-lt"/>
+                <a:ea typeface="+mj-ea"/>
+                <a:cs typeface="+mj-cs"/>
+              </a:defRPr>
+            </a:lvl1pPr>
+          </a:lstStyle>
+          <a:p>
+            <a:pPr marL="285750" indent="-285750">
+              <a:buFont typeface="Arial" panose="020B0604020202020204" pitchFamily="34" charset="0"/>
+              <a:buChar char="•"/>
+            </a:pPr>
+            <a:r>
+              <a:rPr lang="en-US" sz="1800" dirty="0">
+                <a:latin typeface="+mn-lt"/>
+              </a:rPr>
+              <a:t>Book Store Application – Kubernetes architecture</a:t>
+            </a:r>
+          </a:p>
+        </p:txBody>
+      </p:sp>
+    </p:spTree>
+    <p:extLst>
+      <p:ext uri="{BB962C8B-B14F-4D97-AF65-F5344CB8AC3E}">
+        <p14:creationId xmlns:p14="http://schemas.microsoft.com/office/powerpoint/2010/main" val="3098537639"/>
+      </p:ext>
+    </p:extLst>
+  </p:cSld>
+  <p:clrMapOvr>
+    <a:masterClrMapping/>
+  </p:clrMapOvr>
+</p:sld>
+</file>
+
+<file path=ppt/slides/slide27.xml><?xml version="1.0" encoding="utf-8"?>
+<p:sld xmlns:a="http://schemas.openxmlformats.org/drawingml/2006/main" xmlns:r="http://schemas.openxmlformats.org/officeDocument/2006/relationships" xmlns:p="http://schemas.openxmlformats.org/presentationml/2006/main">
+  <p:cSld>
+    <p:spTree>
+      <p:nvGrpSpPr>
+        <p:cNvPr id="1" name=""/>
+        <p:cNvGrpSpPr/>
+        <p:nvPr/>
+      </p:nvGrpSpPr>
+      <p:grpSpPr>
+        <a:xfrm>
+          <a:off x="0" y="0"/>
+          <a:ext cx="0" cy="0"/>
+          <a:chOff x="0" y="0"/>
+          <a:chExt cx="0" cy="0"/>
+        </a:xfrm>
+      </p:grpSpPr>
+      <p:sp>
+        <p:nvSpPr>
+          <p:cNvPr id="4" name="Title 1">
+            <a:extLst>
+              <a:ext uri="{FF2B5EF4-FFF2-40B4-BE49-F238E27FC236}">
+                <a16:creationId xmlns:a16="http://schemas.microsoft.com/office/drawing/2014/main" id="{F46ABFF4-FC0E-BEF1-79D8-02ABBE44A626}"/>
+              </a:ext>
+            </a:extLst>
+          </p:cNvPr>
+          <p:cNvSpPr txBox="1">
+            <a:spLocks/>
+          </p:cNvSpPr>
+          <p:nvPr/>
+        </p:nvSpPr>
+        <p:spPr>
+          <a:xfrm>
+            <a:off x="260267" y="-136125"/>
+            <a:ext cx="10515600" cy="1325563"/>
+          </a:xfrm>
+          <a:prstGeom prst="rect">
+            <a:avLst/>
+          </a:prstGeom>
+        </p:spPr>
+        <p:txBody>
+          <a:bodyPr vert="horz" lIns="91440" tIns="45720" rIns="91440" bIns="45720" rtlCol="0" anchor="ctr">
+            <a:normAutofit/>
+          </a:bodyPr>
+          <a:lstStyle>
+            <a:lvl1pPr algn="l" defTabSz="914400" rtl="0" eaLnBrk="1" latinLnBrk="0" hangingPunct="1">
+              <a:lnSpc>
+                <a:spcPct val="90000"/>
+              </a:lnSpc>
+              <a:spcBef>
+                <a:spcPct val="0"/>
+              </a:spcBef>
+              <a:buNone/>
+              <a:defRPr sz="4400" kern="1200">
+                <a:solidFill>
+                  <a:schemeClr val="tx1"/>
+                </a:solidFill>
+                <a:latin typeface="+mj-lt"/>
+                <a:ea typeface="+mj-ea"/>
+                <a:cs typeface="+mj-cs"/>
+              </a:defRPr>
+            </a:lvl1pPr>
+          </a:lstStyle>
+          <a:p>
+            <a:r>
+              <a:rPr lang="en-US" dirty="0"/>
+              <a:t>Load Balancing Strategies in K8S service</a:t>
+            </a:r>
+          </a:p>
+        </p:txBody>
+      </p:sp>
+      <p:sp>
+        <p:nvSpPr>
+          <p:cNvPr id="3" name="TextBox 2">
+            <a:extLst>
+              <a:ext uri="{FF2B5EF4-FFF2-40B4-BE49-F238E27FC236}">
+                <a16:creationId xmlns:a16="http://schemas.microsoft.com/office/drawing/2014/main" id="{630882CC-4F82-1CF4-7C20-AAD93AEB3C97}"/>
+              </a:ext>
+            </a:extLst>
+          </p:cNvPr>
+          <p:cNvSpPr txBox="1"/>
+          <p:nvPr/>
+        </p:nvSpPr>
+        <p:spPr>
+          <a:xfrm>
+            <a:off x="421341" y="6014882"/>
+            <a:ext cx="8686800" cy="369332"/>
+          </a:xfrm>
+          <a:prstGeom prst="rect">
+            <a:avLst/>
+          </a:prstGeom>
+          <a:noFill/>
+        </p:spPr>
+        <p:txBody>
+          <a:bodyPr wrap="square">
+            <a:spAutoFit/>
+          </a:bodyPr>
+          <a:lstStyle/>
+          <a:p>
+            <a:r>
+              <a:rPr lang="en-US" dirty="0"/>
+              <a:t>https://technekey.com/changing-the-traffic-distribution-of-a-kubernetes-service/</a:t>
+            </a:r>
+          </a:p>
+        </p:txBody>
+      </p:sp>
+      <p:sp>
+        <p:nvSpPr>
+          <p:cNvPr id="6" name="Rectangle 1">
+            <a:extLst>
+              <a:ext uri="{FF2B5EF4-FFF2-40B4-BE49-F238E27FC236}">
+                <a16:creationId xmlns:a16="http://schemas.microsoft.com/office/drawing/2014/main" id="{28D5FB90-F2FB-E78D-9EF8-DA08E4FE753E}"/>
+              </a:ext>
+            </a:extLst>
+          </p:cNvPr>
+          <p:cNvSpPr>
+            <a:spLocks noChangeArrowheads="1"/>
+          </p:cNvSpPr>
+          <p:nvPr/>
+        </p:nvSpPr>
+        <p:spPr bwMode="auto">
+          <a:xfrm>
+            <a:off x="825043" y="991906"/>
+            <a:ext cx="3101498" cy="2610254"/>
+          </a:xfrm>
+          <a:prstGeom prst="rect">
+            <a:avLst/>
+          </a:prstGeom>
+          <a:solidFill>
+            <a:srgbClr val="FFFFFF"/>
+          </a:solidFill>
+          <a:ln>
+            <a:noFill/>
+          </a:ln>
+          <a:effectLst/>
+          <a:extLst>
+            <a:ext uri="{91240B29-F687-4F45-9708-019B960494DF}">
+              <a14:hiddenLine xmlns:a14="http://schemas.microsoft.com/office/drawing/2010/main" w="9525">
+                <a:solidFill>
+                  <a:schemeClr val="tx1"/>
+                </a:solidFill>
+                <a:miter lim="800000"/>
+                <a:headEnd/>
+                <a:tailEnd/>
+              </a14:hiddenLine>
+            </a:ext>
+            <a:ext uri="{AF507438-7753-43E0-B8FC-AC1667EBCBE1}">
+              <a14:hiddenEffects xmlns:a14="http://schemas.microsoft.com/office/drawing/2010/main">
+                <a:effectLst>
+                  <a:outerShdw dist="35921" dir="2700000" algn="ctr" rotWithShape="0">
+                    <a:schemeClr val="bg2"/>
+                  </a:outerShdw>
+                </a:effectLst>
+              </a14:hiddenEffects>
+            </a:ext>
+          </a:extLst>
+        </p:spPr>
+        <p:txBody>
+          <a:bodyPr vert="horz" wrap="square" lIns="91440" tIns="0" rIns="91440" bIns="238050" numCol="1" anchor="ctr" anchorCtr="0" compatLnSpc="1">
+            <a:prstTxWarp prst="textNoShape">
+              <a:avLst/>
+            </a:prstTxWarp>
+            <a:spAutoFit/>
+          </a:bodyPr>
+          <a:lstStyle/>
+          <a:p>
+            <a:pPr marL="0" marR="0" lvl="0" indent="0" algn="l" defTabSz="914400" rtl="0" eaLnBrk="0" fontAlgn="base" latinLnBrk="0" hangingPunct="0">
+              <a:lnSpc>
+                <a:spcPct val="100000"/>
+              </a:lnSpc>
+              <a:spcBef>
+                <a:spcPct val="0"/>
+              </a:spcBef>
+              <a:spcAft>
+                <a:spcPct val="0"/>
+              </a:spcAft>
+              <a:buClrTx/>
+              <a:buSzTx/>
+              <a:buFontTx/>
+              <a:buNone/>
+              <a:tabLst/>
+            </a:pPr>
+            <a:endParaRPr kumimoji="0" lang="en-US" altLang="en-US" sz="1800" b="0" i="0" u="none" strike="noStrike" cap="none" normalizeH="0" baseline="0" dirty="0">
+              <a:ln>
+                <a:noFill/>
+              </a:ln>
+              <a:solidFill>
+                <a:schemeClr val="tx1"/>
+              </a:solidFill>
+              <a:effectLst/>
+              <a:latin typeface="Arial" panose="020B0604020202020204" pitchFamily="34" charset="0"/>
+            </a:endParaRPr>
+          </a:p>
+          <a:p>
+            <a:pPr marL="285750" marR="0" lvl="0" indent="-285750" algn="l" defTabSz="914400" rtl="0" eaLnBrk="0" fontAlgn="base" latinLnBrk="0" hangingPunct="0">
+              <a:lnSpc>
+                <a:spcPct val="100000"/>
+              </a:lnSpc>
+              <a:spcBef>
+                <a:spcPct val="0"/>
+              </a:spcBef>
+              <a:spcAft>
+                <a:spcPct val="0"/>
+              </a:spcAft>
+              <a:buClrTx/>
+              <a:buSzTx/>
+              <a:buFont typeface="Arial" panose="020B0604020202020204" pitchFamily="34" charset="0"/>
+              <a:buChar char="•"/>
+              <a:tabLst/>
+            </a:pPr>
+            <a:r>
+              <a:rPr kumimoji="0" lang="en-US" altLang="en-US" sz="2000" i="0" u="none" strike="noStrike" cap="none" normalizeH="0" baseline="0" dirty="0">
+                <a:ln>
+                  <a:noFill/>
+                </a:ln>
+                <a:effectLst/>
+                <a:cs typeface="Arial" panose="020B0604020202020204" pitchFamily="34" charset="0"/>
+              </a:rPr>
+              <a:t>Round Robin</a:t>
+            </a:r>
+          </a:p>
+          <a:p>
+            <a:pPr marL="285750" marR="0" lvl="0" indent="-285750" algn="l" defTabSz="914400" rtl="0" eaLnBrk="0" fontAlgn="base" latinLnBrk="0" hangingPunct="0">
+              <a:lnSpc>
+                <a:spcPct val="100000"/>
+              </a:lnSpc>
+              <a:spcBef>
+                <a:spcPct val="0"/>
+              </a:spcBef>
+              <a:spcAft>
+                <a:spcPct val="0"/>
+              </a:spcAft>
+              <a:buClrTx/>
+              <a:buSzTx/>
+              <a:buFont typeface="Arial" panose="020B0604020202020204" pitchFamily="34" charset="0"/>
+              <a:buChar char="•"/>
+              <a:tabLst/>
+            </a:pPr>
+            <a:r>
+              <a:rPr kumimoji="0" lang="en-US" altLang="en-US" sz="2000" i="0" u="none" strike="noStrike" cap="none" normalizeH="0" baseline="0" dirty="0">
+                <a:ln>
+                  <a:noFill/>
+                </a:ln>
+                <a:effectLst/>
+                <a:cs typeface="Arial" panose="020B0604020202020204" pitchFamily="34" charset="0"/>
+              </a:rPr>
+              <a:t>Least Connection</a:t>
+            </a:r>
+          </a:p>
+          <a:p>
+            <a:pPr marL="285750" marR="0" lvl="0" indent="-285750" algn="l" defTabSz="914400" rtl="0" eaLnBrk="0" fontAlgn="base" latinLnBrk="0" hangingPunct="0">
+              <a:lnSpc>
+                <a:spcPct val="100000"/>
+              </a:lnSpc>
+              <a:spcBef>
+                <a:spcPct val="0"/>
+              </a:spcBef>
+              <a:spcAft>
+                <a:spcPct val="0"/>
+              </a:spcAft>
+              <a:buClrTx/>
+              <a:buSzTx/>
+              <a:buFont typeface="Arial" panose="020B0604020202020204" pitchFamily="34" charset="0"/>
+              <a:buChar char="•"/>
+              <a:tabLst/>
+            </a:pPr>
+            <a:r>
+              <a:rPr kumimoji="0" lang="en-US" altLang="en-US" sz="2000" i="0" u="none" strike="noStrike" cap="none" normalizeH="0" baseline="0" dirty="0">
+                <a:ln>
+                  <a:noFill/>
+                </a:ln>
+                <a:effectLst/>
+                <a:cs typeface="Arial" panose="020B0604020202020204" pitchFamily="34" charset="0"/>
+              </a:rPr>
+              <a:t>Destination Hashing</a:t>
+            </a:r>
+          </a:p>
+          <a:p>
+            <a:pPr marL="285750" marR="0" lvl="0" indent="-285750" algn="l" defTabSz="914400" rtl="0" eaLnBrk="0" fontAlgn="base" latinLnBrk="0" hangingPunct="0">
+              <a:lnSpc>
+                <a:spcPct val="100000"/>
+              </a:lnSpc>
+              <a:spcBef>
+                <a:spcPct val="0"/>
+              </a:spcBef>
+              <a:spcAft>
+                <a:spcPct val="0"/>
+              </a:spcAft>
+              <a:buClrTx/>
+              <a:buSzTx/>
+              <a:buFont typeface="Arial" panose="020B0604020202020204" pitchFamily="34" charset="0"/>
+              <a:buChar char="•"/>
+              <a:tabLst/>
+            </a:pPr>
+            <a:r>
+              <a:rPr kumimoji="0" lang="en-US" altLang="en-US" sz="2000" i="0" u="none" strike="noStrike" cap="none" normalizeH="0" baseline="0" dirty="0">
+                <a:ln>
+                  <a:noFill/>
+                </a:ln>
+                <a:effectLst/>
+                <a:cs typeface="Arial" panose="020B0604020202020204" pitchFamily="34" charset="0"/>
+              </a:rPr>
+              <a:t>Source Hashing</a:t>
+            </a:r>
+          </a:p>
+          <a:p>
+            <a:pPr marL="285750" marR="0" lvl="0" indent="-285750" algn="l" defTabSz="914400" rtl="0" eaLnBrk="0" fontAlgn="base" latinLnBrk="0" hangingPunct="0">
+              <a:lnSpc>
+                <a:spcPct val="100000"/>
+              </a:lnSpc>
+              <a:spcBef>
+                <a:spcPct val="0"/>
+              </a:spcBef>
+              <a:spcAft>
+                <a:spcPct val="0"/>
+              </a:spcAft>
+              <a:buClrTx/>
+              <a:buSzTx/>
+              <a:buFont typeface="Arial" panose="020B0604020202020204" pitchFamily="34" charset="0"/>
+              <a:buChar char="•"/>
+              <a:tabLst/>
+            </a:pPr>
+            <a:r>
+              <a:rPr lang="en-US" altLang="en-US" sz="2000" dirty="0">
+                <a:cs typeface="Arial" panose="020B0604020202020204" pitchFamily="34" charset="0"/>
+              </a:rPr>
+              <a:t>S</a:t>
+            </a:r>
+            <a:r>
+              <a:rPr kumimoji="0" lang="en-US" altLang="en-US" sz="2000" i="0" u="none" strike="noStrike" cap="none" normalizeH="0" baseline="0" dirty="0">
+                <a:ln>
+                  <a:noFill/>
+                </a:ln>
+                <a:effectLst/>
+                <a:cs typeface="Arial" panose="020B0604020202020204" pitchFamily="34" charset="0"/>
+              </a:rPr>
+              <a:t>hortest expected delay</a:t>
+            </a:r>
+          </a:p>
+          <a:p>
+            <a:pPr marL="285750" marR="0" lvl="0" indent="-285750" algn="l" defTabSz="914400" rtl="0" eaLnBrk="0" fontAlgn="base" latinLnBrk="0" hangingPunct="0">
+              <a:lnSpc>
+                <a:spcPct val="100000"/>
+              </a:lnSpc>
+              <a:spcBef>
+                <a:spcPct val="0"/>
+              </a:spcBef>
+              <a:spcAft>
+                <a:spcPct val="0"/>
+              </a:spcAft>
+              <a:buClrTx/>
+              <a:buSzTx/>
+              <a:buFont typeface="Arial" panose="020B0604020202020204" pitchFamily="34" charset="0"/>
+              <a:buChar char="•"/>
+              <a:tabLst/>
+            </a:pPr>
+            <a:r>
+              <a:rPr lang="en-US" altLang="en-US" sz="2000" dirty="0">
+                <a:cs typeface="Arial" panose="020B0604020202020204" pitchFamily="34" charset="0"/>
+              </a:rPr>
+              <a:t>N</a:t>
+            </a:r>
+            <a:r>
+              <a:rPr kumimoji="0" lang="en-US" altLang="en-US" sz="2000" i="0" u="none" strike="noStrike" cap="none" normalizeH="0" baseline="0" dirty="0">
+                <a:ln>
+                  <a:noFill/>
+                </a:ln>
+                <a:effectLst/>
+                <a:cs typeface="Arial" panose="020B0604020202020204" pitchFamily="34" charset="0"/>
+              </a:rPr>
+              <a:t>ever queue</a:t>
+            </a:r>
+            <a:br>
+              <a:rPr kumimoji="0" lang="en-US" altLang="en-US" sz="1600" i="0" u="none" strike="noStrike" cap="none" normalizeH="0" baseline="0" dirty="0">
+                <a:ln>
+                  <a:noFill/>
+                </a:ln>
+                <a:solidFill>
+                  <a:srgbClr val="202079"/>
+                </a:solidFill>
+                <a:effectLst/>
+                <a:cs typeface="Arial" panose="020B0604020202020204" pitchFamily="34" charset="0"/>
+              </a:rPr>
+            </a:br>
+            <a:endParaRPr kumimoji="0" lang="en-US" altLang="en-US" sz="1600" i="0" u="none" strike="noStrike" cap="none" normalizeH="0" baseline="0" dirty="0">
+              <a:ln>
+                <a:noFill/>
+              </a:ln>
+              <a:solidFill>
+                <a:schemeClr val="tx1"/>
+              </a:solidFill>
+              <a:effectLst/>
+            </a:endParaRPr>
+          </a:p>
+        </p:txBody>
+      </p:sp>
+    </p:spTree>
+    <p:extLst>
+      <p:ext uri="{BB962C8B-B14F-4D97-AF65-F5344CB8AC3E}">
+        <p14:creationId xmlns:p14="http://schemas.microsoft.com/office/powerpoint/2010/main" val="1185097052"/>
+      </p:ext>
+    </p:extLst>
+  </p:cSld>
+  <p:clrMapOvr>
+    <a:masterClrMapping/>
+  </p:clrMapOvr>
+</p:sld>
+</file>
+
+<file path=ppt/slides/slide28.xml><?xml version="1.0" encoding="utf-8"?>
 <p:sld xmlns:a="http://schemas.openxmlformats.org/drawingml/2006/main" xmlns:r="http://schemas.openxmlformats.org/officeDocument/2006/relationships" xmlns:p="http://schemas.openxmlformats.org/presentationml/2006/main">
   <p:cSld>
     <p:spTree>
@@ -9844,7 +10976,7 @@
             </a:r>
             <a:r>
               <a:rPr lang="en-US" sz="2000" dirty="0"/>
-              <a:t>: Deployment, autoscaling and load balancing of microservices on K8s</a:t>
+              <a:t>: Deployment, scaling and load balancing of microservices on K8s</a:t>
             </a:r>
           </a:p>
           <a:p>
